--- a/Week16-FinalProjects/meghana_arvind_final_project/meghana_arvind_final_project.pptx
+++ b/Week16-FinalProjects/meghana_arvind_final_project/meghana_arvind_final_project.pptx
@@ -1,37 +1,37 @@
 
 <file path=ppt/presentation.xml><?xml version="1.0" encoding="utf-8"?>
-<p:presentation xmlns:a="http://schemas.openxmlformats.org/drawingml/2006/main" xmlns:r="http://schemas.openxmlformats.org/officeDocument/2006/relationships" xmlns:mc="http://schemas.openxmlformats.org/markup-compatibility/2006" xmlns:mv="urn:schemas-microsoft-com:mac:vml" xmlns:p="http://schemas.openxmlformats.org/presentationml/2006/main" xmlns:c="http://schemas.openxmlformats.org/drawingml/2006/chart" xmlns:dgm="http://schemas.openxmlformats.org/drawingml/2006/diagram" xmlns:o="urn:schemas-microsoft-com:office:office" xmlns:v="urn:schemas-microsoft-com:vml" xmlns:pvml="urn:schemas-microsoft-com:office:powerpoint" xmlns:com="http://schemas.openxmlformats.org/drawingml/2006/compatibility" xmlns:p14="http://schemas.microsoft.com/office/powerpoint/2010/main" xmlns:p15="http://schemas.microsoft.com/office/powerpoint/2012/main" autoCompressPictures="0" embedTrueTypeFonts="1" strictFirstAndLastChars="0" saveSubsetFonts="1">
+<p:presentation xmlns:a="http://schemas.openxmlformats.org/drawingml/2006/main" xmlns:r="http://schemas.openxmlformats.org/officeDocument/2006/relationships" xmlns:p="http://schemas.openxmlformats.org/presentationml/2006/main" strictFirstAndLastChars="0" embedTrueTypeFonts="1" saveSubsetFonts="1" autoCompressPictures="0">
   <p:sldMasterIdLst>
-    <p:sldMasterId id="2147483659" r:id="rId4"/>
+    <p:sldMasterId id="2147483659" r:id="rId1"/>
   </p:sldMasterIdLst>
   <p:notesMasterIdLst>
-    <p:notesMasterId r:id="rId5"/>
+    <p:notesMasterId r:id="rId10"/>
   </p:notesMasterIdLst>
   <p:sldIdLst>
-    <p:sldId id="256" r:id="rId6"/>
-    <p:sldId id="257" r:id="rId7"/>
-    <p:sldId id="258" r:id="rId8"/>
-    <p:sldId id="259" r:id="rId9"/>
-    <p:sldId id="260" r:id="rId10"/>
-    <p:sldId id="261" r:id="rId11"/>
-    <p:sldId id="262" r:id="rId12"/>
-    <p:sldId id="263" r:id="rId13"/>
+    <p:sldId id="256" r:id="rId2"/>
+    <p:sldId id="257" r:id="rId3"/>
+    <p:sldId id="258" r:id="rId4"/>
+    <p:sldId id="259" r:id="rId5"/>
+    <p:sldId id="260" r:id="rId6"/>
+    <p:sldId id="261" r:id="rId7"/>
+    <p:sldId id="262" r:id="rId8"/>
+    <p:sldId id="263" r:id="rId9"/>
   </p:sldIdLst>
-  <p:sldSz cy="5143500" cx="9144000"/>
+  <p:sldSz cx="9144000" cy="5143500" type="screen16x9"/>
   <p:notesSz cx="6858000" cy="9144000"/>
   <p:embeddedFontLst>
     <p:embeddedFont>
-      <p:font typeface="Average"/>
-      <p:regular r:id="rId14"/>
+      <p:font typeface="Average" panose="020B0604020202020204" charset="0"/>
+      <p:regular r:id="rId11"/>
     </p:embeddedFont>
     <p:embeddedFont>
-      <p:font typeface="Oswald"/>
-      <p:regular r:id="rId15"/>
-      <p:bold r:id="rId16"/>
+      <p:font typeface="Oswald" panose="02000503000000000000" pitchFamily="2" charset="0"/>
+      <p:regular r:id="rId12"/>
+      <p:bold r:id="rId13"/>
     </p:embeddedFont>
   </p:embeddedFontLst>
   <p:defaultTextStyle>
-    <a:defPPr lvl="0" marR="0" rtl="0" algn="l">
+    <a:defPPr marR="0" lvl="0" algn="l" rtl="0">
       <a:lnSpc>
         <a:spcPct val="100000"/>
       </a:lnSpc>
@@ -42,7 +42,7 @@
         <a:spcPts val="0"/>
       </a:spcAft>
     </a:defPPr>
-    <a:lvl1pPr lvl="0" marR="0" rtl="0" algn="l">
+    <a:lvl1pPr marR="0" lvl="0" algn="l" rtl="0">
       <a:lnSpc>
         <a:spcPct val="100000"/>
       </a:lnSpc>
@@ -56,7 +56,7 @@
         <a:srgbClr val="000000"/>
       </a:buClr>
       <a:buFont typeface="Arial"/>
-      <a:defRPr b="0" i="0" sz="1400" u="none" cap="none" strike="noStrike">
+      <a:defRPr sz="1400" b="0" i="0" u="none" strike="noStrike" cap="none">
         <a:solidFill>
           <a:srgbClr val="000000"/>
         </a:solidFill>
@@ -66,7 +66,7 @@
         <a:sym typeface="Arial"/>
       </a:defRPr>
     </a:lvl1pPr>
-    <a:lvl2pPr lvl="1" marR="0" rtl="0" algn="l">
+    <a:lvl2pPr marR="0" lvl="1" algn="l" rtl="0">
       <a:lnSpc>
         <a:spcPct val="100000"/>
       </a:lnSpc>
@@ -80,7 +80,7 @@
         <a:srgbClr val="000000"/>
       </a:buClr>
       <a:buFont typeface="Arial"/>
-      <a:defRPr b="0" i="0" sz="1400" u="none" cap="none" strike="noStrike">
+      <a:defRPr sz="1400" b="0" i="0" u="none" strike="noStrike" cap="none">
         <a:solidFill>
           <a:srgbClr val="000000"/>
         </a:solidFill>
@@ -90,7 +90,7 @@
         <a:sym typeface="Arial"/>
       </a:defRPr>
     </a:lvl2pPr>
-    <a:lvl3pPr lvl="2" marR="0" rtl="0" algn="l">
+    <a:lvl3pPr marR="0" lvl="2" algn="l" rtl="0">
       <a:lnSpc>
         <a:spcPct val="100000"/>
       </a:lnSpc>
@@ -104,7 +104,7 @@
         <a:srgbClr val="000000"/>
       </a:buClr>
       <a:buFont typeface="Arial"/>
-      <a:defRPr b="0" i="0" sz="1400" u="none" cap="none" strike="noStrike">
+      <a:defRPr sz="1400" b="0" i="0" u="none" strike="noStrike" cap="none">
         <a:solidFill>
           <a:srgbClr val="000000"/>
         </a:solidFill>
@@ -114,7 +114,7 @@
         <a:sym typeface="Arial"/>
       </a:defRPr>
     </a:lvl3pPr>
-    <a:lvl4pPr lvl="3" marR="0" rtl="0" algn="l">
+    <a:lvl4pPr marR="0" lvl="3" algn="l" rtl="0">
       <a:lnSpc>
         <a:spcPct val="100000"/>
       </a:lnSpc>
@@ -128,7 +128,7 @@
         <a:srgbClr val="000000"/>
       </a:buClr>
       <a:buFont typeface="Arial"/>
-      <a:defRPr b="0" i="0" sz="1400" u="none" cap="none" strike="noStrike">
+      <a:defRPr sz="1400" b="0" i="0" u="none" strike="noStrike" cap="none">
         <a:solidFill>
           <a:srgbClr val="000000"/>
         </a:solidFill>
@@ -138,7 +138,7 @@
         <a:sym typeface="Arial"/>
       </a:defRPr>
     </a:lvl4pPr>
-    <a:lvl5pPr lvl="4" marR="0" rtl="0" algn="l">
+    <a:lvl5pPr marR="0" lvl="4" algn="l" rtl="0">
       <a:lnSpc>
         <a:spcPct val="100000"/>
       </a:lnSpc>
@@ -152,7 +152,7 @@
         <a:srgbClr val="000000"/>
       </a:buClr>
       <a:buFont typeface="Arial"/>
-      <a:defRPr b="0" i="0" sz="1400" u="none" cap="none" strike="noStrike">
+      <a:defRPr sz="1400" b="0" i="0" u="none" strike="noStrike" cap="none">
         <a:solidFill>
           <a:srgbClr val="000000"/>
         </a:solidFill>
@@ -162,7 +162,7 @@
         <a:sym typeface="Arial"/>
       </a:defRPr>
     </a:lvl5pPr>
-    <a:lvl6pPr lvl="5" marR="0" rtl="0" algn="l">
+    <a:lvl6pPr marR="0" lvl="5" algn="l" rtl="0">
       <a:lnSpc>
         <a:spcPct val="100000"/>
       </a:lnSpc>
@@ -176,7 +176,7 @@
         <a:srgbClr val="000000"/>
       </a:buClr>
       <a:buFont typeface="Arial"/>
-      <a:defRPr b="0" i="0" sz="1400" u="none" cap="none" strike="noStrike">
+      <a:defRPr sz="1400" b="0" i="0" u="none" strike="noStrike" cap="none">
         <a:solidFill>
           <a:srgbClr val="000000"/>
         </a:solidFill>
@@ -186,7 +186,7 @@
         <a:sym typeface="Arial"/>
       </a:defRPr>
     </a:lvl6pPr>
-    <a:lvl7pPr lvl="6" marR="0" rtl="0" algn="l">
+    <a:lvl7pPr marR="0" lvl="6" algn="l" rtl="0">
       <a:lnSpc>
         <a:spcPct val="100000"/>
       </a:lnSpc>
@@ -200,7 +200,7 @@
         <a:srgbClr val="000000"/>
       </a:buClr>
       <a:buFont typeface="Arial"/>
-      <a:defRPr b="0" i="0" sz="1400" u="none" cap="none" strike="noStrike">
+      <a:defRPr sz="1400" b="0" i="0" u="none" strike="noStrike" cap="none">
         <a:solidFill>
           <a:srgbClr val="000000"/>
         </a:solidFill>
@@ -210,7 +210,7 @@
         <a:sym typeface="Arial"/>
       </a:defRPr>
     </a:lvl7pPr>
-    <a:lvl8pPr lvl="7" marR="0" rtl="0" algn="l">
+    <a:lvl8pPr marR="0" lvl="7" algn="l" rtl="0">
       <a:lnSpc>
         <a:spcPct val="100000"/>
       </a:lnSpc>
@@ -224,7 +224,7 @@
         <a:srgbClr val="000000"/>
       </a:buClr>
       <a:buFont typeface="Arial"/>
-      <a:defRPr b="0" i="0" sz="1400" u="none" cap="none" strike="noStrike">
+      <a:defRPr sz="1400" b="0" i="0" u="none" strike="noStrike" cap="none">
         <a:solidFill>
           <a:srgbClr val="000000"/>
         </a:solidFill>
@@ -234,7 +234,7 @@
         <a:sym typeface="Arial"/>
       </a:defRPr>
     </a:lvl8pPr>
-    <a:lvl9pPr lvl="8" marR="0" rtl="0" algn="l">
+    <a:lvl9pPr marR="0" lvl="8" algn="l" rtl="0">
       <a:lnSpc>
         <a:spcPct val="100000"/>
       </a:lnSpc>
@@ -248,7 +248,7 @@
         <a:srgbClr val="000000"/>
       </a:buClr>
       <a:buFont typeface="Arial"/>
-      <a:defRPr b="0" i="0" sz="1400" u="none" cap="none" strike="noStrike">
+      <a:defRPr sz="1400" b="0" i="0" u="none" strike="noStrike" cap="none">
         <a:solidFill>
           <a:srgbClr val="000000"/>
         </a:solidFill>
@@ -261,7 +261,7 @@
   </p:defaultTextStyle>
   <p:extLst>
     <p:ext uri="{EFAFB233-063F-42B5-8137-9DF3F51BA10A}">
-      <p15:sldGuideLst>
+      <p15:sldGuideLst xmlns:p15="http://schemas.microsoft.com/office/powerpoint/2012/main">
         <p15:guide id="1" orient="horz" pos="1620">
           <p15:clr>
             <a:srgbClr val="A4A3A4"/>
@@ -279,11 +279,16 @@
 </file>
 
 <file path=ppt/notesMasters/notesMaster1.xml><?xml version="1.0" encoding="utf-8"?>
-<p:notesMaster xmlns:a="http://schemas.openxmlformats.org/drawingml/2006/main" xmlns:r="http://schemas.openxmlformats.org/officeDocument/2006/relationships" xmlns:mc="http://schemas.openxmlformats.org/markup-compatibility/2006" xmlns:mv="urn:schemas-microsoft-com:mac:vml" xmlns:p="http://schemas.openxmlformats.org/presentationml/2006/main" xmlns:c="http://schemas.openxmlformats.org/drawingml/2006/chart" xmlns:dgm="http://schemas.openxmlformats.org/drawingml/2006/diagram" xmlns:o="urn:schemas-microsoft-com:office:office" xmlns:v="urn:schemas-microsoft-com:vml" xmlns:pvml="urn:schemas-microsoft-com:office:powerpoint" xmlns:com="http://schemas.openxmlformats.org/drawingml/2006/compatibility" xmlns:p14="http://schemas.microsoft.com/office/powerpoint/2010/main" xmlns:p15="http://schemas.microsoft.com/office/powerpoint/2012/main">
+<p:notesMaster xmlns:a="http://schemas.openxmlformats.org/drawingml/2006/main" xmlns:r="http://schemas.openxmlformats.org/officeDocument/2006/relationships" xmlns:p="http://schemas.openxmlformats.org/presentationml/2006/main">
   <p:cSld>
+    <p:bg>
+      <p:bgRef idx="1001">
+        <a:schemeClr val="bg1"/>
+      </p:bgRef>
+    </p:bg>
     <p:spTree>
       <p:nvGrpSpPr>
-        <p:cNvPr id="2" name="Shape 2"/>
+        <p:cNvPr id="1" name="Shape 2"/>
         <p:cNvGrpSpPr/>
         <p:nvPr/>
       </p:nvGrpSpPr>
@@ -298,9 +303,11 @@
       <p:sp>
         <p:nvSpPr>
           <p:cNvPr id="3" name="Google Shape;3;n"/>
-          <p:cNvSpPr/>
+          <p:cNvSpPr>
+            <a:spLocks noGrp="1" noRot="1" noChangeAspect="1"/>
+          </p:cNvSpPr>
           <p:nvPr>
-            <p:ph idx="2" type="sldImg"/>
+            <p:ph type="sldImg" idx="2"/>
           </p:nvPr>
         </p:nvSpPr>
         <p:spPr>
@@ -309,9 +316,13 @@
             <a:ext cx="6096075" cy="3429000"/>
           </a:xfrm>
           <a:custGeom>
-            <a:rect b="b" l="l" r="r" t="t"/>
+            <a:avLst/>
+            <a:gdLst/>
+            <a:ahLst/>
+            <a:cxnLst/>
+            <a:rect l="l" t="t" r="r" b="b"/>
             <a:pathLst>
-              <a:path extrusionOk="0" h="120000" w="120000">
+              <a:path w="120000" h="120000" extrusionOk="0">
                 <a:moveTo>
                   <a:pt x="0" y="0"/>
                 </a:moveTo>
@@ -329,23 +340,25 @@
             </a:pathLst>
           </a:custGeom>
           <a:noFill/>
-          <a:ln cap="flat" cmpd="sng" w="9525">
+          <a:ln w="9525" cap="flat" cmpd="sng">
             <a:solidFill>
               <a:srgbClr val="000000"/>
             </a:solidFill>
             <a:prstDash val="solid"/>
             <a:round/>
-            <a:headEnd len="sm" w="sm" type="none"/>
-            <a:tailEnd len="sm" w="sm" type="none"/>
+            <a:headEnd type="none" w="sm" len="sm"/>
+            <a:tailEnd type="none" w="sm" len="sm"/>
           </a:ln>
         </p:spPr>
       </p:sp>
       <p:sp>
         <p:nvSpPr>
           <p:cNvPr id="4" name="Google Shape;4;n"/>
-          <p:cNvSpPr txBox="1"/>
+          <p:cNvSpPr txBox="1">
+            <a:spLocks noGrp="1"/>
+          </p:cNvSpPr>
           <p:nvPr>
-            <p:ph idx="1" type="body"/>
+            <p:ph type="body" idx="1"/>
           </p:nvPr>
         </p:nvSpPr>
         <p:spPr>
@@ -362,11 +375,11 @@
           </a:ln>
         </p:spPr>
         <p:txBody>
-          <a:bodyPr anchorCtr="0" anchor="t" bIns="91425" lIns="91425" spcFirstLastPara="1" rIns="91425" wrap="square" tIns="91425">
+          <a:bodyPr spcFirstLastPara="1" wrap="square" lIns="91425" tIns="91425" rIns="91425" bIns="91425" anchor="t" anchorCtr="0">
             <a:noAutofit/>
           </a:bodyPr>
           <a:lstStyle>
-            <a:lvl1pPr indent="-298450" lvl="0" marL="457200">
+            <a:lvl1pPr marL="457200" lvl="0" indent="-298450">
               <a:spcBef>
                 <a:spcPts val="0"/>
               </a:spcBef>
@@ -377,7 +390,7 @@
               <a:buChar char="●"/>
               <a:defRPr sz="1100"/>
             </a:lvl1pPr>
-            <a:lvl2pPr indent="-298450" lvl="1" marL="914400">
+            <a:lvl2pPr marL="914400" lvl="1" indent="-298450">
               <a:spcBef>
                 <a:spcPts val="0"/>
               </a:spcBef>
@@ -388,7 +401,7 @@
               <a:buChar char="○"/>
               <a:defRPr sz="1100"/>
             </a:lvl2pPr>
-            <a:lvl3pPr indent="-298450" lvl="2" marL="1371600">
+            <a:lvl3pPr marL="1371600" lvl="2" indent="-298450">
               <a:spcBef>
                 <a:spcPts val="0"/>
               </a:spcBef>
@@ -399,7 +412,7 @@
               <a:buChar char="■"/>
               <a:defRPr sz="1100"/>
             </a:lvl3pPr>
-            <a:lvl4pPr indent="-298450" lvl="3" marL="1828800">
+            <a:lvl4pPr marL="1828800" lvl="3" indent="-298450">
               <a:spcBef>
                 <a:spcPts val="0"/>
               </a:spcBef>
@@ -410,7 +423,7 @@
               <a:buChar char="●"/>
               <a:defRPr sz="1100"/>
             </a:lvl4pPr>
-            <a:lvl5pPr indent="-298450" lvl="4" marL="2286000">
+            <a:lvl5pPr marL="2286000" lvl="4" indent="-298450">
               <a:spcBef>
                 <a:spcPts val="0"/>
               </a:spcBef>
@@ -421,7 +434,7 @@
               <a:buChar char="○"/>
               <a:defRPr sz="1100"/>
             </a:lvl5pPr>
-            <a:lvl6pPr indent="-298450" lvl="5" marL="2743200">
+            <a:lvl6pPr marL="2743200" lvl="5" indent="-298450">
               <a:spcBef>
                 <a:spcPts val="0"/>
               </a:spcBef>
@@ -432,7 +445,7 @@
               <a:buChar char="■"/>
               <a:defRPr sz="1100"/>
             </a:lvl6pPr>
-            <a:lvl7pPr indent="-298450" lvl="6" marL="3200400">
+            <a:lvl7pPr marL="3200400" lvl="6" indent="-298450">
               <a:spcBef>
                 <a:spcPts val="0"/>
               </a:spcBef>
@@ -443,7 +456,7 @@
               <a:buChar char="●"/>
               <a:defRPr sz="1100"/>
             </a:lvl7pPr>
-            <a:lvl8pPr indent="-298450" lvl="7" marL="3657600">
+            <a:lvl8pPr marL="3657600" lvl="7" indent="-298450">
               <a:spcBef>
                 <a:spcPts val="0"/>
               </a:spcBef>
@@ -454,7 +467,7 @@
               <a:buChar char="○"/>
               <a:defRPr sz="1100"/>
             </a:lvl8pPr>
-            <a:lvl9pPr indent="-298450" lvl="8" marL="4114800">
+            <a:lvl9pPr marL="4114800" lvl="8" indent="-298450">
               <a:spcBef>
                 <a:spcPts val="0"/>
               </a:spcBef>
@@ -466,14 +479,16 @@
               <a:defRPr sz="1100"/>
             </a:lvl9pPr>
           </a:lstStyle>
-          <a:p/>
+          <a:p>
+            <a:endParaRPr/>
+          </a:p>
         </p:txBody>
       </p:sp>
     </p:spTree>
   </p:cSld>
-  <p:clrMap accent1="accent1" accent2="accent2" accent3="accent3" accent4="accent4" accent5="accent5" accent6="accent6" bg1="lt1" bg2="dk2" tx1="dk1" tx2="lt2" folHlink="folHlink" hlink="hlink"/>
+  <p:clrMap bg1="lt1" tx1="dk1" bg2="dk2" tx2="lt2" accent1="accent1" accent2="accent2" accent3="accent3" accent4="accent4" accent5="accent5" accent6="accent6" hlink="hlink" folHlink="folHlink"/>
   <p:notesStyle>
-    <a:defPPr lvl="0" marR="0" rtl="0" algn="l">
+    <a:defPPr marR="0" lvl="0" algn="l" rtl="0">
       <a:lnSpc>
         <a:spcPct val="100000"/>
       </a:lnSpc>
@@ -484,7 +499,7 @@
         <a:spcPts val="0"/>
       </a:spcAft>
     </a:defPPr>
-    <a:lvl1pPr lvl="0" marR="0" rtl="0" algn="l">
+    <a:lvl1pPr marR="0" lvl="0" algn="l" rtl="0">
       <a:lnSpc>
         <a:spcPct val="100000"/>
       </a:lnSpc>
@@ -498,7 +513,7 @@
         <a:srgbClr val="000000"/>
       </a:buClr>
       <a:buFont typeface="Arial"/>
-      <a:defRPr b="0" i="0" sz="1400" u="none" cap="none" strike="noStrike">
+      <a:defRPr sz="1400" b="0" i="0" u="none" strike="noStrike" cap="none">
         <a:solidFill>
           <a:srgbClr val="000000"/>
         </a:solidFill>
@@ -508,7 +523,7 @@
         <a:sym typeface="Arial"/>
       </a:defRPr>
     </a:lvl1pPr>
-    <a:lvl2pPr lvl="1" marR="0" rtl="0" algn="l">
+    <a:lvl2pPr marR="0" lvl="1" algn="l" rtl="0">
       <a:lnSpc>
         <a:spcPct val="100000"/>
       </a:lnSpc>
@@ -522,7 +537,7 @@
         <a:srgbClr val="000000"/>
       </a:buClr>
       <a:buFont typeface="Arial"/>
-      <a:defRPr b="0" i="0" sz="1400" u="none" cap="none" strike="noStrike">
+      <a:defRPr sz="1400" b="0" i="0" u="none" strike="noStrike" cap="none">
         <a:solidFill>
           <a:srgbClr val="000000"/>
         </a:solidFill>
@@ -532,7 +547,7 @@
         <a:sym typeface="Arial"/>
       </a:defRPr>
     </a:lvl2pPr>
-    <a:lvl3pPr lvl="2" marR="0" rtl="0" algn="l">
+    <a:lvl3pPr marR="0" lvl="2" algn="l" rtl="0">
       <a:lnSpc>
         <a:spcPct val="100000"/>
       </a:lnSpc>
@@ -546,7 +561,7 @@
         <a:srgbClr val="000000"/>
       </a:buClr>
       <a:buFont typeface="Arial"/>
-      <a:defRPr b="0" i="0" sz="1400" u="none" cap="none" strike="noStrike">
+      <a:defRPr sz="1400" b="0" i="0" u="none" strike="noStrike" cap="none">
         <a:solidFill>
           <a:srgbClr val="000000"/>
         </a:solidFill>
@@ -556,7 +571,7 @@
         <a:sym typeface="Arial"/>
       </a:defRPr>
     </a:lvl3pPr>
-    <a:lvl4pPr lvl="3" marR="0" rtl="0" algn="l">
+    <a:lvl4pPr marR="0" lvl="3" algn="l" rtl="0">
       <a:lnSpc>
         <a:spcPct val="100000"/>
       </a:lnSpc>
@@ -570,7 +585,7 @@
         <a:srgbClr val="000000"/>
       </a:buClr>
       <a:buFont typeface="Arial"/>
-      <a:defRPr b="0" i="0" sz="1400" u="none" cap="none" strike="noStrike">
+      <a:defRPr sz="1400" b="0" i="0" u="none" strike="noStrike" cap="none">
         <a:solidFill>
           <a:srgbClr val="000000"/>
         </a:solidFill>
@@ -580,7 +595,7 @@
         <a:sym typeface="Arial"/>
       </a:defRPr>
     </a:lvl4pPr>
-    <a:lvl5pPr lvl="4" marR="0" rtl="0" algn="l">
+    <a:lvl5pPr marR="0" lvl="4" algn="l" rtl="0">
       <a:lnSpc>
         <a:spcPct val="100000"/>
       </a:lnSpc>
@@ -594,7 +609,7 @@
         <a:srgbClr val="000000"/>
       </a:buClr>
       <a:buFont typeface="Arial"/>
-      <a:defRPr b="0" i="0" sz="1400" u="none" cap="none" strike="noStrike">
+      <a:defRPr sz="1400" b="0" i="0" u="none" strike="noStrike" cap="none">
         <a:solidFill>
           <a:srgbClr val="000000"/>
         </a:solidFill>
@@ -604,7 +619,7 @@
         <a:sym typeface="Arial"/>
       </a:defRPr>
     </a:lvl5pPr>
-    <a:lvl6pPr lvl="5" marR="0" rtl="0" algn="l">
+    <a:lvl6pPr marR="0" lvl="5" algn="l" rtl="0">
       <a:lnSpc>
         <a:spcPct val="100000"/>
       </a:lnSpc>
@@ -618,7 +633,7 @@
         <a:srgbClr val="000000"/>
       </a:buClr>
       <a:buFont typeface="Arial"/>
-      <a:defRPr b="0" i="0" sz="1400" u="none" cap="none" strike="noStrike">
+      <a:defRPr sz="1400" b="0" i="0" u="none" strike="noStrike" cap="none">
         <a:solidFill>
           <a:srgbClr val="000000"/>
         </a:solidFill>
@@ -628,7 +643,7 @@
         <a:sym typeface="Arial"/>
       </a:defRPr>
     </a:lvl6pPr>
-    <a:lvl7pPr lvl="6" marR="0" rtl="0" algn="l">
+    <a:lvl7pPr marR="0" lvl="6" algn="l" rtl="0">
       <a:lnSpc>
         <a:spcPct val="100000"/>
       </a:lnSpc>
@@ -642,7 +657,7 @@
         <a:srgbClr val="000000"/>
       </a:buClr>
       <a:buFont typeface="Arial"/>
-      <a:defRPr b="0" i="0" sz="1400" u="none" cap="none" strike="noStrike">
+      <a:defRPr sz="1400" b="0" i="0" u="none" strike="noStrike" cap="none">
         <a:solidFill>
           <a:srgbClr val="000000"/>
         </a:solidFill>
@@ -652,7 +667,7 @@
         <a:sym typeface="Arial"/>
       </a:defRPr>
     </a:lvl7pPr>
-    <a:lvl8pPr lvl="7" marR="0" rtl="0" algn="l">
+    <a:lvl8pPr marR="0" lvl="7" algn="l" rtl="0">
       <a:lnSpc>
         <a:spcPct val="100000"/>
       </a:lnSpc>
@@ -666,7 +681,7 @@
         <a:srgbClr val="000000"/>
       </a:buClr>
       <a:buFont typeface="Arial"/>
-      <a:defRPr b="0" i="0" sz="1400" u="none" cap="none" strike="noStrike">
+      <a:defRPr sz="1400" b="0" i="0" u="none" strike="noStrike" cap="none">
         <a:solidFill>
           <a:srgbClr val="000000"/>
         </a:solidFill>
@@ -676,7 +691,7 @@
         <a:sym typeface="Arial"/>
       </a:defRPr>
     </a:lvl8pPr>
-    <a:lvl9pPr lvl="8" marR="0" rtl="0" algn="l">
+    <a:lvl9pPr marR="0" lvl="8" algn="l" rtl="0">
       <a:lnSpc>
         <a:spcPct val="100000"/>
       </a:lnSpc>
@@ -690,7 +705,7 @@
         <a:srgbClr val="000000"/>
       </a:buClr>
       <a:buFont typeface="Arial"/>
-      <a:defRPr b="0" i="0" sz="1400" u="none" cap="none" strike="noStrike">
+      <a:defRPr sz="1400" b="0" i="0" u="none" strike="noStrike" cap="none">
         <a:solidFill>
           <a:srgbClr val="000000"/>
         </a:solidFill>
@@ -705,11 +720,11 @@
 </file>
 
 <file path=ppt/notesSlides/notesSlide1.xml><?xml version="1.0" encoding="utf-8"?>
-<p:notes xmlns:a="http://schemas.openxmlformats.org/drawingml/2006/main" xmlns:r="http://schemas.openxmlformats.org/officeDocument/2006/relationships" xmlns:mc="http://schemas.openxmlformats.org/markup-compatibility/2006" xmlns:mv="urn:schemas-microsoft-com:mac:vml" xmlns:p="http://schemas.openxmlformats.org/presentationml/2006/main" xmlns:c="http://schemas.openxmlformats.org/drawingml/2006/chart" xmlns:dgm="http://schemas.openxmlformats.org/drawingml/2006/diagram" xmlns:o="urn:schemas-microsoft-com:office:office" xmlns:v="urn:schemas-microsoft-com:vml" xmlns:pvml="urn:schemas-microsoft-com:office:powerpoint" xmlns:com="http://schemas.openxmlformats.org/drawingml/2006/compatibility" xmlns:p14="http://schemas.microsoft.com/office/powerpoint/2010/main" xmlns:p15="http://schemas.microsoft.com/office/powerpoint/2012/main" showMasterPhAnim="0" showMasterSp="0">
+<p:notes xmlns:a="http://schemas.openxmlformats.org/drawingml/2006/main" xmlns:r="http://schemas.openxmlformats.org/officeDocument/2006/relationships" xmlns:p="http://schemas.openxmlformats.org/presentationml/2006/main" showMasterSp="0" showMasterPhAnim="0">
   <p:cSld>
     <p:spTree>
       <p:nvGrpSpPr>
-        <p:cNvPr id="55" name="Shape 55"/>
+        <p:cNvPr id="1" name="Shape 55"/>
         <p:cNvGrpSpPr/>
         <p:nvPr/>
       </p:nvGrpSpPr>
@@ -724,20 +739,26 @@
       <p:sp>
         <p:nvSpPr>
           <p:cNvPr id="56" name="Google Shape;56;p:notes"/>
-          <p:cNvSpPr/>
+          <p:cNvSpPr>
+            <a:spLocks noGrp="1" noRot="1" noChangeAspect="1"/>
+          </p:cNvSpPr>
           <p:nvPr>
-            <p:ph idx="2" type="sldImg"/>
+            <p:ph type="sldImg" idx="2"/>
           </p:nvPr>
         </p:nvSpPr>
         <p:spPr>
           <a:xfrm>
-            <a:off x="381300" y="685800"/>
-            <a:ext cx="6096075" cy="3429000"/>
+            <a:off x="381000" y="685800"/>
+            <a:ext cx="6096000" cy="3429000"/>
           </a:xfrm>
           <a:custGeom>
-            <a:rect b="b" l="l" r="r" t="t"/>
+            <a:avLst/>
+            <a:gdLst/>
+            <a:ahLst/>
+            <a:cxnLst/>
+            <a:rect l="l" t="t" r="r" b="b"/>
             <a:pathLst>
-              <a:path extrusionOk="0" h="120000" w="120000">
+              <a:path w="120000" h="120000" extrusionOk="0">
                 <a:moveTo>
                   <a:pt x="0" y="0"/>
                 </a:moveTo>
@@ -759,9 +780,11 @@
       <p:sp>
         <p:nvSpPr>
           <p:cNvPr id="57" name="Google Shape;57;p:notes"/>
-          <p:cNvSpPr txBox="1"/>
+          <p:cNvSpPr txBox="1">
+            <a:spLocks noGrp="1"/>
+          </p:cNvSpPr>
           <p:nvPr>
-            <p:ph idx="1" type="body"/>
+            <p:ph type="body" idx="1"/>
           </p:nvPr>
         </p:nvSpPr>
         <p:spPr>
@@ -774,12 +797,12 @@
           </a:prstGeom>
         </p:spPr>
         <p:txBody>
-          <a:bodyPr anchorCtr="0" anchor="t" bIns="91425" lIns="91425" spcFirstLastPara="1" rIns="91425" wrap="square" tIns="91425">
+          <a:bodyPr spcFirstLastPara="1" wrap="square" lIns="91425" tIns="91425" rIns="91425" bIns="91425" anchor="t" anchorCtr="0">
             <a:noAutofit/>
           </a:bodyPr>
           <a:lstStyle/>
           <a:p>
-            <a:pPr indent="0" lvl="0" marL="0" rtl="0" algn="l">
+            <a:pPr marL="0" lvl="0" indent="0" algn="l" rtl="0">
               <a:spcBef>
                 <a:spcPts val="0"/>
               </a:spcBef>
@@ -789,9 +812,10 @@
               <a:buNone/>
             </a:pPr>
             <a:r>
-              <a:t/>
+              <a:rPr lang="en-US" dirty="0"/>
+              <a:t>test</a:t>
             </a:r>
-            <a:endParaRPr/>
+            <a:endParaRPr dirty="0"/>
           </a:p>
         </p:txBody>
       </p:sp>
@@ -804,11 +828,11 @@
 </file>
 
 <file path=ppt/notesSlides/notesSlide2.xml><?xml version="1.0" encoding="utf-8"?>
-<p:notes xmlns:a="http://schemas.openxmlformats.org/drawingml/2006/main" xmlns:r="http://schemas.openxmlformats.org/officeDocument/2006/relationships" xmlns:mc="http://schemas.openxmlformats.org/markup-compatibility/2006" xmlns:mv="urn:schemas-microsoft-com:mac:vml" xmlns:p="http://schemas.openxmlformats.org/presentationml/2006/main" xmlns:c="http://schemas.openxmlformats.org/drawingml/2006/chart" xmlns:dgm="http://schemas.openxmlformats.org/drawingml/2006/diagram" xmlns:o="urn:schemas-microsoft-com:office:office" xmlns:v="urn:schemas-microsoft-com:vml" xmlns:pvml="urn:schemas-microsoft-com:office:powerpoint" xmlns:com="http://schemas.openxmlformats.org/drawingml/2006/compatibility" xmlns:p14="http://schemas.microsoft.com/office/powerpoint/2010/main" xmlns:p15="http://schemas.microsoft.com/office/powerpoint/2012/main" showMasterPhAnim="0" showMasterSp="0">
+<p:notes xmlns:a="http://schemas.openxmlformats.org/drawingml/2006/main" xmlns:r="http://schemas.openxmlformats.org/officeDocument/2006/relationships" xmlns:p="http://schemas.openxmlformats.org/presentationml/2006/main" showMasterSp="0" showMasterPhAnim="0">
   <p:cSld>
     <p:spTree>
       <p:nvGrpSpPr>
-        <p:cNvPr id="61" name="Shape 61"/>
+        <p:cNvPr id="1" name="Shape 61"/>
         <p:cNvGrpSpPr/>
         <p:nvPr/>
       </p:nvGrpSpPr>
@@ -823,20 +847,26 @@
       <p:sp>
         <p:nvSpPr>
           <p:cNvPr id="62" name="Google Shape;62;g77cc7fcdd8_0_331:notes"/>
-          <p:cNvSpPr/>
+          <p:cNvSpPr>
+            <a:spLocks noGrp="1" noRot="1" noChangeAspect="1"/>
+          </p:cNvSpPr>
           <p:nvPr>
-            <p:ph idx="2" type="sldImg"/>
+            <p:ph type="sldImg" idx="2"/>
           </p:nvPr>
         </p:nvSpPr>
         <p:spPr>
           <a:xfrm>
-            <a:off x="381300" y="685800"/>
+            <a:off x="381000" y="685800"/>
             <a:ext cx="6096000" cy="3429000"/>
           </a:xfrm>
           <a:custGeom>
-            <a:rect b="b" l="l" r="r" t="t"/>
+            <a:avLst/>
+            <a:gdLst/>
+            <a:ahLst/>
+            <a:cxnLst/>
+            <a:rect l="l" t="t" r="r" b="b"/>
             <a:pathLst>
-              <a:path extrusionOk="0" h="120000" w="120000">
+              <a:path w="120000" h="120000" extrusionOk="0">
                 <a:moveTo>
                   <a:pt x="0" y="0"/>
                 </a:moveTo>
@@ -858,9 +888,11 @@
       <p:sp>
         <p:nvSpPr>
           <p:cNvPr id="63" name="Google Shape;63;g77cc7fcdd8_0_331:notes"/>
-          <p:cNvSpPr txBox="1"/>
+          <p:cNvSpPr txBox="1">
+            <a:spLocks noGrp="1"/>
+          </p:cNvSpPr>
           <p:nvPr>
-            <p:ph idx="1" type="body"/>
+            <p:ph type="body" idx="1"/>
           </p:nvPr>
         </p:nvSpPr>
         <p:spPr>
@@ -873,12 +905,12 @@
           </a:prstGeom>
         </p:spPr>
         <p:txBody>
-          <a:bodyPr anchorCtr="0" anchor="t" bIns="91425" lIns="91425" spcFirstLastPara="1" rIns="91425" wrap="square" tIns="91425">
+          <a:bodyPr spcFirstLastPara="1" wrap="square" lIns="91425" tIns="91425" rIns="91425" bIns="91425" anchor="t" anchorCtr="0">
             <a:noAutofit/>
           </a:bodyPr>
           <a:lstStyle/>
           <a:p>
-            <a:pPr indent="0" lvl="0" marL="0" rtl="0" algn="l">
+            <a:pPr marL="0" lvl="0" indent="0" algn="l" rtl="0">
               <a:spcBef>
                 <a:spcPts val="0"/>
               </a:spcBef>
@@ -887,10 +919,7 @@
               </a:spcAft>
               <a:buNone/>
             </a:pPr>
-            <a:r>
-              <a:t/>
-            </a:r>
-            <a:endParaRPr/>
+            <a:endParaRPr dirty="0"/>
           </a:p>
         </p:txBody>
       </p:sp>
@@ -903,11 +932,11 @@
 </file>
 
 <file path=ppt/notesSlides/notesSlide3.xml><?xml version="1.0" encoding="utf-8"?>
-<p:notes xmlns:a="http://schemas.openxmlformats.org/drawingml/2006/main" xmlns:r="http://schemas.openxmlformats.org/officeDocument/2006/relationships" xmlns:mc="http://schemas.openxmlformats.org/markup-compatibility/2006" xmlns:mv="urn:schemas-microsoft-com:mac:vml" xmlns:p="http://schemas.openxmlformats.org/presentationml/2006/main" xmlns:c="http://schemas.openxmlformats.org/drawingml/2006/chart" xmlns:dgm="http://schemas.openxmlformats.org/drawingml/2006/diagram" xmlns:o="urn:schemas-microsoft-com:office:office" xmlns:v="urn:schemas-microsoft-com:vml" xmlns:pvml="urn:schemas-microsoft-com:office:powerpoint" xmlns:com="http://schemas.openxmlformats.org/drawingml/2006/compatibility" xmlns:p14="http://schemas.microsoft.com/office/powerpoint/2010/main" xmlns:p15="http://schemas.microsoft.com/office/powerpoint/2012/main" showMasterPhAnim="0" showMasterSp="0">
+<p:notes xmlns:a="http://schemas.openxmlformats.org/drawingml/2006/main" xmlns:r="http://schemas.openxmlformats.org/officeDocument/2006/relationships" xmlns:p="http://schemas.openxmlformats.org/presentationml/2006/main" showMasterSp="0" showMasterPhAnim="0">
   <p:cSld>
     <p:spTree>
       <p:nvGrpSpPr>
-        <p:cNvPr id="67" name="Shape 67"/>
+        <p:cNvPr id="1" name="Shape 67"/>
         <p:cNvGrpSpPr/>
         <p:nvPr/>
       </p:nvGrpSpPr>
@@ -922,20 +951,26 @@
       <p:sp>
         <p:nvSpPr>
           <p:cNvPr id="68" name="Google Shape;68;g77cc7fcdd8_0_321:notes"/>
-          <p:cNvSpPr/>
+          <p:cNvSpPr>
+            <a:spLocks noGrp="1" noRot="1" noChangeAspect="1"/>
+          </p:cNvSpPr>
           <p:nvPr>
-            <p:ph idx="2" type="sldImg"/>
+            <p:ph type="sldImg" idx="2"/>
           </p:nvPr>
         </p:nvSpPr>
         <p:spPr>
           <a:xfrm>
-            <a:off x="381300" y="685800"/>
+            <a:off x="381000" y="685800"/>
             <a:ext cx="6096000" cy="3429000"/>
           </a:xfrm>
           <a:custGeom>
-            <a:rect b="b" l="l" r="r" t="t"/>
+            <a:avLst/>
+            <a:gdLst/>
+            <a:ahLst/>
+            <a:cxnLst/>
+            <a:rect l="l" t="t" r="r" b="b"/>
             <a:pathLst>
-              <a:path extrusionOk="0" h="120000" w="120000">
+              <a:path w="120000" h="120000" extrusionOk="0">
                 <a:moveTo>
                   <a:pt x="0" y="0"/>
                 </a:moveTo>
@@ -957,9 +992,11 @@
       <p:sp>
         <p:nvSpPr>
           <p:cNvPr id="69" name="Google Shape;69;g77cc7fcdd8_0_321:notes"/>
-          <p:cNvSpPr txBox="1"/>
+          <p:cNvSpPr txBox="1">
+            <a:spLocks noGrp="1"/>
+          </p:cNvSpPr>
           <p:nvPr>
-            <p:ph idx="1" type="body"/>
+            <p:ph type="body" idx="1"/>
           </p:nvPr>
         </p:nvSpPr>
         <p:spPr>
@@ -972,12 +1009,12 @@
           </a:prstGeom>
         </p:spPr>
         <p:txBody>
-          <a:bodyPr anchorCtr="0" anchor="t" bIns="91425" lIns="91425" spcFirstLastPara="1" rIns="91425" wrap="square" tIns="91425">
+          <a:bodyPr spcFirstLastPara="1" wrap="square" lIns="91425" tIns="91425" rIns="91425" bIns="91425" anchor="t" anchorCtr="0">
             <a:noAutofit/>
           </a:bodyPr>
           <a:lstStyle/>
           <a:p>
-            <a:pPr indent="0" lvl="0" marL="0" rtl="0" algn="l">
+            <a:pPr marL="0" lvl="0" indent="0" algn="l" rtl="0">
               <a:spcBef>
                 <a:spcPts val="0"/>
               </a:spcBef>
@@ -986,9 +1023,6 @@
               </a:spcAft>
               <a:buNone/>
             </a:pPr>
-            <a:r>
-              <a:t/>
-            </a:r>
             <a:endParaRPr/>
           </a:p>
         </p:txBody>
@@ -1002,11 +1036,11 @@
 </file>
 
 <file path=ppt/notesSlides/notesSlide4.xml><?xml version="1.0" encoding="utf-8"?>
-<p:notes xmlns:a="http://schemas.openxmlformats.org/drawingml/2006/main" xmlns:r="http://schemas.openxmlformats.org/officeDocument/2006/relationships" xmlns:mc="http://schemas.openxmlformats.org/markup-compatibility/2006" xmlns:mv="urn:schemas-microsoft-com:mac:vml" xmlns:p="http://schemas.openxmlformats.org/presentationml/2006/main" xmlns:c="http://schemas.openxmlformats.org/drawingml/2006/chart" xmlns:dgm="http://schemas.openxmlformats.org/drawingml/2006/diagram" xmlns:o="urn:schemas-microsoft-com:office:office" xmlns:v="urn:schemas-microsoft-com:vml" xmlns:pvml="urn:schemas-microsoft-com:office:powerpoint" xmlns:com="http://schemas.openxmlformats.org/drawingml/2006/compatibility" xmlns:p14="http://schemas.microsoft.com/office/powerpoint/2010/main" xmlns:p15="http://schemas.microsoft.com/office/powerpoint/2012/main" showMasterPhAnim="0" showMasterSp="0">
+<p:notes xmlns:a="http://schemas.openxmlformats.org/drawingml/2006/main" xmlns:r="http://schemas.openxmlformats.org/officeDocument/2006/relationships" xmlns:p="http://schemas.openxmlformats.org/presentationml/2006/main" showMasterSp="0" showMasterPhAnim="0">
   <p:cSld>
     <p:spTree>
       <p:nvGrpSpPr>
-        <p:cNvPr id="73" name="Shape 73"/>
+        <p:cNvPr id="1" name="Shape 73"/>
         <p:cNvGrpSpPr/>
         <p:nvPr/>
       </p:nvGrpSpPr>
@@ -1021,20 +1055,26 @@
       <p:sp>
         <p:nvSpPr>
           <p:cNvPr id="74" name="Google Shape;74;g77cc7fcdd8_0_356:notes"/>
-          <p:cNvSpPr/>
+          <p:cNvSpPr>
+            <a:spLocks noGrp="1" noRot="1" noChangeAspect="1"/>
+          </p:cNvSpPr>
           <p:nvPr>
-            <p:ph idx="2" type="sldImg"/>
+            <p:ph type="sldImg" idx="2"/>
           </p:nvPr>
         </p:nvSpPr>
         <p:spPr>
           <a:xfrm>
-            <a:off x="381300" y="685800"/>
+            <a:off x="381000" y="685800"/>
             <a:ext cx="6096000" cy="3429000"/>
           </a:xfrm>
           <a:custGeom>
-            <a:rect b="b" l="l" r="r" t="t"/>
+            <a:avLst/>
+            <a:gdLst/>
+            <a:ahLst/>
+            <a:cxnLst/>
+            <a:rect l="l" t="t" r="r" b="b"/>
             <a:pathLst>
-              <a:path extrusionOk="0" h="120000" w="120000">
+              <a:path w="120000" h="120000" extrusionOk="0">
                 <a:moveTo>
                   <a:pt x="0" y="0"/>
                 </a:moveTo>
@@ -1056,9 +1096,11 @@
       <p:sp>
         <p:nvSpPr>
           <p:cNvPr id="75" name="Google Shape;75;g77cc7fcdd8_0_356:notes"/>
-          <p:cNvSpPr txBox="1"/>
+          <p:cNvSpPr txBox="1">
+            <a:spLocks noGrp="1"/>
+          </p:cNvSpPr>
           <p:nvPr>
-            <p:ph idx="1" type="body"/>
+            <p:ph type="body" idx="1"/>
           </p:nvPr>
         </p:nvSpPr>
         <p:spPr>
@@ -1071,12 +1113,12 @@
           </a:prstGeom>
         </p:spPr>
         <p:txBody>
-          <a:bodyPr anchorCtr="0" anchor="t" bIns="91425" lIns="91425" spcFirstLastPara="1" rIns="91425" wrap="square" tIns="91425">
+          <a:bodyPr spcFirstLastPara="1" wrap="square" lIns="91425" tIns="91425" rIns="91425" bIns="91425" anchor="t" anchorCtr="0">
             <a:noAutofit/>
           </a:bodyPr>
           <a:lstStyle/>
           <a:p>
-            <a:pPr indent="0" lvl="0" marL="0" rtl="0" algn="l">
+            <a:pPr marL="0" lvl="0" indent="0" algn="l" rtl="0">
               <a:spcBef>
                 <a:spcPts val="0"/>
               </a:spcBef>
@@ -1085,9 +1127,6 @@
               </a:spcAft>
               <a:buNone/>
             </a:pPr>
-            <a:r>
-              <a:t/>
-            </a:r>
             <a:endParaRPr/>
           </a:p>
         </p:txBody>
@@ -1101,11 +1140,11 @@
 </file>
 
 <file path=ppt/notesSlides/notesSlide5.xml><?xml version="1.0" encoding="utf-8"?>
-<p:notes xmlns:a="http://schemas.openxmlformats.org/drawingml/2006/main" xmlns:r="http://schemas.openxmlformats.org/officeDocument/2006/relationships" xmlns:mc="http://schemas.openxmlformats.org/markup-compatibility/2006" xmlns:mv="urn:schemas-microsoft-com:mac:vml" xmlns:p="http://schemas.openxmlformats.org/presentationml/2006/main" xmlns:c="http://schemas.openxmlformats.org/drawingml/2006/chart" xmlns:dgm="http://schemas.openxmlformats.org/drawingml/2006/diagram" xmlns:o="urn:schemas-microsoft-com:office:office" xmlns:v="urn:schemas-microsoft-com:vml" xmlns:pvml="urn:schemas-microsoft-com:office:powerpoint" xmlns:com="http://schemas.openxmlformats.org/drawingml/2006/compatibility" xmlns:p14="http://schemas.microsoft.com/office/powerpoint/2010/main" xmlns:p15="http://schemas.microsoft.com/office/powerpoint/2012/main" showMasterPhAnim="0" showMasterSp="0">
+<p:notes xmlns:a="http://schemas.openxmlformats.org/drawingml/2006/main" xmlns:r="http://schemas.openxmlformats.org/officeDocument/2006/relationships" xmlns:p="http://schemas.openxmlformats.org/presentationml/2006/main" showMasterSp="0" showMasterPhAnim="0">
   <p:cSld>
     <p:spTree>
       <p:nvGrpSpPr>
-        <p:cNvPr id="79" name="Shape 79"/>
+        <p:cNvPr id="1" name="Shape 79"/>
         <p:cNvGrpSpPr/>
         <p:nvPr/>
       </p:nvGrpSpPr>
@@ -1120,9 +1159,11 @@
       <p:sp>
         <p:nvSpPr>
           <p:cNvPr id="80" name="Google Shape;80;g77cc7fcdd8_0_326:notes"/>
-          <p:cNvSpPr/>
+          <p:cNvSpPr>
+            <a:spLocks noGrp="1" noRot="1" noChangeAspect="1"/>
+          </p:cNvSpPr>
           <p:nvPr>
-            <p:ph idx="2" type="sldImg"/>
+            <p:ph type="sldImg" idx="2"/>
           </p:nvPr>
         </p:nvSpPr>
         <p:spPr>
@@ -1131,9 +1172,13 @@
             <a:ext cx="6096000" cy="3429000"/>
           </a:xfrm>
           <a:custGeom>
-            <a:rect b="b" l="l" r="r" t="t"/>
+            <a:avLst/>
+            <a:gdLst/>
+            <a:ahLst/>
+            <a:cxnLst/>
+            <a:rect l="l" t="t" r="r" b="b"/>
             <a:pathLst>
-              <a:path extrusionOk="0" h="120000" w="120000">
+              <a:path w="120000" h="120000" extrusionOk="0">
                 <a:moveTo>
                   <a:pt x="0" y="0"/>
                 </a:moveTo>
@@ -1155,9 +1200,11 @@
       <p:sp>
         <p:nvSpPr>
           <p:cNvPr id="81" name="Google Shape;81;g77cc7fcdd8_0_326:notes"/>
-          <p:cNvSpPr txBox="1"/>
+          <p:cNvSpPr txBox="1">
+            <a:spLocks noGrp="1"/>
+          </p:cNvSpPr>
           <p:nvPr>
-            <p:ph idx="1" type="body"/>
+            <p:ph type="body" idx="1"/>
           </p:nvPr>
         </p:nvSpPr>
         <p:spPr>
@@ -1170,12 +1217,12 @@
           </a:prstGeom>
         </p:spPr>
         <p:txBody>
-          <a:bodyPr anchorCtr="0" anchor="t" bIns="91425" lIns="91425" spcFirstLastPara="1" rIns="91425" wrap="square" tIns="91425">
+          <a:bodyPr spcFirstLastPara="1" wrap="square" lIns="91425" tIns="91425" rIns="91425" bIns="91425" anchor="t" anchorCtr="0">
             <a:noAutofit/>
           </a:bodyPr>
           <a:lstStyle/>
           <a:p>
-            <a:pPr indent="0" lvl="0" marL="0" rtl="0" algn="l">
+            <a:pPr marL="0" lvl="0" indent="0" algn="l" rtl="0">
               <a:spcBef>
                 <a:spcPts val="0"/>
               </a:spcBef>
@@ -1201,11 +1248,11 @@
 </file>
 
 <file path=ppt/notesSlides/notesSlide6.xml><?xml version="1.0" encoding="utf-8"?>
-<p:notes xmlns:a="http://schemas.openxmlformats.org/drawingml/2006/main" xmlns:r="http://schemas.openxmlformats.org/officeDocument/2006/relationships" xmlns:mc="http://schemas.openxmlformats.org/markup-compatibility/2006" xmlns:mv="urn:schemas-microsoft-com:mac:vml" xmlns:p="http://schemas.openxmlformats.org/presentationml/2006/main" xmlns:c="http://schemas.openxmlformats.org/drawingml/2006/chart" xmlns:dgm="http://schemas.openxmlformats.org/drawingml/2006/diagram" xmlns:o="urn:schemas-microsoft-com:office:office" xmlns:v="urn:schemas-microsoft-com:vml" xmlns:pvml="urn:schemas-microsoft-com:office:powerpoint" xmlns:com="http://schemas.openxmlformats.org/drawingml/2006/compatibility" xmlns:p14="http://schemas.microsoft.com/office/powerpoint/2010/main" xmlns:p15="http://schemas.microsoft.com/office/powerpoint/2012/main" showMasterPhAnim="0" showMasterSp="0">
+<p:notes xmlns:a="http://schemas.openxmlformats.org/drawingml/2006/main" xmlns:r="http://schemas.openxmlformats.org/officeDocument/2006/relationships" xmlns:p="http://schemas.openxmlformats.org/presentationml/2006/main" showMasterSp="0" showMasterPhAnim="0">
   <p:cSld>
     <p:spTree>
       <p:nvGrpSpPr>
-        <p:cNvPr id="85" name="Shape 85"/>
+        <p:cNvPr id="1" name="Shape 85"/>
         <p:cNvGrpSpPr/>
         <p:nvPr/>
       </p:nvGrpSpPr>
@@ -1220,20 +1267,26 @@
       <p:sp>
         <p:nvSpPr>
           <p:cNvPr id="86" name="Google Shape;86;g77cc7fcdd8_0_336:notes"/>
-          <p:cNvSpPr/>
+          <p:cNvSpPr>
+            <a:spLocks noGrp="1" noRot="1" noChangeAspect="1"/>
+          </p:cNvSpPr>
           <p:nvPr>
-            <p:ph idx="2" type="sldImg"/>
+            <p:ph type="sldImg" idx="2"/>
           </p:nvPr>
         </p:nvSpPr>
         <p:spPr>
           <a:xfrm>
-            <a:off x="381300" y="685800"/>
+            <a:off x="381000" y="685800"/>
             <a:ext cx="6096000" cy="3429000"/>
           </a:xfrm>
           <a:custGeom>
-            <a:rect b="b" l="l" r="r" t="t"/>
+            <a:avLst/>
+            <a:gdLst/>
+            <a:ahLst/>
+            <a:cxnLst/>
+            <a:rect l="l" t="t" r="r" b="b"/>
             <a:pathLst>
-              <a:path extrusionOk="0" h="120000" w="120000">
+              <a:path w="120000" h="120000" extrusionOk="0">
                 <a:moveTo>
                   <a:pt x="0" y="0"/>
                 </a:moveTo>
@@ -1255,9 +1308,11 @@
       <p:sp>
         <p:nvSpPr>
           <p:cNvPr id="87" name="Google Shape;87;g77cc7fcdd8_0_336:notes"/>
-          <p:cNvSpPr txBox="1"/>
+          <p:cNvSpPr txBox="1">
+            <a:spLocks noGrp="1"/>
+          </p:cNvSpPr>
           <p:nvPr>
-            <p:ph idx="1" type="body"/>
+            <p:ph type="body" idx="1"/>
           </p:nvPr>
         </p:nvSpPr>
         <p:spPr>
@@ -1270,12 +1325,12 @@
           </a:prstGeom>
         </p:spPr>
         <p:txBody>
-          <a:bodyPr anchorCtr="0" anchor="t" bIns="91425" lIns="91425" spcFirstLastPara="1" rIns="91425" wrap="square" tIns="91425">
+          <a:bodyPr spcFirstLastPara="1" wrap="square" lIns="91425" tIns="91425" rIns="91425" bIns="91425" anchor="t" anchorCtr="0">
             <a:noAutofit/>
           </a:bodyPr>
           <a:lstStyle/>
           <a:p>
-            <a:pPr indent="0" lvl="0" marL="0" rtl="0" algn="l">
+            <a:pPr marL="0" lvl="0" indent="0" algn="l" rtl="0">
               <a:spcBef>
                 <a:spcPts val="0"/>
               </a:spcBef>
@@ -1284,9 +1339,6 @@
               </a:spcAft>
               <a:buNone/>
             </a:pPr>
-            <a:r>
-              <a:t/>
-            </a:r>
             <a:endParaRPr/>
           </a:p>
         </p:txBody>
@@ -1300,11 +1352,11 @@
 </file>
 
 <file path=ppt/notesSlides/notesSlide7.xml><?xml version="1.0" encoding="utf-8"?>
-<p:notes xmlns:a="http://schemas.openxmlformats.org/drawingml/2006/main" xmlns:r="http://schemas.openxmlformats.org/officeDocument/2006/relationships" xmlns:mc="http://schemas.openxmlformats.org/markup-compatibility/2006" xmlns:mv="urn:schemas-microsoft-com:mac:vml" xmlns:p="http://schemas.openxmlformats.org/presentationml/2006/main" xmlns:c="http://schemas.openxmlformats.org/drawingml/2006/chart" xmlns:dgm="http://schemas.openxmlformats.org/drawingml/2006/diagram" xmlns:o="urn:schemas-microsoft-com:office:office" xmlns:v="urn:schemas-microsoft-com:vml" xmlns:pvml="urn:schemas-microsoft-com:office:powerpoint" xmlns:com="http://schemas.openxmlformats.org/drawingml/2006/compatibility" xmlns:p14="http://schemas.microsoft.com/office/powerpoint/2010/main" xmlns:p15="http://schemas.microsoft.com/office/powerpoint/2012/main" showMasterPhAnim="0" showMasterSp="0">
+<p:notes xmlns:a="http://schemas.openxmlformats.org/drawingml/2006/main" xmlns:r="http://schemas.openxmlformats.org/officeDocument/2006/relationships" xmlns:p="http://schemas.openxmlformats.org/presentationml/2006/main" showMasterSp="0" showMasterPhAnim="0">
   <p:cSld>
     <p:spTree>
       <p:nvGrpSpPr>
-        <p:cNvPr id="91" name="Shape 91"/>
+        <p:cNvPr id="1" name="Shape 91"/>
         <p:cNvGrpSpPr/>
         <p:nvPr/>
       </p:nvGrpSpPr>
@@ -1319,9 +1371,11 @@
       <p:sp>
         <p:nvSpPr>
           <p:cNvPr id="92" name="Google Shape;92;g77cc7fcdd8_0_341:notes"/>
-          <p:cNvSpPr/>
+          <p:cNvSpPr>
+            <a:spLocks noGrp="1" noRot="1" noChangeAspect="1"/>
+          </p:cNvSpPr>
           <p:nvPr>
-            <p:ph idx="2" type="sldImg"/>
+            <p:ph type="sldImg" idx="2"/>
           </p:nvPr>
         </p:nvSpPr>
         <p:spPr>
@@ -1330,9 +1384,13 @@
             <a:ext cx="6096000" cy="3429000"/>
           </a:xfrm>
           <a:custGeom>
-            <a:rect b="b" l="l" r="r" t="t"/>
+            <a:avLst/>
+            <a:gdLst/>
+            <a:ahLst/>
+            <a:cxnLst/>
+            <a:rect l="l" t="t" r="r" b="b"/>
             <a:pathLst>
-              <a:path extrusionOk="0" h="120000" w="120000">
+              <a:path w="120000" h="120000" extrusionOk="0">
                 <a:moveTo>
                   <a:pt x="0" y="0"/>
                 </a:moveTo>
@@ -1354,9 +1412,11 @@
       <p:sp>
         <p:nvSpPr>
           <p:cNvPr id="93" name="Google Shape;93;g77cc7fcdd8_0_341:notes"/>
-          <p:cNvSpPr txBox="1"/>
+          <p:cNvSpPr txBox="1">
+            <a:spLocks noGrp="1"/>
+          </p:cNvSpPr>
           <p:nvPr>
-            <p:ph idx="1" type="body"/>
+            <p:ph type="body" idx="1"/>
           </p:nvPr>
         </p:nvSpPr>
         <p:spPr>
@@ -1369,12 +1429,12 @@
           </a:prstGeom>
         </p:spPr>
         <p:txBody>
-          <a:bodyPr anchorCtr="0" anchor="t" bIns="91425" lIns="91425" spcFirstLastPara="1" rIns="91425" wrap="square" tIns="91425">
+          <a:bodyPr spcFirstLastPara="1" wrap="square" lIns="91425" tIns="91425" rIns="91425" bIns="91425" anchor="t" anchorCtr="0">
             <a:noAutofit/>
           </a:bodyPr>
           <a:lstStyle/>
           <a:p>
-            <a:pPr indent="0" lvl="0" marL="0" rtl="0" algn="l">
+            <a:pPr marL="0" lvl="0" indent="0" algn="l" rtl="0">
               <a:spcBef>
                 <a:spcPts val="0"/>
               </a:spcBef>
@@ -1383,9 +1443,6 @@
               </a:spcAft>
               <a:buNone/>
             </a:pPr>
-            <a:r>
-              <a:t/>
-            </a:r>
             <a:endParaRPr/>
           </a:p>
         </p:txBody>
@@ -1399,11 +1456,11 @@
 </file>
 
 <file path=ppt/notesSlides/notesSlide8.xml><?xml version="1.0" encoding="utf-8"?>
-<p:notes xmlns:a="http://schemas.openxmlformats.org/drawingml/2006/main" xmlns:r="http://schemas.openxmlformats.org/officeDocument/2006/relationships" xmlns:mc="http://schemas.openxmlformats.org/markup-compatibility/2006" xmlns:mv="urn:schemas-microsoft-com:mac:vml" xmlns:p="http://schemas.openxmlformats.org/presentationml/2006/main" xmlns:c="http://schemas.openxmlformats.org/drawingml/2006/chart" xmlns:dgm="http://schemas.openxmlformats.org/drawingml/2006/diagram" xmlns:o="urn:schemas-microsoft-com:office:office" xmlns:v="urn:schemas-microsoft-com:vml" xmlns:pvml="urn:schemas-microsoft-com:office:powerpoint" xmlns:com="http://schemas.openxmlformats.org/drawingml/2006/compatibility" xmlns:p14="http://schemas.microsoft.com/office/powerpoint/2010/main" xmlns:p15="http://schemas.microsoft.com/office/powerpoint/2012/main" showMasterPhAnim="0" showMasterSp="0">
+<p:notes xmlns:a="http://schemas.openxmlformats.org/drawingml/2006/main" xmlns:r="http://schemas.openxmlformats.org/officeDocument/2006/relationships" xmlns:p="http://schemas.openxmlformats.org/presentationml/2006/main" showMasterSp="0" showMasterPhAnim="0">
   <p:cSld>
     <p:spTree>
       <p:nvGrpSpPr>
-        <p:cNvPr id="97" name="Shape 97"/>
+        <p:cNvPr id="1" name="Shape 97"/>
         <p:cNvGrpSpPr/>
         <p:nvPr/>
       </p:nvGrpSpPr>
@@ -1418,20 +1475,26 @@
       <p:sp>
         <p:nvSpPr>
           <p:cNvPr id="98" name="Google Shape;98;g77cc7fcdd8_0_361:notes"/>
-          <p:cNvSpPr/>
+          <p:cNvSpPr>
+            <a:spLocks noGrp="1" noRot="1" noChangeAspect="1"/>
+          </p:cNvSpPr>
           <p:nvPr>
-            <p:ph idx="2" type="sldImg"/>
+            <p:ph type="sldImg" idx="2"/>
           </p:nvPr>
         </p:nvSpPr>
         <p:spPr>
           <a:xfrm>
-            <a:off x="381300" y="685800"/>
+            <a:off x="381000" y="685800"/>
             <a:ext cx="6096000" cy="3429000"/>
           </a:xfrm>
           <a:custGeom>
-            <a:rect b="b" l="l" r="r" t="t"/>
+            <a:avLst/>
+            <a:gdLst/>
+            <a:ahLst/>
+            <a:cxnLst/>
+            <a:rect l="l" t="t" r="r" b="b"/>
             <a:pathLst>
-              <a:path extrusionOk="0" h="120000" w="120000">
+              <a:path w="120000" h="120000" extrusionOk="0">
                 <a:moveTo>
                   <a:pt x="0" y="0"/>
                 </a:moveTo>
@@ -1453,9 +1516,11 @@
       <p:sp>
         <p:nvSpPr>
           <p:cNvPr id="99" name="Google Shape;99;g77cc7fcdd8_0_361:notes"/>
-          <p:cNvSpPr txBox="1"/>
+          <p:cNvSpPr txBox="1">
+            <a:spLocks noGrp="1"/>
+          </p:cNvSpPr>
           <p:nvPr>
-            <p:ph idx="1" type="body"/>
+            <p:ph type="body" idx="1"/>
           </p:nvPr>
         </p:nvSpPr>
         <p:spPr>
@@ -1468,12 +1533,12 @@
           </a:prstGeom>
         </p:spPr>
         <p:txBody>
-          <a:bodyPr anchorCtr="0" anchor="t" bIns="91425" lIns="91425" spcFirstLastPara="1" rIns="91425" wrap="square" tIns="91425">
+          <a:bodyPr spcFirstLastPara="1" wrap="square" lIns="91425" tIns="91425" rIns="91425" bIns="91425" anchor="t" anchorCtr="0">
             <a:noAutofit/>
           </a:bodyPr>
           <a:lstStyle/>
           <a:p>
-            <a:pPr indent="0" lvl="0" marL="0" rtl="0" algn="l">
+            <a:pPr marL="0" lvl="0" indent="0" algn="l" rtl="0">
               <a:spcBef>
                 <a:spcPts val="0"/>
               </a:spcBef>
@@ -1482,9 +1547,6 @@
               </a:spcAft>
               <a:buNone/>
             </a:pPr>
-            <a:r>
-              <a:t/>
-            </a:r>
             <a:endParaRPr/>
           </a:p>
         </p:txBody>
@@ -1498,11 +1560,11 @@
 </file>
 
 <file path=ppt/slideLayouts/slideLayout1.xml><?xml version="1.0" encoding="utf-8"?>
-<p:sldLayout xmlns:a="http://schemas.openxmlformats.org/drawingml/2006/main" xmlns:r="http://schemas.openxmlformats.org/officeDocument/2006/relationships" xmlns:mc="http://schemas.openxmlformats.org/markup-compatibility/2006" xmlns:mv="urn:schemas-microsoft-com:mac:vml" xmlns:p="http://schemas.openxmlformats.org/presentationml/2006/main" xmlns:c="http://schemas.openxmlformats.org/drawingml/2006/chart" xmlns:dgm="http://schemas.openxmlformats.org/drawingml/2006/diagram" xmlns:o="urn:schemas-microsoft-com:office:office" xmlns:v="urn:schemas-microsoft-com:vml" xmlns:pvml="urn:schemas-microsoft-com:office:powerpoint" xmlns:com="http://schemas.openxmlformats.org/drawingml/2006/compatibility" xmlns:p14="http://schemas.microsoft.com/office/powerpoint/2010/main" xmlns:p15="http://schemas.microsoft.com/office/powerpoint/2012/main" matchingName="Title slide" type="title">
+<p:sldLayout xmlns:a="http://schemas.openxmlformats.org/drawingml/2006/main" xmlns:r="http://schemas.openxmlformats.org/officeDocument/2006/relationships" xmlns:p="http://schemas.openxmlformats.org/presentationml/2006/main" matchingName="Title slide" type="title">
   <p:cSld name="TITLE">
     <p:spTree>
       <p:nvGrpSpPr>
-        <p:cNvPr id="9" name="Shape 9"/>
+        <p:cNvPr id="1" name="Shape 9"/>
         <p:cNvGrpSpPr/>
         <p:nvPr/>
       </p:nvGrpSpPr>
@@ -1550,12 +1612,12 @@
             </a:ln>
           </p:spPr>
           <p:txBody>
-            <a:bodyPr anchorCtr="0" anchor="ctr" bIns="91425" lIns="91425" spcFirstLastPara="1" rIns="91425" wrap="square" tIns="91425">
+            <a:bodyPr spcFirstLastPara="1" wrap="square" lIns="91425" tIns="91425" rIns="91425" bIns="91425" anchor="ctr" anchorCtr="0">
               <a:noAutofit/>
             </a:bodyPr>
             <a:lstStyle/>
             <a:p>
-              <a:pPr indent="0" lvl="0" marL="0" rtl="0" algn="l">
+              <a:pPr marL="0" lvl="0" indent="0" algn="l" rtl="0">
                 <a:spcBef>
                   <a:spcPts val="0"/>
                 </a:spcBef>
@@ -1564,9 +1626,6 @@
                 </a:spcAft>
                 <a:buNone/>
               </a:pPr>
-              <a:r>
-                <a:t/>
-              </a:r>
               <a:endParaRPr/>
             </a:p>
           </p:txBody>
@@ -1593,12 +1652,12 @@
             </a:ln>
           </p:spPr>
           <p:txBody>
-            <a:bodyPr anchorCtr="0" anchor="ctr" bIns="91425" lIns="91425" spcFirstLastPara="1" rIns="91425" wrap="square" tIns="91425">
+            <a:bodyPr spcFirstLastPara="1" wrap="square" lIns="91425" tIns="91425" rIns="91425" bIns="91425" anchor="ctr" anchorCtr="0">
               <a:noAutofit/>
             </a:bodyPr>
             <a:lstStyle/>
             <a:p>
-              <a:pPr indent="0" lvl="0" marL="0" rtl="0" algn="l">
+              <a:pPr marL="0" lvl="0" indent="0" algn="l" rtl="0">
                 <a:spcBef>
                   <a:spcPts val="0"/>
                 </a:spcBef>
@@ -1607,9 +1666,6 @@
                 </a:spcAft>
                 <a:buNone/>
               </a:pPr>
-              <a:r>
-                <a:t/>
-              </a:r>
               <a:endParaRPr/>
             </a:p>
           </p:txBody>
@@ -1636,12 +1692,12 @@
             </a:ln>
           </p:spPr>
           <p:txBody>
-            <a:bodyPr anchorCtr="0" anchor="ctr" bIns="91425" lIns="91425" spcFirstLastPara="1" rIns="91425" wrap="square" tIns="91425">
+            <a:bodyPr spcFirstLastPara="1" wrap="square" lIns="91425" tIns="91425" rIns="91425" bIns="91425" anchor="ctr" anchorCtr="0">
               <a:noAutofit/>
             </a:bodyPr>
             <a:lstStyle/>
             <a:p>
-              <a:pPr indent="0" lvl="0" marL="0" rtl="0" algn="l">
+              <a:pPr marL="0" lvl="0" indent="0" algn="l" rtl="0">
                 <a:spcBef>
                   <a:spcPts val="0"/>
                 </a:spcBef>
@@ -1650,9 +1706,6 @@
                 </a:spcAft>
                 <a:buNone/>
               </a:pPr>
-              <a:r>
-                <a:t/>
-              </a:r>
               <a:endParaRPr/>
             </a:p>
           </p:txBody>
@@ -1661,7 +1714,9 @@
       <p:sp>
         <p:nvSpPr>
           <p:cNvPr id="14" name="Google Shape;14;p2"/>
-          <p:cNvSpPr txBox="1"/>
+          <p:cNvSpPr txBox="1">
+            <a:spLocks noGrp="1"/>
+          </p:cNvSpPr>
           <p:nvPr>
             <p:ph type="ctrTitle"/>
           </p:nvPr>
@@ -1676,7 +1731,7 @@
           </a:prstGeom>
         </p:spPr>
         <p:txBody>
-          <a:bodyPr anchorCtr="0" anchor="b" bIns="91425" lIns="91425" spcFirstLastPara="1" rIns="91425" wrap="square" tIns="91425">
+          <a:bodyPr spcFirstLastPara="1" wrap="square" lIns="91425" tIns="91425" rIns="91425" bIns="91425" anchor="b" anchorCtr="0">
             <a:noAutofit/>
           </a:bodyPr>
           <a:lstStyle>
@@ -1780,15 +1835,19 @@
               <a:defRPr sz="4800"/>
             </a:lvl9pPr>
           </a:lstStyle>
-          <a:p/>
+          <a:p>
+            <a:endParaRPr/>
+          </a:p>
         </p:txBody>
       </p:sp>
       <p:sp>
         <p:nvSpPr>
           <p:cNvPr id="15" name="Google Shape;15;p2"/>
-          <p:cNvSpPr txBox="1"/>
+          <p:cNvSpPr txBox="1">
+            <a:spLocks noGrp="1"/>
+          </p:cNvSpPr>
           <p:nvPr>
-            <p:ph idx="1" type="subTitle"/>
+            <p:ph type="subTitle" idx="1"/>
           </p:nvPr>
         </p:nvSpPr>
         <p:spPr>
@@ -1801,7 +1860,7 @@
           </a:prstGeom>
         </p:spPr>
         <p:txBody>
-          <a:bodyPr anchorCtr="0" anchor="t" bIns="91425" lIns="91425" spcFirstLastPara="1" rIns="91425" wrap="square" tIns="91425">
+          <a:bodyPr spcFirstLastPara="1" wrap="square" lIns="91425" tIns="91425" rIns="91425" bIns="91425" anchor="t" anchorCtr="0">
             <a:noAutofit/>
           </a:bodyPr>
           <a:lstStyle>
@@ -1932,15 +1991,19 @@
               <a:defRPr sz="2100"/>
             </a:lvl9pPr>
           </a:lstStyle>
-          <a:p/>
+          <a:p>
+            <a:endParaRPr/>
+          </a:p>
         </p:txBody>
       </p:sp>
       <p:sp>
         <p:nvSpPr>
           <p:cNvPr id="16" name="Google Shape;16;p2"/>
-          <p:cNvSpPr txBox="1"/>
+          <p:cNvSpPr txBox="1">
+            <a:spLocks noGrp="1"/>
+          </p:cNvSpPr>
           <p:nvPr>
-            <p:ph idx="12" type="sldNum"/>
+            <p:ph type="sldNum" idx="12"/>
           </p:nvPr>
         </p:nvSpPr>
         <p:spPr>
@@ -1953,7 +2016,7 @@
           </a:prstGeom>
         </p:spPr>
         <p:txBody>
-          <a:bodyPr anchorCtr="0" anchor="ctr" bIns="91425" lIns="91425" spcFirstLastPara="1" rIns="91425" wrap="square" tIns="91425">
+          <a:bodyPr spcFirstLastPara="1" wrap="square" lIns="91425" tIns="91425" rIns="91425" bIns="91425" anchor="ctr" anchorCtr="0">
             <a:noAutofit/>
           </a:bodyPr>
           <a:lstStyle>
@@ -1995,7 +2058,7 @@
             </a:lvl9pPr>
           </a:lstStyle>
           <a:p>
-            <a:pPr indent="0" lvl="0" marL="0" rtl="0" algn="r">
+            <a:pPr marL="0" lvl="0" indent="0" algn="r" rtl="0">
               <a:spcBef>
                 <a:spcPts val="0"/>
               </a:spcBef>
@@ -2021,11 +2084,11 @@
 </file>
 
 <file path=ppt/slideLayouts/slideLayout10.xml><?xml version="1.0" encoding="utf-8"?>
-<p:sldLayout xmlns:a="http://schemas.openxmlformats.org/drawingml/2006/main" xmlns:r="http://schemas.openxmlformats.org/officeDocument/2006/relationships" xmlns:mc="http://schemas.openxmlformats.org/markup-compatibility/2006" xmlns:mv="urn:schemas-microsoft-com:mac:vml" xmlns:p="http://schemas.openxmlformats.org/presentationml/2006/main" xmlns:c="http://schemas.openxmlformats.org/drawingml/2006/chart" xmlns:dgm="http://schemas.openxmlformats.org/drawingml/2006/diagram" xmlns:o="urn:schemas-microsoft-com:office:office" xmlns:v="urn:schemas-microsoft-com:vml" xmlns:pvml="urn:schemas-microsoft-com:office:powerpoint" xmlns:com="http://schemas.openxmlformats.org/drawingml/2006/compatibility" xmlns:p14="http://schemas.microsoft.com/office/powerpoint/2010/main" xmlns:p15="http://schemas.microsoft.com/office/powerpoint/2012/main" matchingName="Big number">
+<p:sldLayout xmlns:a="http://schemas.openxmlformats.org/drawingml/2006/main" xmlns:r="http://schemas.openxmlformats.org/officeDocument/2006/relationships" xmlns:p="http://schemas.openxmlformats.org/presentationml/2006/main" matchingName="Big number">
   <p:cSld name="BIG_NUMBER">
     <p:spTree>
       <p:nvGrpSpPr>
-        <p:cNvPr id="49" name="Shape 49"/>
+        <p:cNvPr id="1" name="Shape 49"/>
         <p:cNvGrpSpPr/>
         <p:nvPr/>
       </p:nvGrpSpPr>
@@ -2040,9 +2103,11 @@
       <p:sp>
         <p:nvSpPr>
           <p:cNvPr id="50" name="Google Shape;50;p11"/>
-          <p:cNvSpPr txBox="1"/>
+          <p:cNvSpPr txBox="1">
+            <a:spLocks noGrp="1"/>
+          </p:cNvSpPr>
           <p:nvPr>
-            <p:ph hasCustomPrompt="1" type="title"/>
+            <p:ph type="title" hasCustomPrompt="1"/>
           </p:nvPr>
         </p:nvSpPr>
         <p:spPr>
@@ -2055,7 +2120,7 @@
           </a:prstGeom>
         </p:spPr>
         <p:txBody>
-          <a:bodyPr anchorCtr="0" anchor="b" bIns="91425" lIns="91425" spcFirstLastPara="1" rIns="91425" wrap="square" tIns="91425">
+          <a:bodyPr spcFirstLastPara="1" wrap="square" lIns="91425" tIns="91425" rIns="91425" bIns="91425" anchor="b" anchorCtr="0">
             <a:noAutofit/>
           </a:bodyPr>
           <a:lstStyle>
@@ -2169,9 +2234,11 @@
       <p:sp>
         <p:nvSpPr>
           <p:cNvPr id="51" name="Google Shape;51;p11"/>
-          <p:cNvSpPr txBox="1"/>
+          <p:cNvSpPr txBox="1">
+            <a:spLocks noGrp="1"/>
+          </p:cNvSpPr>
           <p:nvPr>
-            <p:ph idx="1" type="body"/>
+            <p:ph type="body" idx="1"/>
           </p:nvPr>
         </p:nvSpPr>
         <p:spPr>
@@ -2184,11 +2251,11 @@
           </a:prstGeom>
         </p:spPr>
         <p:txBody>
-          <a:bodyPr anchorCtr="0" anchor="t" bIns="91425" lIns="91425" spcFirstLastPara="1" rIns="91425" wrap="square" tIns="91425">
+          <a:bodyPr spcFirstLastPara="1" wrap="square" lIns="91425" tIns="91425" rIns="91425" bIns="91425" anchor="t" anchorCtr="0">
             <a:noAutofit/>
           </a:bodyPr>
           <a:lstStyle>
-            <a:lvl1pPr indent="-342900" lvl="0" marL="457200" algn="ctr">
+            <a:lvl1pPr marL="457200" lvl="0" indent="-342900" algn="ctr">
               <a:spcBef>
                 <a:spcPts val="0"/>
               </a:spcBef>
@@ -2199,7 +2266,7 @@
               <a:buChar char="●"/>
               <a:defRPr/>
             </a:lvl1pPr>
-            <a:lvl2pPr indent="-317500" lvl="1" marL="914400" algn="ctr">
+            <a:lvl2pPr marL="914400" lvl="1" indent="-317500" algn="ctr">
               <a:spcBef>
                 <a:spcPts val="1600"/>
               </a:spcBef>
@@ -2210,7 +2277,7 @@
               <a:buChar char="○"/>
               <a:defRPr/>
             </a:lvl2pPr>
-            <a:lvl3pPr indent="-317500" lvl="2" marL="1371600" algn="ctr">
+            <a:lvl3pPr marL="1371600" lvl="2" indent="-317500" algn="ctr">
               <a:spcBef>
                 <a:spcPts val="1600"/>
               </a:spcBef>
@@ -2221,7 +2288,7 @@
               <a:buChar char="■"/>
               <a:defRPr/>
             </a:lvl3pPr>
-            <a:lvl4pPr indent="-317500" lvl="3" marL="1828800" algn="ctr">
+            <a:lvl4pPr marL="1828800" lvl="3" indent="-317500" algn="ctr">
               <a:spcBef>
                 <a:spcPts val="1600"/>
               </a:spcBef>
@@ -2232,7 +2299,7 @@
               <a:buChar char="●"/>
               <a:defRPr/>
             </a:lvl4pPr>
-            <a:lvl5pPr indent="-317500" lvl="4" marL="2286000" algn="ctr">
+            <a:lvl5pPr marL="2286000" lvl="4" indent="-317500" algn="ctr">
               <a:spcBef>
                 <a:spcPts val="1600"/>
               </a:spcBef>
@@ -2243,7 +2310,7 @@
               <a:buChar char="○"/>
               <a:defRPr/>
             </a:lvl5pPr>
-            <a:lvl6pPr indent="-317500" lvl="5" marL="2743200" algn="ctr">
+            <a:lvl6pPr marL="2743200" lvl="5" indent="-317500" algn="ctr">
               <a:spcBef>
                 <a:spcPts val="1600"/>
               </a:spcBef>
@@ -2254,7 +2321,7 @@
               <a:buChar char="■"/>
               <a:defRPr/>
             </a:lvl6pPr>
-            <a:lvl7pPr indent="-317500" lvl="6" marL="3200400" algn="ctr">
+            <a:lvl7pPr marL="3200400" lvl="6" indent="-317500" algn="ctr">
               <a:spcBef>
                 <a:spcPts val="1600"/>
               </a:spcBef>
@@ -2265,7 +2332,7 @@
               <a:buChar char="●"/>
               <a:defRPr/>
             </a:lvl7pPr>
-            <a:lvl8pPr indent="-317500" lvl="7" marL="3657600" algn="ctr">
+            <a:lvl8pPr marL="3657600" lvl="7" indent="-317500" algn="ctr">
               <a:spcBef>
                 <a:spcPts val="1600"/>
               </a:spcBef>
@@ -2276,7 +2343,7 @@
               <a:buChar char="○"/>
               <a:defRPr/>
             </a:lvl8pPr>
-            <a:lvl9pPr indent="-317500" lvl="8" marL="4114800" algn="ctr">
+            <a:lvl9pPr marL="4114800" lvl="8" indent="-317500" algn="ctr">
               <a:spcBef>
                 <a:spcPts val="1600"/>
               </a:spcBef>
@@ -2288,15 +2355,19 @@
               <a:defRPr/>
             </a:lvl9pPr>
           </a:lstStyle>
-          <a:p/>
+          <a:p>
+            <a:endParaRPr/>
+          </a:p>
         </p:txBody>
       </p:sp>
       <p:sp>
         <p:nvSpPr>
           <p:cNvPr id="52" name="Google Shape;52;p11"/>
-          <p:cNvSpPr txBox="1"/>
+          <p:cNvSpPr txBox="1">
+            <a:spLocks noGrp="1"/>
+          </p:cNvSpPr>
           <p:nvPr>
-            <p:ph idx="12" type="sldNum"/>
+            <p:ph type="sldNum" idx="12"/>
           </p:nvPr>
         </p:nvSpPr>
         <p:spPr>
@@ -2309,7 +2380,7 @@
           </a:prstGeom>
         </p:spPr>
         <p:txBody>
-          <a:bodyPr anchorCtr="0" anchor="ctr" bIns="91425" lIns="91425" spcFirstLastPara="1" rIns="91425" wrap="square" tIns="91425">
+          <a:bodyPr spcFirstLastPara="1" wrap="square" lIns="91425" tIns="91425" rIns="91425" bIns="91425" anchor="ctr" anchorCtr="0">
             <a:noAutofit/>
           </a:bodyPr>
           <a:lstStyle>
@@ -2351,7 +2422,7 @@
             </a:lvl9pPr>
           </a:lstStyle>
           <a:p>
-            <a:pPr indent="0" lvl="0" marL="0" rtl="0" algn="r">
+            <a:pPr marL="0" lvl="0" indent="0" algn="r" rtl="0">
               <a:spcBef>
                 <a:spcPts val="0"/>
               </a:spcBef>
@@ -2377,11 +2448,11 @@
 </file>
 
 <file path=ppt/slideLayouts/slideLayout11.xml><?xml version="1.0" encoding="utf-8"?>
-<p:sldLayout xmlns:a="http://schemas.openxmlformats.org/drawingml/2006/main" xmlns:r="http://schemas.openxmlformats.org/officeDocument/2006/relationships" xmlns:mc="http://schemas.openxmlformats.org/markup-compatibility/2006" xmlns:mv="urn:schemas-microsoft-com:mac:vml" xmlns:p="http://schemas.openxmlformats.org/presentationml/2006/main" xmlns:c="http://schemas.openxmlformats.org/drawingml/2006/chart" xmlns:dgm="http://schemas.openxmlformats.org/drawingml/2006/diagram" xmlns:o="urn:schemas-microsoft-com:office:office" xmlns:v="urn:schemas-microsoft-com:vml" xmlns:pvml="urn:schemas-microsoft-com:office:powerpoint" xmlns:com="http://schemas.openxmlformats.org/drawingml/2006/compatibility" xmlns:p14="http://schemas.microsoft.com/office/powerpoint/2010/main" xmlns:p15="http://schemas.microsoft.com/office/powerpoint/2012/main" matchingName="Blank" type="blank">
+<p:sldLayout xmlns:a="http://schemas.openxmlformats.org/drawingml/2006/main" xmlns:r="http://schemas.openxmlformats.org/officeDocument/2006/relationships" xmlns:p="http://schemas.openxmlformats.org/presentationml/2006/main" matchingName="Blank" type="blank">
   <p:cSld name="BLANK">
     <p:spTree>
       <p:nvGrpSpPr>
-        <p:cNvPr id="53" name="Shape 53"/>
+        <p:cNvPr id="1" name="Shape 53"/>
         <p:cNvGrpSpPr/>
         <p:nvPr/>
       </p:nvGrpSpPr>
@@ -2396,9 +2467,11 @@
       <p:sp>
         <p:nvSpPr>
           <p:cNvPr id="54" name="Google Shape;54;p12"/>
-          <p:cNvSpPr txBox="1"/>
+          <p:cNvSpPr txBox="1">
+            <a:spLocks noGrp="1"/>
+          </p:cNvSpPr>
           <p:nvPr>
-            <p:ph idx="12" type="sldNum"/>
+            <p:ph type="sldNum" idx="12"/>
           </p:nvPr>
         </p:nvSpPr>
         <p:spPr>
@@ -2411,7 +2484,7 @@
           </a:prstGeom>
         </p:spPr>
         <p:txBody>
-          <a:bodyPr anchorCtr="0" anchor="ctr" bIns="91425" lIns="91425" spcFirstLastPara="1" rIns="91425" wrap="square" tIns="91425">
+          <a:bodyPr spcFirstLastPara="1" wrap="square" lIns="91425" tIns="91425" rIns="91425" bIns="91425" anchor="ctr" anchorCtr="0">
             <a:noAutofit/>
           </a:bodyPr>
           <a:lstStyle>
@@ -2453,7 +2526,7 @@
             </a:lvl9pPr>
           </a:lstStyle>
           <a:p>
-            <a:pPr indent="0" lvl="0" marL="0" rtl="0" algn="r">
+            <a:pPr marL="0" lvl="0" indent="0" algn="r" rtl="0">
               <a:spcBef>
                 <a:spcPts val="0"/>
               </a:spcBef>
@@ -2479,11 +2552,11 @@
 </file>
 
 <file path=ppt/slideLayouts/slideLayout2.xml><?xml version="1.0" encoding="utf-8"?>
-<p:sldLayout xmlns:a="http://schemas.openxmlformats.org/drawingml/2006/main" xmlns:r="http://schemas.openxmlformats.org/officeDocument/2006/relationships" xmlns:mc="http://schemas.openxmlformats.org/markup-compatibility/2006" xmlns:mv="urn:schemas-microsoft-com:mac:vml" xmlns:p="http://schemas.openxmlformats.org/presentationml/2006/main" xmlns:c="http://schemas.openxmlformats.org/drawingml/2006/chart" xmlns:dgm="http://schemas.openxmlformats.org/drawingml/2006/diagram" xmlns:o="urn:schemas-microsoft-com:office:office" xmlns:v="urn:schemas-microsoft-com:vml" xmlns:pvml="urn:schemas-microsoft-com:office:powerpoint" xmlns:com="http://schemas.openxmlformats.org/drawingml/2006/compatibility" xmlns:p14="http://schemas.microsoft.com/office/powerpoint/2010/main" xmlns:p15="http://schemas.microsoft.com/office/powerpoint/2012/main" matchingName="Section header" type="secHead">
+<p:sldLayout xmlns:a="http://schemas.openxmlformats.org/drawingml/2006/main" xmlns:r="http://schemas.openxmlformats.org/officeDocument/2006/relationships" xmlns:p="http://schemas.openxmlformats.org/presentationml/2006/main" matchingName="Section header" type="secHead">
   <p:cSld name="SECTION_HEADER">
     <p:spTree>
       <p:nvGrpSpPr>
-        <p:cNvPr id="17" name="Shape 17"/>
+        <p:cNvPr id="1" name="Shape 17"/>
         <p:cNvGrpSpPr/>
         <p:nvPr/>
       </p:nvGrpSpPr>
@@ -2498,7 +2571,9 @@
       <p:sp>
         <p:nvSpPr>
           <p:cNvPr id="18" name="Google Shape;18;p3"/>
-          <p:cNvSpPr txBox="1"/>
+          <p:cNvSpPr txBox="1">
+            <a:spLocks noGrp="1"/>
+          </p:cNvSpPr>
           <p:nvPr>
             <p:ph type="title"/>
           </p:nvPr>
@@ -2513,7 +2588,7 @@
           </a:prstGeom>
         </p:spPr>
         <p:txBody>
-          <a:bodyPr anchorCtr="0" anchor="ctr" bIns="91425" lIns="91425" spcFirstLastPara="1" rIns="91425" wrap="square" tIns="91425">
+          <a:bodyPr spcFirstLastPara="1" wrap="square" lIns="91425" tIns="91425" rIns="91425" bIns="91425" anchor="ctr" anchorCtr="0">
             <a:noAutofit/>
           </a:bodyPr>
           <a:lstStyle>
@@ -2617,15 +2692,19 @@
               <a:defRPr sz="3600"/>
             </a:lvl9pPr>
           </a:lstStyle>
-          <a:p/>
+          <a:p>
+            <a:endParaRPr/>
+          </a:p>
         </p:txBody>
       </p:sp>
       <p:sp>
         <p:nvSpPr>
           <p:cNvPr id="19" name="Google Shape;19;p3"/>
-          <p:cNvSpPr txBox="1"/>
+          <p:cNvSpPr txBox="1">
+            <a:spLocks noGrp="1"/>
+          </p:cNvSpPr>
           <p:nvPr>
-            <p:ph idx="12" type="sldNum"/>
+            <p:ph type="sldNum" idx="12"/>
           </p:nvPr>
         </p:nvSpPr>
         <p:spPr>
@@ -2638,7 +2717,7 @@
           </a:prstGeom>
         </p:spPr>
         <p:txBody>
-          <a:bodyPr anchorCtr="0" anchor="ctr" bIns="91425" lIns="91425" spcFirstLastPara="1" rIns="91425" wrap="square" tIns="91425">
+          <a:bodyPr spcFirstLastPara="1" wrap="square" lIns="91425" tIns="91425" rIns="91425" bIns="91425" anchor="ctr" anchorCtr="0">
             <a:noAutofit/>
           </a:bodyPr>
           <a:lstStyle>
@@ -2680,7 +2759,7 @@
             </a:lvl9pPr>
           </a:lstStyle>
           <a:p>
-            <a:pPr indent="0" lvl="0" marL="0" rtl="0" algn="r">
+            <a:pPr marL="0" lvl="0" indent="0" algn="r" rtl="0">
               <a:spcBef>
                 <a:spcPts val="0"/>
               </a:spcBef>
@@ -2706,11 +2785,11 @@
 </file>
 
 <file path=ppt/slideLayouts/slideLayout3.xml><?xml version="1.0" encoding="utf-8"?>
-<p:sldLayout xmlns:a="http://schemas.openxmlformats.org/drawingml/2006/main" xmlns:r="http://schemas.openxmlformats.org/officeDocument/2006/relationships" xmlns:mc="http://schemas.openxmlformats.org/markup-compatibility/2006" xmlns:mv="urn:schemas-microsoft-com:mac:vml" xmlns:p="http://schemas.openxmlformats.org/presentationml/2006/main" xmlns:c="http://schemas.openxmlformats.org/drawingml/2006/chart" xmlns:dgm="http://schemas.openxmlformats.org/drawingml/2006/diagram" xmlns:o="urn:schemas-microsoft-com:office:office" xmlns:v="urn:schemas-microsoft-com:vml" xmlns:pvml="urn:schemas-microsoft-com:office:powerpoint" xmlns:com="http://schemas.openxmlformats.org/drawingml/2006/compatibility" xmlns:p14="http://schemas.microsoft.com/office/powerpoint/2010/main" xmlns:p15="http://schemas.microsoft.com/office/powerpoint/2012/main" matchingName="Title and body" type="tx">
+<p:sldLayout xmlns:a="http://schemas.openxmlformats.org/drawingml/2006/main" xmlns:r="http://schemas.openxmlformats.org/officeDocument/2006/relationships" xmlns:p="http://schemas.openxmlformats.org/presentationml/2006/main" matchingName="Title and body" type="tx">
   <p:cSld name="TITLE_AND_BODY">
     <p:spTree>
       <p:nvGrpSpPr>
-        <p:cNvPr id="20" name="Shape 20"/>
+        <p:cNvPr id="1" name="Shape 20"/>
         <p:cNvGrpSpPr/>
         <p:nvPr/>
       </p:nvGrpSpPr>
@@ -2725,7 +2804,9 @@
       <p:sp>
         <p:nvSpPr>
           <p:cNvPr id="21" name="Google Shape;21;p4"/>
-          <p:cNvSpPr txBox="1"/>
+          <p:cNvSpPr txBox="1">
+            <a:spLocks noGrp="1"/>
+          </p:cNvSpPr>
           <p:nvPr>
             <p:ph type="title"/>
           </p:nvPr>
@@ -2740,7 +2821,7 @@
           </a:prstGeom>
         </p:spPr>
         <p:txBody>
-          <a:bodyPr anchorCtr="0" anchor="t" bIns="91425" lIns="91425" spcFirstLastPara="1" rIns="91425" wrap="square" tIns="91425">
+          <a:bodyPr spcFirstLastPara="1" wrap="square" lIns="91425" tIns="91425" rIns="91425" bIns="91425" anchor="t" anchorCtr="0">
             <a:noAutofit/>
           </a:bodyPr>
           <a:lstStyle>
@@ -2844,15 +2925,19 @@
               <a:defRPr/>
             </a:lvl9pPr>
           </a:lstStyle>
-          <a:p/>
+          <a:p>
+            <a:endParaRPr/>
+          </a:p>
         </p:txBody>
       </p:sp>
       <p:sp>
         <p:nvSpPr>
           <p:cNvPr id="22" name="Google Shape;22;p4"/>
-          <p:cNvSpPr txBox="1"/>
+          <p:cNvSpPr txBox="1">
+            <a:spLocks noGrp="1"/>
+          </p:cNvSpPr>
           <p:nvPr>
-            <p:ph idx="1" type="body"/>
+            <p:ph type="body" idx="1"/>
           </p:nvPr>
         </p:nvSpPr>
         <p:spPr>
@@ -2865,11 +2950,11 @@
           </a:prstGeom>
         </p:spPr>
         <p:txBody>
-          <a:bodyPr anchorCtr="0" anchor="t" bIns="91425" lIns="91425" spcFirstLastPara="1" rIns="91425" wrap="square" tIns="91425">
+          <a:bodyPr spcFirstLastPara="1" wrap="square" lIns="91425" tIns="91425" rIns="91425" bIns="91425" anchor="t" anchorCtr="0">
             <a:noAutofit/>
           </a:bodyPr>
           <a:lstStyle>
-            <a:lvl1pPr indent="-342900" lvl="0" marL="457200">
+            <a:lvl1pPr marL="457200" lvl="0" indent="-342900">
               <a:spcBef>
                 <a:spcPts val="0"/>
               </a:spcBef>
@@ -2880,7 +2965,7 @@
               <a:buChar char="●"/>
               <a:defRPr/>
             </a:lvl1pPr>
-            <a:lvl2pPr indent="-317500" lvl="1" marL="914400">
+            <a:lvl2pPr marL="914400" lvl="1" indent="-317500">
               <a:spcBef>
                 <a:spcPts val="1600"/>
               </a:spcBef>
@@ -2891,7 +2976,7 @@
               <a:buChar char="○"/>
               <a:defRPr/>
             </a:lvl2pPr>
-            <a:lvl3pPr indent="-317500" lvl="2" marL="1371600">
+            <a:lvl3pPr marL="1371600" lvl="2" indent="-317500">
               <a:spcBef>
                 <a:spcPts val="1600"/>
               </a:spcBef>
@@ -2902,7 +2987,7 @@
               <a:buChar char="■"/>
               <a:defRPr/>
             </a:lvl3pPr>
-            <a:lvl4pPr indent="-317500" lvl="3" marL="1828800">
+            <a:lvl4pPr marL="1828800" lvl="3" indent="-317500">
               <a:spcBef>
                 <a:spcPts val="1600"/>
               </a:spcBef>
@@ -2913,7 +2998,7 @@
               <a:buChar char="●"/>
               <a:defRPr/>
             </a:lvl4pPr>
-            <a:lvl5pPr indent="-317500" lvl="4" marL="2286000">
+            <a:lvl5pPr marL="2286000" lvl="4" indent="-317500">
               <a:spcBef>
                 <a:spcPts val="1600"/>
               </a:spcBef>
@@ -2924,7 +3009,7 @@
               <a:buChar char="○"/>
               <a:defRPr/>
             </a:lvl5pPr>
-            <a:lvl6pPr indent="-317500" lvl="5" marL="2743200">
+            <a:lvl6pPr marL="2743200" lvl="5" indent="-317500">
               <a:spcBef>
                 <a:spcPts val="1600"/>
               </a:spcBef>
@@ -2935,7 +3020,7 @@
               <a:buChar char="■"/>
               <a:defRPr/>
             </a:lvl6pPr>
-            <a:lvl7pPr indent="-317500" lvl="6" marL="3200400">
+            <a:lvl7pPr marL="3200400" lvl="6" indent="-317500">
               <a:spcBef>
                 <a:spcPts val="1600"/>
               </a:spcBef>
@@ -2946,7 +3031,7 @@
               <a:buChar char="●"/>
               <a:defRPr/>
             </a:lvl7pPr>
-            <a:lvl8pPr indent="-317500" lvl="7" marL="3657600">
+            <a:lvl8pPr marL="3657600" lvl="7" indent="-317500">
               <a:spcBef>
                 <a:spcPts val="1600"/>
               </a:spcBef>
@@ -2957,7 +3042,7 @@
               <a:buChar char="○"/>
               <a:defRPr/>
             </a:lvl8pPr>
-            <a:lvl9pPr indent="-317500" lvl="8" marL="4114800">
+            <a:lvl9pPr marL="4114800" lvl="8" indent="-317500">
               <a:spcBef>
                 <a:spcPts val="1600"/>
               </a:spcBef>
@@ -2969,15 +3054,19 @@
               <a:defRPr/>
             </a:lvl9pPr>
           </a:lstStyle>
-          <a:p/>
+          <a:p>
+            <a:endParaRPr/>
+          </a:p>
         </p:txBody>
       </p:sp>
       <p:sp>
         <p:nvSpPr>
           <p:cNvPr id="23" name="Google Shape;23;p4"/>
-          <p:cNvSpPr txBox="1"/>
+          <p:cNvSpPr txBox="1">
+            <a:spLocks noGrp="1"/>
+          </p:cNvSpPr>
           <p:nvPr>
-            <p:ph idx="12" type="sldNum"/>
+            <p:ph type="sldNum" idx="12"/>
           </p:nvPr>
         </p:nvSpPr>
         <p:spPr>
@@ -2990,7 +3079,7 @@
           </a:prstGeom>
         </p:spPr>
         <p:txBody>
-          <a:bodyPr anchorCtr="0" anchor="ctr" bIns="91425" lIns="91425" spcFirstLastPara="1" rIns="91425" wrap="square" tIns="91425">
+          <a:bodyPr spcFirstLastPara="1" wrap="square" lIns="91425" tIns="91425" rIns="91425" bIns="91425" anchor="ctr" anchorCtr="0">
             <a:noAutofit/>
           </a:bodyPr>
           <a:lstStyle>
@@ -3032,7 +3121,7 @@
             </a:lvl9pPr>
           </a:lstStyle>
           <a:p>
-            <a:pPr indent="0" lvl="0" marL="0" rtl="0" algn="r">
+            <a:pPr marL="0" lvl="0" indent="0" algn="r" rtl="0">
               <a:spcBef>
                 <a:spcPts val="0"/>
               </a:spcBef>
@@ -3058,11 +3147,11 @@
 </file>
 
 <file path=ppt/slideLayouts/slideLayout4.xml><?xml version="1.0" encoding="utf-8"?>
-<p:sldLayout xmlns:a="http://schemas.openxmlformats.org/drawingml/2006/main" xmlns:r="http://schemas.openxmlformats.org/officeDocument/2006/relationships" xmlns:mc="http://schemas.openxmlformats.org/markup-compatibility/2006" xmlns:mv="urn:schemas-microsoft-com:mac:vml" xmlns:p="http://schemas.openxmlformats.org/presentationml/2006/main" xmlns:c="http://schemas.openxmlformats.org/drawingml/2006/chart" xmlns:dgm="http://schemas.openxmlformats.org/drawingml/2006/diagram" xmlns:o="urn:schemas-microsoft-com:office:office" xmlns:v="urn:schemas-microsoft-com:vml" xmlns:pvml="urn:schemas-microsoft-com:office:powerpoint" xmlns:com="http://schemas.openxmlformats.org/drawingml/2006/compatibility" xmlns:p14="http://schemas.microsoft.com/office/powerpoint/2010/main" xmlns:p15="http://schemas.microsoft.com/office/powerpoint/2012/main" matchingName="Title and two columns" type="twoColTx">
+<p:sldLayout xmlns:a="http://schemas.openxmlformats.org/drawingml/2006/main" xmlns:r="http://schemas.openxmlformats.org/officeDocument/2006/relationships" xmlns:p="http://schemas.openxmlformats.org/presentationml/2006/main" matchingName="Title and two columns" type="twoColTx">
   <p:cSld name="TITLE_AND_TWO_COLUMNS">
     <p:spTree>
       <p:nvGrpSpPr>
-        <p:cNvPr id="24" name="Shape 24"/>
+        <p:cNvPr id="1" name="Shape 24"/>
         <p:cNvGrpSpPr/>
         <p:nvPr/>
       </p:nvGrpSpPr>
@@ -3077,7 +3166,9 @@
       <p:sp>
         <p:nvSpPr>
           <p:cNvPr id="25" name="Google Shape;25;p5"/>
-          <p:cNvSpPr txBox="1"/>
+          <p:cNvSpPr txBox="1">
+            <a:spLocks noGrp="1"/>
+          </p:cNvSpPr>
           <p:nvPr>
             <p:ph type="title"/>
           </p:nvPr>
@@ -3092,7 +3183,7 @@
           </a:prstGeom>
         </p:spPr>
         <p:txBody>
-          <a:bodyPr anchorCtr="0" anchor="t" bIns="91425" lIns="91425" spcFirstLastPara="1" rIns="91425" wrap="square" tIns="91425">
+          <a:bodyPr spcFirstLastPara="1" wrap="square" lIns="91425" tIns="91425" rIns="91425" bIns="91425" anchor="t" anchorCtr="0">
             <a:noAutofit/>
           </a:bodyPr>
           <a:lstStyle>
@@ -3196,15 +3287,19 @@
               <a:defRPr/>
             </a:lvl9pPr>
           </a:lstStyle>
-          <a:p/>
+          <a:p>
+            <a:endParaRPr/>
+          </a:p>
         </p:txBody>
       </p:sp>
       <p:sp>
         <p:nvSpPr>
           <p:cNvPr id="26" name="Google Shape;26;p5"/>
-          <p:cNvSpPr txBox="1"/>
+          <p:cNvSpPr txBox="1">
+            <a:spLocks noGrp="1"/>
+          </p:cNvSpPr>
           <p:nvPr>
-            <p:ph idx="1" type="body"/>
+            <p:ph type="body" idx="1"/>
           </p:nvPr>
         </p:nvSpPr>
         <p:spPr>
@@ -3217,11 +3312,11 @@
           </a:prstGeom>
         </p:spPr>
         <p:txBody>
-          <a:bodyPr anchorCtr="0" anchor="t" bIns="91425" lIns="91425" spcFirstLastPara="1" rIns="91425" wrap="square" tIns="91425">
+          <a:bodyPr spcFirstLastPara="1" wrap="square" lIns="91425" tIns="91425" rIns="91425" bIns="91425" anchor="t" anchorCtr="0">
             <a:noAutofit/>
           </a:bodyPr>
           <a:lstStyle>
-            <a:lvl1pPr indent="-317500" lvl="0" marL="457200">
+            <a:lvl1pPr marL="457200" lvl="0" indent="-317500">
               <a:spcBef>
                 <a:spcPts val="0"/>
               </a:spcBef>
@@ -3232,7 +3327,7 @@
               <a:buChar char="●"/>
               <a:defRPr sz="1400"/>
             </a:lvl1pPr>
-            <a:lvl2pPr indent="-304800" lvl="1" marL="914400">
+            <a:lvl2pPr marL="914400" lvl="1" indent="-304800">
               <a:spcBef>
                 <a:spcPts val="1600"/>
               </a:spcBef>
@@ -3243,7 +3338,7 @@
               <a:buChar char="○"/>
               <a:defRPr sz="1200"/>
             </a:lvl2pPr>
-            <a:lvl3pPr indent="-304800" lvl="2" marL="1371600">
+            <a:lvl3pPr marL="1371600" lvl="2" indent="-304800">
               <a:spcBef>
                 <a:spcPts val="1600"/>
               </a:spcBef>
@@ -3254,7 +3349,7 @@
               <a:buChar char="■"/>
               <a:defRPr sz="1200"/>
             </a:lvl3pPr>
-            <a:lvl4pPr indent="-304800" lvl="3" marL="1828800">
+            <a:lvl4pPr marL="1828800" lvl="3" indent="-304800">
               <a:spcBef>
                 <a:spcPts val="1600"/>
               </a:spcBef>
@@ -3265,7 +3360,7 @@
               <a:buChar char="●"/>
               <a:defRPr sz="1200"/>
             </a:lvl4pPr>
-            <a:lvl5pPr indent="-304800" lvl="4" marL="2286000">
+            <a:lvl5pPr marL="2286000" lvl="4" indent="-304800">
               <a:spcBef>
                 <a:spcPts val="1600"/>
               </a:spcBef>
@@ -3276,7 +3371,7 @@
               <a:buChar char="○"/>
               <a:defRPr sz="1200"/>
             </a:lvl5pPr>
-            <a:lvl6pPr indent="-304800" lvl="5" marL="2743200">
+            <a:lvl6pPr marL="2743200" lvl="5" indent="-304800">
               <a:spcBef>
                 <a:spcPts val="1600"/>
               </a:spcBef>
@@ -3287,7 +3382,7 @@
               <a:buChar char="■"/>
               <a:defRPr sz="1200"/>
             </a:lvl6pPr>
-            <a:lvl7pPr indent="-304800" lvl="6" marL="3200400">
+            <a:lvl7pPr marL="3200400" lvl="6" indent="-304800">
               <a:spcBef>
                 <a:spcPts val="1600"/>
               </a:spcBef>
@@ -3298,7 +3393,7 @@
               <a:buChar char="●"/>
               <a:defRPr sz="1200"/>
             </a:lvl7pPr>
-            <a:lvl8pPr indent="-304800" lvl="7" marL="3657600">
+            <a:lvl8pPr marL="3657600" lvl="7" indent="-304800">
               <a:spcBef>
                 <a:spcPts val="1600"/>
               </a:spcBef>
@@ -3309,7 +3404,7 @@
               <a:buChar char="○"/>
               <a:defRPr sz="1200"/>
             </a:lvl8pPr>
-            <a:lvl9pPr indent="-304800" lvl="8" marL="4114800">
+            <a:lvl9pPr marL="4114800" lvl="8" indent="-304800">
               <a:spcBef>
                 <a:spcPts val="1600"/>
               </a:spcBef>
@@ -3321,15 +3416,19 @@
               <a:defRPr sz="1200"/>
             </a:lvl9pPr>
           </a:lstStyle>
-          <a:p/>
+          <a:p>
+            <a:endParaRPr/>
+          </a:p>
         </p:txBody>
       </p:sp>
       <p:sp>
         <p:nvSpPr>
           <p:cNvPr id="27" name="Google Shape;27;p5"/>
-          <p:cNvSpPr txBox="1"/>
+          <p:cNvSpPr txBox="1">
+            <a:spLocks noGrp="1"/>
+          </p:cNvSpPr>
           <p:nvPr>
-            <p:ph idx="2" type="body"/>
+            <p:ph type="body" idx="2"/>
           </p:nvPr>
         </p:nvSpPr>
         <p:spPr>
@@ -3342,11 +3441,11 @@
           </a:prstGeom>
         </p:spPr>
         <p:txBody>
-          <a:bodyPr anchorCtr="0" anchor="t" bIns="91425" lIns="91425" spcFirstLastPara="1" rIns="91425" wrap="square" tIns="91425">
+          <a:bodyPr spcFirstLastPara="1" wrap="square" lIns="91425" tIns="91425" rIns="91425" bIns="91425" anchor="t" anchorCtr="0">
             <a:noAutofit/>
           </a:bodyPr>
           <a:lstStyle>
-            <a:lvl1pPr indent="-317500" lvl="0" marL="457200">
+            <a:lvl1pPr marL="457200" lvl="0" indent="-317500">
               <a:spcBef>
                 <a:spcPts val="0"/>
               </a:spcBef>
@@ -3357,7 +3456,7 @@
               <a:buChar char="●"/>
               <a:defRPr sz="1400"/>
             </a:lvl1pPr>
-            <a:lvl2pPr indent="-304800" lvl="1" marL="914400">
+            <a:lvl2pPr marL="914400" lvl="1" indent="-304800">
               <a:spcBef>
                 <a:spcPts val="1600"/>
               </a:spcBef>
@@ -3368,7 +3467,7 @@
               <a:buChar char="○"/>
               <a:defRPr sz="1200"/>
             </a:lvl2pPr>
-            <a:lvl3pPr indent="-304800" lvl="2" marL="1371600">
+            <a:lvl3pPr marL="1371600" lvl="2" indent="-304800">
               <a:spcBef>
                 <a:spcPts val="1600"/>
               </a:spcBef>
@@ -3379,7 +3478,7 @@
               <a:buChar char="■"/>
               <a:defRPr sz="1200"/>
             </a:lvl3pPr>
-            <a:lvl4pPr indent="-304800" lvl="3" marL="1828800">
+            <a:lvl4pPr marL="1828800" lvl="3" indent="-304800">
               <a:spcBef>
                 <a:spcPts val="1600"/>
               </a:spcBef>
@@ -3390,7 +3489,7 @@
               <a:buChar char="●"/>
               <a:defRPr sz="1200"/>
             </a:lvl4pPr>
-            <a:lvl5pPr indent="-304800" lvl="4" marL="2286000">
+            <a:lvl5pPr marL="2286000" lvl="4" indent="-304800">
               <a:spcBef>
                 <a:spcPts val="1600"/>
               </a:spcBef>
@@ -3401,7 +3500,7 @@
               <a:buChar char="○"/>
               <a:defRPr sz="1200"/>
             </a:lvl5pPr>
-            <a:lvl6pPr indent="-304800" lvl="5" marL="2743200">
+            <a:lvl6pPr marL="2743200" lvl="5" indent="-304800">
               <a:spcBef>
                 <a:spcPts val="1600"/>
               </a:spcBef>
@@ -3412,7 +3511,7 @@
               <a:buChar char="■"/>
               <a:defRPr sz="1200"/>
             </a:lvl6pPr>
-            <a:lvl7pPr indent="-304800" lvl="6" marL="3200400">
+            <a:lvl7pPr marL="3200400" lvl="6" indent="-304800">
               <a:spcBef>
                 <a:spcPts val="1600"/>
               </a:spcBef>
@@ -3423,7 +3522,7 @@
               <a:buChar char="●"/>
               <a:defRPr sz="1200"/>
             </a:lvl7pPr>
-            <a:lvl8pPr indent="-304800" lvl="7" marL="3657600">
+            <a:lvl8pPr marL="3657600" lvl="7" indent="-304800">
               <a:spcBef>
                 <a:spcPts val="1600"/>
               </a:spcBef>
@@ -3434,7 +3533,7 @@
               <a:buChar char="○"/>
               <a:defRPr sz="1200"/>
             </a:lvl8pPr>
-            <a:lvl9pPr indent="-304800" lvl="8" marL="4114800">
+            <a:lvl9pPr marL="4114800" lvl="8" indent="-304800">
               <a:spcBef>
                 <a:spcPts val="1600"/>
               </a:spcBef>
@@ -3446,15 +3545,19 @@
               <a:defRPr sz="1200"/>
             </a:lvl9pPr>
           </a:lstStyle>
-          <a:p/>
+          <a:p>
+            <a:endParaRPr/>
+          </a:p>
         </p:txBody>
       </p:sp>
       <p:sp>
         <p:nvSpPr>
           <p:cNvPr id="28" name="Google Shape;28;p5"/>
-          <p:cNvSpPr txBox="1"/>
+          <p:cNvSpPr txBox="1">
+            <a:spLocks noGrp="1"/>
+          </p:cNvSpPr>
           <p:nvPr>
-            <p:ph idx="12" type="sldNum"/>
+            <p:ph type="sldNum" idx="12"/>
           </p:nvPr>
         </p:nvSpPr>
         <p:spPr>
@@ -3467,7 +3570,7 @@
           </a:prstGeom>
         </p:spPr>
         <p:txBody>
-          <a:bodyPr anchorCtr="0" anchor="ctr" bIns="91425" lIns="91425" spcFirstLastPara="1" rIns="91425" wrap="square" tIns="91425">
+          <a:bodyPr spcFirstLastPara="1" wrap="square" lIns="91425" tIns="91425" rIns="91425" bIns="91425" anchor="ctr" anchorCtr="0">
             <a:noAutofit/>
           </a:bodyPr>
           <a:lstStyle>
@@ -3509,7 +3612,7 @@
             </a:lvl9pPr>
           </a:lstStyle>
           <a:p>
-            <a:pPr indent="0" lvl="0" marL="0" rtl="0" algn="r">
+            <a:pPr marL="0" lvl="0" indent="0" algn="r" rtl="0">
               <a:spcBef>
                 <a:spcPts val="0"/>
               </a:spcBef>
@@ -3535,11 +3638,11 @@
 </file>
 
 <file path=ppt/slideLayouts/slideLayout5.xml><?xml version="1.0" encoding="utf-8"?>
-<p:sldLayout xmlns:a="http://schemas.openxmlformats.org/drawingml/2006/main" xmlns:r="http://schemas.openxmlformats.org/officeDocument/2006/relationships" xmlns:mc="http://schemas.openxmlformats.org/markup-compatibility/2006" xmlns:mv="urn:schemas-microsoft-com:mac:vml" xmlns:p="http://schemas.openxmlformats.org/presentationml/2006/main" xmlns:c="http://schemas.openxmlformats.org/drawingml/2006/chart" xmlns:dgm="http://schemas.openxmlformats.org/drawingml/2006/diagram" xmlns:o="urn:schemas-microsoft-com:office:office" xmlns:v="urn:schemas-microsoft-com:vml" xmlns:pvml="urn:schemas-microsoft-com:office:powerpoint" xmlns:com="http://schemas.openxmlformats.org/drawingml/2006/compatibility" xmlns:p14="http://schemas.microsoft.com/office/powerpoint/2010/main" xmlns:p15="http://schemas.microsoft.com/office/powerpoint/2012/main" matchingName="Title only" type="titleOnly">
+<p:sldLayout xmlns:a="http://schemas.openxmlformats.org/drawingml/2006/main" xmlns:r="http://schemas.openxmlformats.org/officeDocument/2006/relationships" xmlns:p="http://schemas.openxmlformats.org/presentationml/2006/main" matchingName="Title only" type="titleOnly">
   <p:cSld name="TITLE_ONLY">
     <p:spTree>
       <p:nvGrpSpPr>
-        <p:cNvPr id="29" name="Shape 29"/>
+        <p:cNvPr id="1" name="Shape 29"/>
         <p:cNvGrpSpPr/>
         <p:nvPr/>
       </p:nvGrpSpPr>
@@ -3554,7 +3657,9 @@
       <p:sp>
         <p:nvSpPr>
           <p:cNvPr id="30" name="Google Shape;30;p6"/>
-          <p:cNvSpPr txBox="1"/>
+          <p:cNvSpPr txBox="1">
+            <a:spLocks noGrp="1"/>
+          </p:cNvSpPr>
           <p:nvPr>
             <p:ph type="title"/>
           </p:nvPr>
@@ -3569,7 +3674,7 @@
           </a:prstGeom>
         </p:spPr>
         <p:txBody>
-          <a:bodyPr anchorCtr="0" anchor="t" bIns="91425" lIns="91425" spcFirstLastPara="1" rIns="91425" wrap="square" tIns="91425">
+          <a:bodyPr spcFirstLastPara="1" wrap="square" lIns="91425" tIns="91425" rIns="91425" bIns="91425" anchor="t" anchorCtr="0">
             <a:noAutofit/>
           </a:bodyPr>
           <a:lstStyle>
@@ -3673,15 +3778,19 @@
               <a:defRPr/>
             </a:lvl9pPr>
           </a:lstStyle>
-          <a:p/>
+          <a:p>
+            <a:endParaRPr/>
+          </a:p>
         </p:txBody>
       </p:sp>
       <p:sp>
         <p:nvSpPr>
           <p:cNvPr id="31" name="Google Shape;31;p6"/>
-          <p:cNvSpPr txBox="1"/>
+          <p:cNvSpPr txBox="1">
+            <a:spLocks noGrp="1"/>
+          </p:cNvSpPr>
           <p:nvPr>
-            <p:ph idx="12" type="sldNum"/>
+            <p:ph type="sldNum" idx="12"/>
           </p:nvPr>
         </p:nvSpPr>
         <p:spPr>
@@ -3694,7 +3803,7 @@
           </a:prstGeom>
         </p:spPr>
         <p:txBody>
-          <a:bodyPr anchorCtr="0" anchor="ctr" bIns="91425" lIns="91425" spcFirstLastPara="1" rIns="91425" wrap="square" tIns="91425">
+          <a:bodyPr spcFirstLastPara="1" wrap="square" lIns="91425" tIns="91425" rIns="91425" bIns="91425" anchor="ctr" anchorCtr="0">
             <a:noAutofit/>
           </a:bodyPr>
           <a:lstStyle>
@@ -3736,7 +3845,7 @@
             </a:lvl9pPr>
           </a:lstStyle>
           <a:p>
-            <a:pPr indent="0" lvl="0" marL="0" rtl="0" algn="r">
+            <a:pPr marL="0" lvl="0" indent="0" algn="r" rtl="0">
               <a:spcBef>
                 <a:spcPts val="0"/>
               </a:spcBef>
@@ -3762,11 +3871,11 @@
 </file>
 
 <file path=ppt/slideLayouts/slideLayout6.xml><?xml version="1.0" encoding="utf-8"?>
-<p:sldLayout xmlns:a="http://schemas.openxmlformats.org/drawingml/2006/main" xmlns:r="http://schemas.openxmlformats.org/officeDocument/2006/relationships" xmlns:mc="http://schemas.openxmlformats.org/markup-compatibility/2006" xmlns:mv="urn:schemas-microsoft-com:mac:vml" xmlns:p="http://schemas.openxmlformats.org/presentationml/2006/main" xmlns:c="http://schemas.openxmlformats.org/drawingml/2006/chart" xmlns:dgm="http://schemas.openxmlformats.org/drawingml/2006/diagram" xmlns:o="urn:schemas-microsoft-com:office:office" xmlns:v="urn:schemas-microsoft-com:vml" xmlns:pvml="urn:schemas-microsoft-com:office:powerpoint" xmlns:com="http://schemas.openxmlformats.org/drawingml/2006/compatibility" xmlns:p14="http://schemas.microsoft.com/office/powerpoint/2010/main" xmlns:p15="http://schemas.microsoft.com/office/powerpoint/2012/main" matchingName="One column text">
+<p:sldLayout xmlns:a="http://schemas.openxmlformats.org/drawingml/2006/main" xmlns:r="http://schemas.openxmlformats.org/officeDocument/2006/relationships" xmlns:p="http://schemas.openxmlformats.org/presentationml/2006/main" matchingName="One column text">
   <p:cSld name="ONE_COLUMN_TEXT">
     <p:spTree>
       <p:nvGrpSpPr>
-        <p:cNvPr id="32" name="Shape 32"/>
+        <p:cNvPr id="1" name="Shape 32"/>
         <p:cNvGrpSpPr/>
         <p:nvPr/>
       </p:nvGrpSpPr>
@@ -3781,7 +3890,9 @@
       <p:sp>
         <p:nvSpPr>
           <p:cNvPr id="33" name="Google Shape;33;p7"/>
-          <p:cNvSpPr txBox="1"/>
+          <p:cNvSpPr txBox="1">
+            <a:spLocks noGrp="1"/>
+          </p:cNvSpPr>
           <p:nvPr>
             <p:ph type="title"/>
           </p:nvPr>
@@ -3796,7 +3907,7 @@
           </a:prstGeom>
         </p:spPr>
         <p:txBody>
-          <a:bodyPr anchorCtr="0" anchor="b" bIns="91425" lIns="91425" spcFirstLastPara="1" rIns="91425" wrap="square" tIns="91425">
+          <a:bodyPr spcFirstLastPara="1" wrap="square" lIns="91425" tIns="91425" rIns="91425" bIns="91425" anchor="b" anchorCtr="0">
             <a:noAutofit/>
           </a:bodyPr>
           <a:lstStyle>
@@ -3900,15 +4011,19 @@
               <a:defRPr sz="2400"/>
             </a:lvl9pPr>
           </a:lstStyle>
-          <a:p/>
+          <a:p>
+            <a:endParaRPr/>
+          </a:p>
         </p:txBody>
       </p:sp>
       <p:sp>
         <p:nvSpPr>
           <p:cNvPr id="34" name="Google Shape;34;p7"/>
-          <p:cNvSpPr txBox="1"/>
+          <p:cNvSpPr txBox="1">
+            <a:spLocks noGrp="1"/>
+          </p:cNvSpPr>
           <p:nvPr>
-            <p:ph idx="1" type="body"/>
+            <p:ph type="body" idx="1"/>
           </p:nvPr>
         </p:nvSpPr>
         <p:spPr>
@@ -3921,11 +4036,11 @@
           </a:prstGeom>
         </p:spPr>
         <p:txBody>
-          <a:bodyPr anchorCtr="0" anchor="t" bIns="91425" lIns="91425" spcFirstLastPara="1" rIns="91425" wrap="square" tIns="91425">
+          <a:bodyPr spcFirstLastPara="1" wrap="square" lIns="91425" tIns="91425" rIns="91425" bIns="91425" anchor="t" anchorCtr="0">
             <a:noAutofit/>
           </a:bodyPr>
           <a:lstStyle>
-            <a:lvl1pPr indent="-304800" lvl="0" marL="457200">
+            <a:lvl1pPr marL="457200" lvl="0" indent="-304800">
               <a:spcBef>
                 <a:spcPts val="0"/>
               </a:spcBef>
@@ -3936,7 +4051,7 @@
               <a:buChar char="●"/>
               <a:defRPr sz="1200"/>
             </a:lvl1pPr>
-            <a:lvl2pPr indent="-304800" lvl="1" marL="914400">
+            <a:lvl2pPr marL="914400" lvl="1" indent="-304800">
               <a:spcBef>
                 <a:spcPts val="1600"/>
               </a:spcBef>
@@ -3947,7 +4062,7 @@
               <a:buChar char="○"/>
               <a:defRPr sz="1200"/>
             </a:lvl2pPr>
-            <a:lvl3pPr indent="-304800" lvl="2" marL="1371600">
+            <a:lvl3pPr marL="1371600" lvl="2" indent="-304800">
               <a:spcBef>
                 <a:spcPts val="1600"/>
               </a:spcBef>
@@ -3958,7 +4073,7 @@
               <a:buChar char="■"/>
               <a:defRPr sz="1200"/>
             </a:lvl3pPr>
-            <a:lvl4pPr indent="-304800" lvl="3" marL="1828800">
+            <a:lvl4pPr marL="1828800" lvl="3" indent="-304800">
               <a:spcBef>
                 <a:spcPts val="1600"/>
               </a:spcBef>
@@ -3969,7 +4084,7 @@
               <a:buChar char="●"/>
               <a:defRPr sz="1200"/>
             </a:lvl4pPr>
-            <a:lvl5pPr indent="-304800" lvl="4" marL="2286000">
+            <a:lvl5pPr marL="2286000" lvl="4" indent="-304800">
               <a:spcBef>
                 <a:spcPts val="1600"/>
               </a:spcBef>
@@ -3980,7 +4095,7 @@
               <a:buChar char="○"/>
               <a:defRPr sz="1200"/>
             </a:lvl5pPr>
-            <a:lvl6pPr indent="-304800" lvl="5" marL="2743200">
+            <a:lvl6pPr marL="2743200" lvl="5" indent="-304800">
               <a:spcBef>
                 <a:spcPts val="1600"/>
               </a:spcBef>
@@ -3991,7 +4106,7 @@
               <a:buChar char="■"/>
               <a:defRPr sz="1200"/>
             </a:lvl6pPr>
-            <a:lvl7pPr indent="-304800" lvl="6" marL="3200400">
+            <a:lvl7pPr marL="3200400" lvl="6" indent="-304800">
               <a:spcBef>
                 <a:spcPts val="1600"/>
               </a:spcBef>
@@ -4002,7 +4117,7 @@
               <a:buChar char="●"/>
               <a:defRPr sz="1200"/>
             </a:lvl7pPr>
-            <a:lvl8pPr indent="-304800" lvl="7" marL="3657600">
+            <a:lvl8pPr marL="3657600" lvl="7" indent="-304800">
               <a:spcBef>
                 <a:spcPts val="1600"/>
               </a:spcBef>
@@ -4013,7 +4128,7 @@
               <a:buChar char="○"/>
               <a:defRPr sz="1200"/>
             </a:lvl8pPr>
-            <a:lvl9pPr indent="-304800" lvl="8" marL="4114800">
+            <a:lvl9pPr marL="4114800" lvl="8" indent="-304800">
               <a:spcBef>
                 <a:spcPts val="1600"/>
               </a:spcBef>
@@ -4025,15 +4140,19 @@
               <a:defRPr sz="1200"/>
             </a:lvl9pPr>
           </a:lstStyle>
-          <a:p/>
+          <a:p>
+            <a:endParaRPr/>
+          </a:p>
         </p:txBody>
       </p:sp>
       <p:sp>
         <p:nvSpPr>
           <p:cNvPr id="35" name="Google Shape;35;p7"/>
-          <p:cNvSpPr txBox="1"/>
+          <p:cNvSpPr txBox="1">
+            <a:spLocks noGrp="1"/>
+          </p:cNvSpPr>
           <p:nvPr>
-            <p:ph idx="12" type="sldNum"/>
+            <p:ph type="sldNum" idx="12"/>
           </p:nvPr>
         </p:nvSpPr>
         <p:spPr>
@@ -4046,7 +4165,7 @@
           </a:prstGeom>
         </p:spPr>
         <p:txBody>
-          <a:bodyPr anchorCtr="0" anchor="ctr" bIns="91425" lIns="91425" spcFirstLastPara="1" rIns="91425" wrap="square" tIns="91425">
+          <a:bodyPr spcFirstLastPara="1" wrap="square" lIns="91425" tIns="91425" rIns="91425" bIns="91425" anchor="ctr" anchorCtr="0">
             <a:noAutofit/>
           </a:bodyPr>
           <a:lstStyle>
@@ -4088,7 +4207,7 @@
             </a:lvl9pPr>
           </a:lstStyle>
           <a:p>
-            <a:pPr indent="0" lvl="0" marL="0" rtl="0" algn="r">
+            <a:pPr marL="0" lvl="0" indent="0" algn="r" rtl="0">
               <a:spcBef>
                 <a:spcPts val="0"/>
               </a:spcBef>
@@ -4114,18 +4233,19 @@
 </file>
 
 <file path=ppt/slideLayouts/slideLayout7.xml><?xml version="1.0" encoding="utf-8"?>
-<p:sldLayout xmlns:a="http://schemas.openxmlformats.org/drawingml/2006/main" xmlns:r="http://schemas.openxmlformats.org/officeDocument/2006/relationships" xmlns:mc="http://schemas.openxmlformats.org/markup-compatibility/2006" xmlns:mv="urn:schemas-microsoft-com:mac:vml" xmlns:p="http://schemas.openxmlformats.org/presentationml/2006/main" xmlns:c="http://schemas.openxmlformats.org/drawingml/2006/chart" xmlns:dgm="http://schemas.openxmlformats.org/drawingml/2006/diagram" xmlns:o="urn:schemas-microsoft-com:office:office" xmlns:v="urn:schemas-microsoft-com:vml" xmlns:pvml="urn:schemas-microsoft-com:office:powerpoint" xmlns:com="http://schemas.openxmlformats.org/drawingml/2006/compatibility" xmlns:p14="http://schemas.microsoft.com/office/powerpoint/2010/main" xmlns:p15="http://schemas.microsoft.com/office/powerpoint/2012/main" matchingName="Main point">
+<p:sldLayout xmlns:a="http://schemas.openxmlformats.org/drawingml/2006/main" xmlns:r="http://schemas.openxmlformats.org/officeDocument/2006/relationships" xmlns:p="http://schemas.openxmlformats.org/presentationml/2006/main" matchingName="Main point">
   <p:cSld name="MAIN_POINT">
     <p:bg>
       <p:bgPr>
         <a:solidFill>
           <a:schemeClr val="lt2"/>
         </a:solidFill>
+        <a:effectLst/>
       </p:bgPr>
     </p:bg>
     <p:spTree>
       <p:nvGrpSpPr>
-        <p:cNvPr id="36" name="Shape 36"/>
+        <p:cNvPr id="1" name="Shape 36"/>
         <p:cNvGrpSpPr/>
         <p:nvPr/>
       </p:nvGrpSpPr>
@@ -4140,7 +4260,9 @@
       <p:sp>
         <p:nvSpPr>
           <p:cNvPr id="37" name="Google Shape;37;p8"/>
-          <p:cNvSpPr txBox="1"/>
+          <p:cNvSpPr txBox="1">
+            <a:spLocks noGrp="1"/>
+          </p:cNvSpPr>
           <p:nvPr>
             <p:ph type="title"/>
           </p:nvPr>
@@ -4155,7 +4277,7 @@
           </a:prstGeom>
         </p:spPr>
         <p:txBody>
-          <a:bodyPr anchorCtr="0" anchor="ctr" bIns="91425" lIns="91425" spcFirstLastPara="1" rIns="91425" wrap="square" tIns="91425">
+          <a:bodyPr spcFirstLastPara="1" wrap="square" lIns="91425" tIns="91425" rIns="91425" bIns="91425" anchor="ctr" anchorCtr="0">
             <a:noAutofit/>
           </a:bodyPr>
           <a:lstStyle>
@@ -4322,15 +4444,19 @@
               </a:defRPr>
             </a:lvl9pPr>
           </a:lstStyle>
-          <a:p/>
+          <a:p>
+            <a:endParaRPr/>
+          </a:p>
         </p:txBody>
       </p:sp>
       <p:sp>
         <p:nvSpPr>
           <p:cNvPr id="38" name="Google Shape;38;p8"/>
-          <p:cNvSpPr txBox="1"/>
+          <p:cNvSpPr txBox="1">
+            <a:spLocks noGrp="1"/>
+          </p:cNvSpPr>
           <p:nvPr>
-            <p:ph idx="12" type="sldNum"/>
+            <p:ph type="sldNum" idx="12"/>
           </p:nvPr>
         </p:nvSpPr>
         <p:spPr>
@@ -4343,7 +4469,7 @@
           </a:prstGeom>
         </p:spPr>
         <p:txBody>
-          <a:bodyPr anchorCtr="0" anchor="ctr" bIns="91425" lIns="91425" spcFirstLastPara="1" rIns="91425" wrap="square" tIns="91425">
+          <a:bodyPr spcFirstLastPara="1" wrap="square" lIns="91425" tIns="91425" rIns="91425" bIns="91425" anchor="ctr" anchorCtr="0">
             <a:noAutofit/>
           </a:bodyPr>
           <a:lstStyle>
@@ -4421,7 +4547,7 @@
             </a:lvl9pPr>
           </a:lstStyle>
           <a:p>
-            <a:pPr indent="0" lvl="0" marL="0" rtl="0" algn="r">
+            <a:pPr marL="0" lvl="0" indent="0" algn="r" rtl="0">
               <a:spcBef>
                 <a:spcPts val="0"/>
               </a:spcBef>
@@ -4447,11 +4573,11 @@
 </file>
 
 <file path=ppt/slideLayouts/slideLayout8.xml><?xml version="1.0" encoding="utf-8"?>
-<p:sldLayout xmlns:a="http://schemas.openxmlformats.org/drawingml/2006/main" xmlns:r="http://schemas.openxmlformats.org/officeDocument/2006/relationships" xmlns:mc="http://schemas.openxmlformats.org/markup-compatibility/2006" xmlns:mv="urn:schemas-microsoft-com:mac:vml" xmlns:p="http://schemas.openxmlformats.org/presentationml/2006/main" xmlns:c="http://schemas.openxmlformats.org/drawingml/2006/chart" xmlns:dgm="http://schemas.openxmlformats.org/drawingml/2006/diagram" xmlns:o="urn:schemas-microsoft-com:office:office" xmlns:v="urn:schemas-microsoft-com:vml" xmlns:pvml="urn:schemas-microsoft-com:office:powerpoint" xmlns:com="http://schemas.openxmlformats.org/drawingml/2006/compatibility" xmlns:p14="http://schemas.microsoft.com/office/powerpoint/2010/main" xmlns:p15="http://schemas.microsoft.com/office/powerpoint/2012/main" matchingName="Section title and description">
+<p:sldLayout xmlns:a="http://schemas.openxmlformats.org/drawingml/2006/main" xmlns:r="http://schemas.openxmlformats.org/officeDocument/2006/relationships" xmlns:p="http://schemas.openxmlformats.org/presentationml/2006/main" matchingName="Section title and description">
   <p:cSld name="SECTION_TITLE_AND_DESCRIPTION">
     <p:spTree>
       <p:nvGrpSpPr>
-        <p:cNvPr id="39" name="Shape 39"/>
+        <p:cNvPr id="1" name="Shape 39"/>
         <p:cNvGrpSpPr/>
         <p:nvPr/>
       </p:nvGrpSpPr>
@@ -4485,12 +4611,12 @@
           </a:ln>
         </p:spPr>
         <p:txBody>
-          <a:bodyPr anchorCtr="0" anchor="ctr" bIns="91425" lIns="91425" spcFirstLastPara="1" rIns="91425" wrap="square" tIns="91425">
+          <a:bodyPr spcFirstLastPara="1" wrap="square" lIns="91425" tIns="91425" rIns="91425" bIns="91425" anchor="ctr" anchorCtr="0">
             <a:noAutofit/>
           </a:bodyPr>
           <a:lstStyle/>
           <a:p>
-            <a:pPr indent="0" lvl="0" marL="0" rtl="0" algn="l">
+            <a:pPr marL="0" lvl="0" indent="0" algn="l" rtl="0">
               <a:spcBef>
                 <a:spcPts val="0"/>
               </a:spcBef>
@@ -4499,9 +4625,6 @@
               </a:spcAft>
               <a:buNone/>
             </a:pPr>
-            <a:r>
-              <a:t/>
-            </a:r>
             <a:endParaRPr/>
           </a:p>
         </p:txBody>
@@ -4521,21 +4644,23 @@
             <a:avLst/>
           </a:prstGeom>
           <a:noFill/>
-          <a:ln cap="flat" cmpd="sng" w="19050">
+          <a:ln w="19050" cap="flat" cmpd="sng">
             <a:solidFill>
               <a:schemeClr val="lt1"/>
             </a:solidFill>
             <a:prstDash val="solid"/>
             <a:round/>
-            <a:headEnd len="sm" w="sm" type="none"/>
-            <a:tailEnd len="sm" w="sm" type="none"/>
+            <a:headEnd type="none" w="sm" len="sm"/>
+            <a:tailEnd type="none" w="sm" len="sm"/>
           </a:ln>
         </p:spPr>
       </p:cxnSp>
       <p:sp>
         <p:nvSpPr>
           <p:cNvPr id="42" name="Google Shape;42;p9"/>
-          <p:cNvSpPr txBox="1"/>
+          <p:cNvSpPr txBox="1">
+            <a:spLocks noGrp="1"/>
+          </p:cNvSpPr>
           <p:nvPr>
             <p:ph type="title"/>
           </p:nvPr>
@@ -4550,7 +4675,7 @@
           </a:prstGeom>
         </p:spPr>
         <p:txBody>
-          <a:bodyPr anchorCtr="0" anchor="b" bIns="91425" lIns="91425" spcFirstLastPara="1" rIns="91425" wrap="square" tIns="91425">
+          <a:bodyPr spcFirstLastPara="1" wrap="square" lIns="91425" tIns="91425" rIns="91425" bIns="91425" anchor="b" anchorCtr="0">
             <a:noAutofit/>
           </a:bodyPr>
           <a:lstStyle>
@@ -4654,15 +4779,19 @@
               <a:defRPr sz="4200"/>
             </a:lvl9pPr>
           </a:lstStyle>
-          <a:p/>
+          <a:p>
+            <a:endParaRPr/>
+          </a:p>
         </p:txBody>
       </p:sp>
       <p:sp>
         <p:nvSpPr>
           <p:cNvPr id="43" name="Google Shape;43;p9"/>
-          <p:cNvSpPr txBox="1"/>
+          <p:cNvSpPr txBox="1">
+            <a:spLocks noGrp="1"/>
+          </p:cNvSpPr>
           <p:nvPr>
-            <p:ph idx="1" type="subTitle"/>
+            <p:ph type="subTitle" idx="1"/>
           </p:nvPr>
         </p:nvSpPr>
         <p:spPr>
@@ -4675,7 +4804,7 @@
           </a:prstGeom>
         </p:spPr>
         <p:txBody>
-          <a:bodyPr anchorCtr="0" anchor="t" bIns="91425" lIns="91425" spcFirstLastPara="1" rIns="91425" wrap="square" tIns="91425">
+          <a:bodyPr spcFirstLastPara="1" wrap="square" lIns="91425" tIns="91425" rIns="91425" bIns="91425" anchor="t" anchorCtr="0">
             <a:noAutofit/>
           </a:bodyPr>
           <a:lstStyle>
@@ -4869,15 +4998,19 @@
               </a:defRPr>
             </a:lvl9pPr>
           </a:lstStyle>
-          <a:p/>
+          <a:p>
+            <a:endParaRPr/>
+          </a:p>
         </p:txBody>
       </p:sp>
       <p:sp>
         <p:nvSpPr>
           <p:cNvPr id="44" name="Google Shape;44;p9"/>
-          <p:cNvSpPr txBox="1"/>
+          <p:cNvSpPr txBox="1">
+            <a:spLocks noGrp="1"/>
+          </p:cNvSpPr>
           <p:nvPr>
-            <p:ph idx="2" type="body"/>
+            <p:ph type="body" idx="2"/>
           </p:nvPr>
         </p:nvSpPr>
         <p:spPr>
@@ -4890,11 +5023,11 @@
           </a:prstGeom>
         </p:spPr>
         <p:txBody>
-          <a:bodyPr anchorCtr="0" anchor="ctr" bIns="91425" lIns="91425" spcFirstLastPara="1" rIns="91425" wrap="square" tIns="91425">
+          <a:bodyPr spcFirstLastPara="1" wrap="square" lIns="91425" tIns="91425" rIns="91425" bIns="91425" anchor="ctr" anchorCtr="0">
             <a:noAutofit/>
           </a:bodyPr>
           <a:lstStyle>
-            <a:lvl1pPr indent="-342900" lvl="0" marL="457200">
+            <a:lvl1pPr marL="457200" lvl="0" indent="-342900">
               <a:spcBef>
                 <a:spcPts val="0"/>
               </a:spcBef>
@@ -4912,7 +5045,7 @@
                 </a:solidFill>
               </a:defRPr>
             </a:lvl1pPr>
-            <a:lvl2pPr indent="-317500" lvl="1" marL="914400">
+            <a:lvl2pPr marL="914400" lvl="1" indent="-317500">
               <a:spcBef>
                 <a:spcPts val="1600"/>
               </a:spcBef>
@@ -4930,7 +5063,7 @@
                 </a:solidFill>
               </a:defRPr>
             </a:lvl2pPr>
-            <a:lvl3pPr indent="-317500" lvl="2" marL="1371600">
+            <a:lvl3pPr marL="1371600" lvl="2" indent="-317500">
               <a:spcBef>
                 <a:spcPts val="1600"/>
               </a:spcBef>
@@ -4948,7 +5081,7 @@
                 </a:solidFill>
               </a:defRPr>
             </a:lvl3pPr>
-            <a:lvl4pPr indent="-317500" lvl="3" marL="1828800">
+            <a:lvl4pPr marL="1828800" lvl="3" indent="-317500">
               <a:spcBef>
                 <a:spcPts val="1600"/>
               </a:spcBef>
@@ -4966,7 +5099,7 @@
                 </a:solidFill>
               </a:defRPr>
             </a:lvl4pPr>
-            <a:lvl5pPr indent="-317500" lvl="4" marL="2286000">
+            <a:lvl5pPr marL="2286000" lvl="4" indent="-317500">
               <a:spcBef>
                 <a:spcPts val="1600"/>
               </a:spcBef>
@@ -4984,7 +5117,7 @@
                 </a:solidFill>
               </a:defRPr>
             </a:lvl5pPr>
-            <a:lvl6pPr indent="-317500" lvl="5" marL="2743200">
+            <a:lvl6pPr marL="2743200" lvl="5" indent="-317500">
               <a:spcBef>
                 <a:spcPts val="1600"/>
               </a:spcBef>
@@ -5002,7 +5135,7 @@
                 </a:solidFill>
               </a:defRPr>
             </a:lvl6pPr>
-            <a:lvl7pPr indent="-317500" lvl="6" marL="3200400">
+            <a:lvl7pPr marL="3200400" lvl="6" indent="-317500">
               <a:spcBef>
                 <a:spcPts val="1600"/>
               </a:spcBef>
@@ -5020,7 +5153,7 @@
                 </a:solidFill>
               </a:defRPr>
             </a:lvl7pPr>
-            <a:lvl8pPr indent="-317500" lvl="7" marL="3657600">
+            <a:lvl8pPr marL="3657600" lvl="7" indent="-317500">
               <a:spcBef>
                 <a:spcPts val="1600"/>
               </a:spcBef>
@@ -5038,7 +5171,7 @@
                 </a:solidFill>
               </a:defRPr>
             </a:lvl8pPr>
-            <a:lvl9pPr indent="-317500" lvl="8" marL="4114800">
+            <a:lvl9pPr marL="4114800" lvl="8" indent="-317500">
               <a:spcBef>
                 <a:spcPts val="1600"/>
               </a:spcBef>
@@ -5057,15 +5190,19 @@
               </a:defRPr>
             </a:lvl9pPr>
           </a:lstStyle>
-          <a:p/>
+          <a:p>
+            <a:endParaRPr/>
+          </a:p>
         </p:txBody>
       </p:sp>
       <p:sp>
         <p:nvSpPr>
           <p:cNvPr id="45" name="Google Shape;45;p9"/>
-          <p:cNvSpPr txBox="1"/>
+          <p:cNvSpPr txBox="1">
+            <a:spLocks noGrp="1"/>
+          </p:cNvSpPr>
           <p:nvPr>
-            <p:ph idx="12" type="sldNum"/>
+            <p:ph type="sldNum" idx="12"/>
           </p:nvPr>
         </p:nvSpPr>
         <p:spPr>
@@ -5078,7 +5215,7 @@
           </a:prstGeom>
         </p:spPr>
         <p:txBody>
-          <a:bodyPr anchorCtr="0" anchor="ctr" bIns="91425" lIns="91425" spcFirstLastPara="1" rIns="91425" wrap="square" tIns="91425">
+          <a:bodyPr spcFirstLastPara="1" wrap="square" lIns="91425" tIns="91425" rIns="91425" bIns="91425" anchor="ctr" anchorCtr="0">
             <a:noAutofit/>
           </a:bodyPr>
           <a:lstStyle>
@@ -5156,7 +5293,7 @@
             </a:lvl9pPr>
           </a:lstStyle>
           <a:p>
-            <a:pPr indent="0" lvl="0" marL="0" rtl="0" algn="r">
+            <a:pPr marL="0" lvl="0" indent="0" algn="r" rtl="0">
               <a:spcBef>
                 <a:spcPts val="0"/>
               </a:spcBef>
@@ -5182,11 +5319,11 @@
 </file>
 
 <file path=ppt/slideLayouts/slideLayout9.xml><?xml version="1.0" encoding="utf-8"?>
-<p:sldLayout xmlns:a="http://schemas.openxmlformats.org/drawingml/2006/main" xmlns:r="http://schemas.openxmlformats.org/officeDocument/2006/relationships" xmlns:mc="http://schemas.openxmlformats.org/markup-compatibility/2006" xmlns:mv="urn:schemas-microsoft-com:mac:vml" xmlns:p="http://schemas.openxmlformats.org/presentationml/2006/main" xmlns:c="http://schemas.openxmlformats.org/drawingml/2006/chart" xmlns:dgm="http://schemas.openxmlformats.org/drawingml/2006/diagram" xmlns:o="urn:schemas-microsoft-com:office:office" xmlns:v="urn:schemas-microsoft-com:vml" xmlns:pvml="urn:schemas-microsoft-com:office:powerpoint" xmlns:com="http://schemas.openxmlformats.org/drawingml/2006/compatibility" xmlns:p14="http://schemas.microsoft.com/office/powerpoint/2010/main" xmlns:p15="http://schemas.microsoft.com/office/powerpoint/2012/main" matchingName="Caption">
+<p:sldLayout xmlns:a="http://schemas.openxmlformats.org/drawingml/2006/main" xmlns:r="http://schemas.openxmlformats.org/officeDocument/2006/relationships" xmlns:p="http://schemas.openxmlformats.org/presentationml/2006/main" matchingName="Caption">
   <p:cSld name="CAPTION_ONLY">
     <p:spTree>
       <p:nvGrpSpPr>
-        <p:cNvPr id="46" name="Shape 46"/>
+        <p:cNvPr id="1" name="Shape 46"/>
         <p:cNvGrpSpPr/>
         <p:nvPr/>
       </p:nvGrpSpPr>
@@ -5201,9 +5338,11 @@
       <p:sp>
         <p:nvSpPr>
           <p:cNvPr id="47" name="Google Shape;47;p10"/>
-          <p:cNvSpPr txBox="1"/>
+          <p:cNvSpPr txBox="1">
+            <a:spLocks noGrp="1"/>
+          </p:cNvSpPr>
           <p:nvPr>
-            <p:ph idx="1" type="body"/>
+            <p:ph type="body" idx="1"/>
           </p:nvPr>
         </p:nvSpPr>
         <p:spPr>
@@ -5216,11 +5355,11 @@
           </a:prstGeom>
         </p:spPr>
         <p:txBody>
-          <a:bodyPr anchorCtr="0" anchor="ctr" bIns="91425" lIns="91425" spcFirstLastPara="1" rIns="91425" wrap="square" tIns="91425">
+          <a:bodyPr spcFirstLastPara="1" wrap="square" lIns="91425" tIns="91425" rIns="91425" bIns="91425" anchor="ctr" anchorCtr="0">
             <a:noAutofit/>
           </a:bodyPr>
           <a:lstStyle>
-            <a:lvl1pPr indent="-228600" lvl="0" marL="457200">
+            <a:lvl1pPr marL="457200" lvl="0" indent="-228600">
               <a:lnSpc>
                 <a:spcPct val="100000"/>
               </a:lnSpc>
@@ -5247,15 +5386,19 @@
               </a:defRPr>
             </a:lvl1pPr>
           </a:lstStyle>
-          <a:p/>
+          <a:p>
+            <a:endParaRPr/>
+          </a:p>
         </p:txBody>
       </p:sp>
       <p:sp>
         <p:nvSpPr>
           <p:cNvPr id="48" name="Google Shape;48;p10"/>
-          <p:cNvSpPr txBox="1"/>
+          <p:cNvSpPr txBox="1">
+            <a:spLocks noGrp="1"/>
+          </p:cNvSpPr>
           <p:nvPr>
-            <p:ph idx="12" type="sldNum"/>
+            <p:ph type="sldNum" idx="12"/>
           </p:nvPr>
         </p:nvSpPr>
         <p:spPr>
@@ -5268,7 +5411,7 @@
           </a:prstGeom>
         </p:spPr>
         <p:txBody>
-          <a:bodyPr anchorCtr="0" anchor="ctr" bIns="91425" lIns="91425" spcFirstLastPara="1" rIns="91425" wrap="square" tIns="91425">
+          <a:bodyPr spcFirstLastPara="1" wrap="square" lIns="91425" tIns="91425" rIns="91425" bIns="91425" anchor="ctr" anchorCtr="0">
             <a:noAutofit/>
           </a:bodyPr>
           <a:lstStyle>
@@ -5310,7 +5453,7 @@
             </a:lvl9pPr>
           </a:lstStyle>
           <a:p>
-            <a:pPr indent="0" lvl="0" marL="0" rtl="0" algn="r">
+            <a:pPr marL="0" lvl="0" indent="0" algn="r" rtl="0">
               <a:spcBef>
                 <a:spcPts val="0"/>
               </a:spcBef>
@@ -5336,18 +5479,19 @@
 </file>
 
 <file path=ppt/slideMasters/slideMaster1.xml><?xml version="1.0" encoding="utf-8"?>
-<p:sldMaster xmlns:a="http://schemas.openxmlformats.org/drawingml/2006/main" xmlns:r="http://schemas.openxmlformats.org/officeDocument/2006/relationships" xmlns:mc="http://schemas.openxmlformats.org/markup-compatibility/2006" xmlns:mv="urn:schemas-microsoft-com:mac:vml" xmlns:p="http://schemas.openxmlformats.org/presentationml/2006/main" xmlns:c="http://schemas.openxmlformats.org/drawingml/2006/chart" xmlns:dgm="http://schemas.openxmlformats.org/drawingml/2006/diagram" xmlns:o="urn:schemas-microsoft-com:office:office" xmlns:v="urn:schemas-microsoft-com:vml" xmlns:pvml="urn:schemas-microsoft-com:office:powerpoint" xmlns:com="http://schemas.openxmlformats.org/drawingml/2006/compatibility" xmlns:p14="http://schemas.microsoft.com/office/powerpoint/2010/main" xmlns:p15="http://schemas.microsoft.com/office/powerpoint/2012/main">
+<p:sldMaster xmlns:a="http://schemas.openxmlformats.org/drawingml/2006/main" xmlns:r="http://schemas.openxmlformats.org/officeDocument/2006/relationships" xmlns:p="http://schemas.openxmlformats.org/presentationml/2006/main">
   <p:cSld name="slate">
     <p:bg>
       <p:bgPr>
         <a:solidFill>
           <a:schemeClr val="lt1"/>
         </a:solidFill>
+        <a:effectLst/>
       </p:bgPr>
     </p:bg>
     <p:spTree>
       <p:nvGrpSpPr>
-        <p:cNvPr id="5" name="Shape 5"/>
+        <p:cNvPr id="1" name="Shape 5"/>
         <p:cNvGrpSpPr/>
         <p:nvPr/>
       </p:nvGrpSpPr>
@@ -5362,7 +5506,9 @@
       <p:sp>
         <p:nvSpPr>
           <p:cNvPr id="6" name="Google Shape;6;p1"/>
-          <p:cNvSpPr txBox="1"/>
+          <p:cNvSpPr txBox="1">
+            <a:spLocks noGrp="1"/>
+          </p:cNvSpPr>
           <p:nvPr>
             <p:ph type="title"/>
           </p:nvPr>
@@ -5381,7 +5527,7 @@
           </a:ln>
         </p:spPr>
         <p:txBody>
-          <a:bodyPr anchorCtr="0" anchor="t" bIns="91425" lIns="91425" spcFirstLastPara="1" rIns="91425" wrap="square" tIns="91425">
+          <a:bodyPr spcFirstLastPara="1" wrap="square" lIns="91425" tIns="91425" rIns="91425" bIns="91425" anchor="t" anchorCtr="0">
             <a:noAutofit/>
           </a:bodyPr>
           <a:lstStyle>
@@ -5593,15 +5739,19 @@
               </a:defRPr>
             </a:lvl9pPr>
           </a:lstStyle>
-          <a:p/>
+          <a:p>
+            <a:endParaRPr/>
+          </a:p>
         </p:txBody>
       </p:sp>
       <p:sp>
         <p:nvSpPr>
           <p:cNvPr id="7" name="Google Shape;7;p1"/>
-          <p:cNvSpPr txBox="1"/>
+          <p:cNvSpPr txBox="1">
+            <a:spLocks noGrp="1"/>
+          </p:cNvSpPr>
           <p:nvPr>
-            <p:ph idx="1" type="body"/>
+            <p:ph type="body" idx="1"/>
           </p:nvPr>
         </p:nvSpPr>
         <p:spPr>
@@ -5618,11 +5768,11 @@
           </a:ln>
         </p:spPr>
         <p:txBody>
-          <a:bodyPr anchorCtr="0" anchor="t" bIns="91425" lIns="91425" spcFirstLastPara="1" rIns="91425" wrap="square" tIns="91425">
+          <a:bodyPr spcFirstLastPara="1" wrap="square" lIns="91425" tIns="91425" rIns="91425" bIns="91425" anchor="t" anchorCtr="0">
             <a:noAutofit/>
           </a:bodyPr>
           <a:lstStyle>
-            <a:lvl1pPr indent="-342900" lvl="0" marL="457200">
+            <a:lvl1pPr marL="457200" lvl="0" indent="-342900">
               <a:lnSpc>
                 <a:spcPct val="115000"/>
               </a:lnSpc>
@@ -5648,7 +5798,7 @@
                 <a:sym typeface="Average"/>
               </a:defRPr>
             </a:lvl1pPr>
-            <a:lvl2pPr indent="-317500" lvl="1" marL="914400">
+            <a:lvl2pPr marL="914400" lvl="1" indent="-317500">
               <a:lnSpc>
                 <a:spcPct val="115000"/>
               </a:lnSpc>
@@ -5674,7 +5824,7 @@
                 <a:sym typeface="Average"/>
               </a:defRPr>
             </a:lvl2pPr>
-            <a:lvl3pPr indent="-317500" lvl="2" marL="1371600">
+            <a:lvl3pPr marL="1371600" lvl="2" indent="-317500">
               <a:lnSpc>
                 <a:spcPct val="115000"/>
               </a:lnSpc>
@@ -5700,7 +5850,7 @@
                 <a:sym typeface="Average"/>
               </a:defRPr>
             </a:lvl3pPr>
-            <a:lvl4pPr indent="-317500" lvl="3" marL="1828800">
+            <a:lvl4pPr marL="1828800" lvl="3" indent="-317500">
               <a:lnSpc>
                 <a:spcPct val="115000"/>
               </a:lnSpc>
@@ -5726,7 +5876,7 @@
                 <a:sym typeface="Average"/>
               </a:defRPr>
             </a:lvl4pPr>
-            <a:lvl5pPr indent="-317500" lvl="4" marL="2286000">
+            <a:lvl5pPr marL="2286000" lvl="4" indent="-317500">
               <a:lnSpc>
                 <a:spcPct val="115000"/>
               </a:lnSpc>
@@ -5752,7 +5902,7 @@
                 <a:sym typeface="Average"/>
               </a:defRPr>
             </a:lvl5pPr>
-            <a:lvl6pPr indent="-317500" lvl="5" marL="2743200">
+            <a:lvl6pPr marL="2743200" lvl="5" indent="-317500">
               <a:lnSpc>
                 <a:spcPct val="115000"/>
               </a:lnSpc>
@@ -5778,7 +5928,7 @@
                 <a:sym typeface="Average"/>
               </a:defRPr>
             </a:lvl6pPr>
-            <a:lvl7pPr indent="-317500" lvl="6" marL="3200400">
+            <a:lvl7pPr marL="3200400" lvl="6" indent="-317500">
               <a:lnSpc>
                 <a:spcPct val="115000"/>
               </a:lnSpc>
@@ -5804,7 +5954,7 @@
                 <a:sym typeface="Average"/>
               </a:defRPr>
             </a:lvl7pPr>
-            <a:lvl8pPr indent="-317500" lvl="7" marL="3657600">
+            <a:lvl8pPr marL="3657600" lvl="7" indent="-317500">
               <a:lnSpc>
                 <a:spcPct val="115000"/>
               </a:lnSpc>
@@ -5830,7 +5980,7 @@
                 <a:sym typeface="Average"/>
               </a:defRPr>
             </a:lvl8pPr>
-            <a:lvl9pPr indent="-317500" lvl="8" marL="4114800">
+            <a:lvl9pPr marL="4114800" lvl="8" indent="-317500">
               <a:lnSpc>
                 <a:spcPct val="115000"/>
               </a:lnSpc>
@@ -5857,15 +6007,19 @@
               </a:defRPr>
             </a:lvl9pPr>
           </a:lstStyle>
-          <a:p/>
+          <a:p>
+            <a:endParaRPr/>
+          </a:p>
         </p:txBody>
       </p:sp>
       <p:sp>
         <p:nvSpPr>
           <p:cNvPr id="8" name="Google Shape;8;p1"/>
-          <p:cNvSpPr txBox="1"/>
+          <p:cNvSpPr txBox="1">
+            <a:spLocks noGrp="1"/>
+          </p:cNvSpPr>
           <p:nvPr>
-            <p:ph idx="12" type="sldNum"/>
+            <p:ph type="sldNum" idx="12"/>
           </p:nvPr>
         </p:nvSpPr>
         <p:spPr>
@@ -5882,7 +6036,7 @@
           </a:ln>
         </p:spPr>
         <p:txBody>
-          <a:bodyPr anchorCtr="0" anchor="ctr" bIns="91425" lIns="91425" spcFirstLastPara="1" rIns="91425" wrap="square" tIns="91425">
+          <a:bodyPr spcFirstLastPara="1" wrap="square" lIns="91425" tIns="91425" rIns="91425" bIns="91425" anchor="ctr" anchorCtr="0">
             <a:noAutofit/>
           </a:bodyPr>
           <a:lstStyle>
@@ -5996,7 +6150,7 @@
             </a:lvl9pPr>
           </a:lstStyle>
           <a:p>
-            <a:pPr indent="0" lvl="0" marL="0" rtl="0" algn="r">
+            <a:pPr marL="0" lvl="0" indent="0" algn="r" rtl="0">
               <a:spcBef>
                 <a:spcPts val="0"/>
               </a:spcBef>
@@ -6015,7 +6169,7 @@
       </p:sp>
     </p:spTree>
   </p:cSld>
-  <p:clrMap accent1="accent1" accent2="accent2" accent3="accent3" accent4="accent4" accent5="accent5" accent6="accent6" bg1="lt1" bg2="dk2" tx1="dk1" tx2="lt2" folHlink="folHlink" hlink="hlink"/>
+  <p:clrMap bg1="lt1" tx1="dk1" bg2="dk2" tx2="lt2" accent1="accent1" accent2="accent2" accent3="accent3" accent4="accent4" accent5="accent5" accent6="accent6" hlink="hlink" folHlink="folHlink"/>
   <p:sldLayoutIdLst>
     <p:sldLayoutId id="2147483648" r:id="rId1"/>
     <p:sldLayoutId id="2147483649" r:id="rId2"/>
@@ -6029,10 +6183,10 @@
     <p:sldLayoutId id="2147483657" r:id="rId10"/>
     <p:sldLayoutId id="2147483658" r:id="rId11"/>
   </p:sldLayoutIdLst>
-  <p:hf dt="0" ftr="0" hdr="0" sldNum="0"/>
+  <p:hf sldNum="0" hdr="0" ftr="0" dt="0"/>
   <p:txStyles>
     <p:titleStyle>
-      <a:defPPr lvl="0" marR="0" rtl="0" algn="l">
+      <a:defPPr marR="0" lvl="0" algn="l" rtl="0">
         <a:lnSpc>
           <a:spcPct val="100000"/>
         </a:lnSpc>
@@ -6043,7 +6197,7 @@
           <a:spcPts val="0"/>
         </a:spcAft>
       </a:defPPr>
-      <a:lvl1pPr lvl="0" marR="0" rtl="0" algn="l">
+      <a:lvl1pPr marR="0" lvl="0" algn="l" rtl="0">
         <a:lnSpc>
           <a:spcPct val="100000"/>
         </a:lnSpc>
@@ -6057,7 +6211,7 @@
           <a:srgbClr val="000000"/>
         </a:buClr>
         <a:buFont typeface="Arial"/>
-        <a:defRPr b="0" i="0" sz="1400" u="none" cap="none" strike="noStrike">
+        <a:defRPr sz="1400" b="0" i="0" u="none" strike="noStrike" cap="none">
           <a:solidFill>
             <a:srgbClr val="000000"/>
           </a:solidFill>
@@ -6067,7 +6221,7 @@
           <a:sym typeface="Arial"/>
         </a:defRPr>
       </a:lvl1pPr>
-      <a:lvl2pPr lvl="1" marR="0" rtl="0" algn="l">
+      <a:lvl2pPr marR="0" lvl="1" algn="l" rtl="0">
         <a:lnSpc>
           <a:spcPct val="100000"/>
         </a:lnSpc>
@@ -6081,7 +6235,7 @@
           <a:srgbClr val="000000"/>
         </a:buClr>
         <a:buFont typeface="Arial"/>
-        <a:defRPr b="0" i="0" sz="1400" u="none" cap="none" strike="noStrike">
+        <a:defRPr sz="1400" b="0" i="0" u="none" strike="noStrike" cap="none">
           <a:solidFill>
             <a:srgbClr val="000000"/>
           </a:solidFill>
@@ -6091,7 +6245,7 @@
           <a:sym typeface="Arial"/>
         </a:defRPr>
       </a:lvl2pPr>
-      <a:lvl3pPr lvl="2" marR="0" rtl="0" algn="l">
+      <a:lvl3pPr marR="0" lvl="2" algn="l" rtl="0">
         <a:lnSpc>
           <a:spcPct val="100000"/>
         </a:lnSpc>
@@ -6105,7 +6259,7 @@
           <a:srgbClr val="000000"/>
         </a:buClr>
         <a:buFont typeface="Arial"/>
-        <a:defRPr b="0" i="0" sz="1400" u="none" cap="none" strike="noStrike">
+        <a:defRPr sz="1400" b="0" i="0" u="none" strike="noStrike" cap="none">
           <a:solidFill>
             <a:srgbClr val="000000"/>
           </a:solidFill>
@@ -6115,7 +6269,7 @@
           <a:sym typeface="Arial"/>
         </a:defRPr>
       </a:lvl3pPr>
-      <a:lvl4pPr lvl="3" marR="0" rtl="0" algn="l">
+      <a:lvl4pPr marR="0" lvl="3" algn="l" rtl="0">
         <a:lnSpc>
           <a:spcPct val="100000"/>
         </a:lnSpc>
@@ -6129,7 +6283,7 @@
           <a:srgbClr val="000000"/>
         </a:buClr>
         <a:buFont typeface="Arial"/>
-        <a:defRPr b="0" i="0" sz="1400" u="none" cap="none" strike="noStrike">
+        <a:defRPr sz="1400" b="0" i="0" u="none" strike="noStrike" cap="none">
           <a:solidFill>
             <a:srgbClr val="000000"/>
           </a:solidFill>
@@ -6139,7 +6293,7 @@
           <a:sym typeface="Arial"/>
         </a:defRPr>
       </a:lvl4pPr>
-      <a:lvl5pPr lvl="4" marR="0" rtl="0" algn="l">
+      <a:lvl5pPr marR="0" lvl="4" algn="l" rtl="0">
         <a:lnSpc>
           <a:spcPct val="100000"/>
         </a:lnSpc>
@@ -6153,7 +6307,7 @@
           <a:srgbClr val="000000"/>
         </a:buClr>
         <a:buFont typeface="Arial"/>
-        <a:defRPr b="0" i="0" sz="1400" u="none" cap="none" strike="noStrike">
+        <a:defRPr sz="1400" b="0" i="0" u="none" strike="noStrike" cap="none">
           <a:solidFill>
             <a:srgbClr val="000000"/>
           </a:solidFill>
@@ -6163,7 +6317,7 @@
           <a:sym typeface="Arial"/>
         </a:defRPr>
       </a:lvl5pPr>
-      <a:lvl6pPr lvl="5" marR="0" rtl="0" algn="l">
+      <a:lvl6pPr marR="0" lvl="5" algn="l" rtl="0">
         <a:lnSpc>
           <a:spcPct val="100000"/>
         </a:lnSpc>
@@ -6177,7 +6331,7 @@
           <a:srgbClr val="000000"/>
         </a:buClr>
         <a:buFont typeface="Arial"/>
-        <a:defRPr b="0" i="0" sz="1400" u="none" cap="none" strike="noStrike">
+        <a:defRPr sz="1400" b="0" i="0" u="none" strike="noStrike" cap="none">
           <a:solidFill>
             <a:srgbClr val="000000"/>
           </a:solidFill>
@@ -6187,7 +6341,7 @@
           <a:sym typeface="Arial"/>
         </a:defRPr>
       </a:lvl6pPr>
-      <a:lvl7pPr lvl="6" marR="0" rtl="0" algn="l">
+      <a:lvl7pPr marR="0" lvl="6" algn="l" rtl="0">
         <a:lnSpc>
           <a:spcPct val="100000"/>
         </a:lnSpc>
@@ -6201,7 +6355,7 @@
           <a:srgbClr val="000000"/>
         </a:buClr>
         <a:buFont typeface="Arial"/>
-        <a:defRPr b="0" i="0" sz="1400" u="none" cap="none" strike="noStrike">
+        <a:defRPr sz="1400" b="0" i="0" u="none" strike="noStrike" cap="none">
           <a:solidFill>
             <a:srgbClr val="000000"/>
           </a:solidFill>
@@ -6211,7 +6365,7 @@
           <a:sym typeface="Arial"/>
         </a:defRPr>
       </a:lvl7pPr>
-      <a:lvl8pPr lvl="7" marR="0" rtl="0" algn="l">
+      <a:lvl8pPr marR="0" lvl="7" algn="l" rtl="0">
         <a:lnSpc>
           <a:spcPct val="100000"/>
         </a:lnSpc>
@@ -6225,7 +6379,7 @@
           <a:srgbClr val="000000"/>
         </a:buClr>
         <a:buFont typeface="Arial"/>
-        <a:defRPr b="0" i="0" sz="1400" u="none" cap="none" strike="noStrike">
+        <a:defRPr sz="1400" b="0" i="0" u="none" strike="noStrike" cap="none">
           <a:solidFill>
             <a:srgbClr val="000000"/>
           </a:solidFill>
@@ -6235,7 +6389,7 @@
           <a:sym typeface="Arial"/>
         </a:defRPr>
       </a:lvl8pPr>
-      <a:lvl9pPr lvl="8" marR="0" rtl="0" algn="l">
+      <a:lvl9pPr marR="0" lvl="8" algn="l" rtl="0">
         <a:lnSpc>
           <a:spcPct val="100000"/>
         </a:lnSpc>
@@ -6249,7 +6403,7 @@
           <a:srgbClr val="000000"/>
         </a:buClr>
         <a:buFont typeface="Arial"/>
-        <a:defRPr b="0" i="0" sz="1400" u="none" cap="none" strike="noStrike">
+        <a:defRPr sz="1400" b="0" i="0" u="none" strike="noStrike" cap="none">
           <a:solidFill>
             <a:srgbClr val="000000"/>
           </a:solidFill>
@@ -6261,7 +6415,7 @@
       </a:lvl9pPr>
     </p:titleStyle>
     <p:bodyStyle>
-      <a:defPPr lvl="0" marR="0" rtl="0" algn="l">
+      <a:defPPr marR="0" lvl="0" algn="l" rtl="0">
         <a:lnSpc>
           <a:spcPct val="100000"/>
         </a:lnSpc>
@@ -6272,7 +6426,7 @@
           <a:spcPts val="0"/>
         </a:spcAft>
       </a:defPPr>
-      <a:lvl1pPr lvl="0" marR="0" rtl="0" algn="l">
+      <a:lvl1pPr marR="0" lvl="0" algn="l" rtl="0">
         <a:lnSpc>
           <a:spcPct val="100000"/>
         </a:lnSpc>
@@ -6286,7 +6440,7 @@
           <a:srgbClr val="000000"/>
         </a:buClr>
         <a:buFont typeface="Arial"/>
-        <a:defRPr b="0" i="0" sz="1400" u="none" cap="none" strike="noStrike">
+        <a:defRPr sz="1400" b="0" i="0" u="none" strike="noStrike" cap="none">
           <a:solidFill>
             <a:srgbClr val="000000"/>
           </a:solidFill>
@@ -6296,7 +6450,7 @@
           <a:sym typeface="Arial"/>
         </a:defRPr>
       </a:lvl1pPr>
-      <a:lvl2pPr lvl="1" marR="0" rtl="0" algn="l">
+      <a:lvl2pPr marR="0" lvl="1" algn="l" rtl="0">
         <a:lnSpc>
           <a:spcPct val="100000"/>
         </a:lnSpc>
@@ -6310,7 +6464,7 @@
           <a:srgbClr val="000000"/>
         </a:buClr>
         <a:buFont typeface="Arial"/>
-        <a:defRPr b="0" i="0" sz="1400" u="none" cap="none" strike="noStrike">
+        <a:defRPr sz="1400" b="0" i="0" u="none" strike="noStrike" cap="none">
           <a:solidFill>
             <a:srgbClr val="000000"/>
           </a:solidFill>
@@ -6320,7 +6474,7 @@
           <a:sym typeface="Arial"/>
         </a:defRPr>
       </a:lvl2pPr>
-      <a:lvl3pPr lvl="2" marR="0" rtl="0" algn="l">
+      <a:lvl3pPr marR="0" lvl="2" algn="l" rtl="0">
         <a:lnSpc>
           <a:spcPct val="100000"/>
         </a:lnSpc>
@@ -6334,7 +6488,7 @@
           <a:srgbClr val="000000"/>
         </a:buClr>
         <a:buFont typeface="Arial"/>
-        <a:defRPr b="0" i="0" sz="1400" u="none" cap="none" strike="noStrike">
+        <a:defRPr sz="1400" b="0" i="0" u="none" strike="noStrike" cap="none">
           <a:solidFill>
             <a:srgbClr val="000000"/>
           </a:solidFill>
@@ -6344,7 +6498,7 @@
           <a:sym typeface="Arial"/>
         </a:defRPr>
       </a:lvl3pPr>
-      <a:lvl4pPr lvl="3" marR="0" rtl="0" algn="l">
+      <a:lvl4pPr marR="0" lvl="3" algn="l" rtl="0">
         <a:lnSpc>
           <a:spcPct val="100000"/>
         </a:lnSpc>
@@ -6358,7 +6512,7 @@
           <a:srgbClr val="000000"/>
         </a:buClr>
         <a:buFont typeface="Arial"/>
-        <a:defRPr b="0" i="0" sz="1400" u="none" cap="none" strike="noStrike">
+        <a:defRPr sz="1400" b="0" i="0" u="none" strike="noStrike" cap="none">
           <a:solidFill>
             <a:srgbClr val="000000"/>
           </a:solidFill>
@@ -6368,7 +6522,7 @@
           <a:sym typeface="Arial"/>
         </a:defRPr>
       </a:lvl4pPr>
-      <a:lvl5pPr lvl="4" marR="0" rtl="0" algn="l">
+      <a:lvl5pPr marR="0" lvl="4" algn="l" rtl="0">
         <a:lnSpc>
           <a:spcPct val="100000"/>
         </a:lnSpc>
@@ -6382,7 +6536,7 @@
           <a:srgbClr val="000000"/>
         </a:buClr>
         <a:buFont typeface="Arial"/>
-        <a:defRPr b="0" i="0" sz="1400" u="none" cap="none" strike="noStrike">
+        <a:defRPr sz="1400" b="0" i="0" u="none" strike="noStrike" cap="none">
           <a:solidFill>
             <a:srgbClr val="000000"/>
           </a:solidFill>
@@ -6392,7 +6546,7 @@
           <a:sym typeface="Arial"/>
         </a:defRPr>
       </a:lvl5pPr>
-      <a:lvl6pPr lvl="5" marR="0" rtl="0" algn="l">
+      <a:lvl6pPr marR="0" lvl="5" algn="l" rtl="0">
         <a:lnSpc>
           <a:spcPct val="100000"/>
         </a:lnSpc>
@@ -6406,7 +6560,7 @@
           <a:srgbClr val="000000"/>
         </a:buClr>
         <a:buFont typeface="Arial"/>
-        <a:defRPr b="0" i="0" sz="1400" u="none" cap="none" strike="noStrike">
+        <a:defRPr sz="1400" b="0" i="0" u="none" strike="noStrike" cap="none">
           <a:solidFill>
             <a:srgbClr val="000000"/>
           </a:solidFill>
@@ -6416,7 +6570,7 @@
           <a:sym typeface="Arial"/>
         </a:defRPr>
       </a:lvl6pPr>
-      <a:lvl7pPr lvl="6" marR="0" rtl="0" algn="l">
+      <a:lvl7pPr marR="0" lvl="6" algn="l" rtl="0">
         <a:lnSpc>
           <a:spcPct val="100000"/>
         </a:lnSpc>
@@ -6430,7 +6584,7 @@
           <a:srgbClr val="000000"/>
         </a:buClr>
         <a:buFont typeface="Arial"/>
-        <a:defRPr b="0" i="0" sz="1400" u="none" cap="none" strike="noStrike">
+        <a:defRPr sz="1400" b="0" i="0" u="none" strike="noStrike" cap="none">
           <a:solidFill>
             <a:srgbClr val="000000"/>
           </a:solidFill>
@@ -6440,7 +6594,7 @@
           <a:sym typeface="Arial"/>
         </a:defRPr>
       </a:lvl7pPr>
-      <a:lvl8pPr lvl="7" marR="0" rtl="0" algn="l">
+      <a:lvl8pPr marR="0" lvl="7" algn="l" rtl="0">
         <a:lnSpc>
           <a:spcPct val="100000"/>
         </a:lnSpc>
@@ -6454,7 +6608,7 @@
           <a:srgbClr val="000000"/>
         </a:buClr>
         <a:buFont typeface="Arial"/>
-        <a:defRPr b="0" i="0" sz="1400" u="none" cap="none" strike="noStrike">
+        <a:defRPr sz="1400" b="0" i="0" u="none" strike="noStrike" cap="none">
           <a:solidFill>
             <a:srgbClr val="000000"/>
           </a:solidFill>
@@ -6464,7 +6618,7 @@
           <a:sym typeface="Arial"/>
         </a:defRPr>
       </a:lvl8pPr>
-      <a:lvl9pPr lvl="8" marR="0" rtl="0" algn="l">
+      <a:lvl9pPr marR="0" lvl="8" algn="l" rtl="0">
         <a:lnSpc>
           <a:spcPct val="100000"/>
         </a:lnSpc>
@@ -6478,7 +6632,7 @@
           <a:srgbClr val="000000"/>
         </a:buClr>
         <a:buFont typeface="Arial"/>
-        <a:defRPr b="0" i="0" sz="1400" u="none" cap="none" strike="noStrike">
+        <a:defRPr sz="1400" b="0" i="0" u="none" strike="noStrike" cap="none">
           <a:solidFill>
             <a:srgbClr val="000000"/>
           </a:solidFill>
@@ -6490,7 +6644,7 @@
       </a:lvl9pPr>
     </p:bodyStyle>
     <p:otherStyle>
-      <a:defPPr lvl="0" marR="0" rtl="0" algn="l">
+      <a:defPPr marR="0" lvl="0" algn="l" rtl="0">
         <a:lnSpc>
           <a:spcPct val="100000"/>
         </a:lnSpc>
@@ -6501,7 +6655,7 @@
           <a:spcPts val="0"/>
         </a:spcAft>
       </a:defPPr>
-      <a:lvl1pPr lvl="0" marR="0" rtl="0" algn="l">
+      <a:lvl1pPr marR="0" lvl="0" algn="l" rtl="0">
         <a:lnSpc>
           <a:spcPct val="100000"/>
         </a:lnSpc>
@@ -6515,7 +6669,7 @@
           <a:srgbClr val="000000"/>
         </a:buClr>
         <a:buFont typeface="Arial"/>
-        <a:defRPr b="0" i="0" sz="1400" u="none" cap="none" strike="noStrike">
+        <a:defRPr sz="1400" b="0" i="0" u="none" strike="noStrike" cap="none">
           <a:solidFill>
             <a:srgbClr val="000000"/>
           </a:solidFill>
@@ -6525,7 +6679,7 @@
           <a:sym typeface="Arial"/>
         </a:defRPr>
       </a:lvl1pPr>
-      <a:lvl2pPr lvl="1" marR="0" rtl="0" algn="l">
+      <a:lvl2pPr marR="0" lvl="1" algn="l" rtl="0">
         <a:lnSpc>
           <a:spcPct val="100000"/>
         </a:lnSpc>
@@ -6539,7 +6693,7 @@
           <a:srgbClr val="000000"/>
         </a:buClr>
         <a:buFont typeface="Arial"/>
-        <a:defRPr b="0" i="0" sz="1400" u="none" cap="none" strike="noStrike">
+        <a:defRPr sz="1400" b="0" i="0" u="none" strike="noStrike" cap="none">
           <a:solidFill>
             <a:srgbClr val="000000"/>
           </a:solidFill>
@@ -6549,7 +6703,7 @@
           <a:sym typeface="Arial"/>
         </a:defRPr>
       </a:lvl2pPr>
-      <a:lvl3pPr lvl="2" marR="0" rtl="0" algn="l">
+      <a:lvl3pPr marR="0" lvl="2" algn="l" rtl="0">
         <a:lnSpc>
           <a:spcPct val="100000"/>
         </a:lnSpc>
@@ -6563,7 +6717,7 @@
           <a:srgbClr val="000000"/>
         </a:buClr>
         <a:buFont typeface="Arial"/>
-        <a:defRPr b="0" i="0" sz="1400" u="none" cap="none" strike="noStrike">
+        <a:defRPr sz="1400" b="0" i="0" u="none" strike="noStrike" cap="none">
           <a:solidFill>
             <a:srgbClr val="000000"/>
           </a:solidFill>
@@ -6573,7 +6727,7 @@
           <a:sym typeface="Arial"/>
         </a:defRPr>
       </a:lvl3pPr>
-      <a:lvl4pPr lvl="3" marR="0" rtl="0" algn="l">
+      <a:lvl4pPr marR="0" lvl="3" algn="l" rtl="0">
         <a:lnSpc>
           <a:spcPct val="100000"/>
         </a:lnSpc>
@@ -6587,7 +6741,7 @@
           <a:srgbClr val="000000"/>
         </a:buClr>
         <a:buFont typeface="Arial"/>
-        <a:defRPr b="0" i="0" sz="1400" u="none" cap="none" strike="noStrike">
+        <a:defRPr sz="1400" b="0" i="0" u="none" strike="noStrike" cap="none">
           <a:solidFill>
             <a:srgbClr val="000000"/>
           </a:solidFill>
@@ -6597,7 +6751,7 @@
           <a:sym typeface="Arial"/>
         </a:defRPr>
       </a:lvl4pPr>
-      <a:lvl5pPr lvl="4" marR="0" rtl="0" algn="l">
+      <a:lvl5pPr marR="0" lvl="4" algn="l" rtl="0">
         <a:lnSpc>
           <a:spcPct val="100000"/>
         </a:lnSpc>
@@ -6611,7 +6765,7 @@
           <a:srgbClr val="000000"/>
         </a:buClr>
         <a:buFont typeface="Arial"/>
-        <a:defRPr b="0" i="0" sz="1400" u="none" cap="none" strike="noStrike">
+        <a:defRPr sz="1400" b="0" i="0" u="none" strike="noStrike" cap="none">
           <a:solidFill>
             <a:srgbClr val="000000"/>
           </a:solidFill>
@@ -6621,7 +6775,7 @@
           <a:sym typeface="Arial"/>
         </a:defRPr>
       </a:lvl5pPr>
-      <a:lvl6pPr lvl="5" marR="0" rtl="0" algn="l">
+      <a:lvl6pPr marR="0" lvl="5" algn="l" rtl="0">
         <a:lnSpc>
           <a:spcPct val="100000"/>
         </a:lnSpc>
@@ -6635,7 +6789,7 @@
           <a:srgbClr val="000000"/>
         </a:buClr>
         <a:buFont typeface="Arial"/>
-        <a:defRPr b="0" i="0" sz="1400" u="none" cap="none" strike="noStrike">
+        <a:defRPr sz="1400" b="0" i="0" u="none" strike="noStrike" cap="none">
           <a:solidFill>
             <a:srgbClr val="000000"/>
           </a:solidFill>
@@ -6645,7 +6799,7 @@
           <a:sym typeface="Arial"/>
         </a:defRPr>
       </a:lvl6pPr>
-      <a:lvl7pPr lvl="6" marR="0" rtl="0" algn="l">
+      <a:lvl7pPr marR="0" lvl="6" algn="l" rtl="0">
         <a:lnSpc>
           <a:spcPct val="100000"/>
         </a:lnSpc>
@@ -6659,7 +6813,7 @@
           <a:srgbClr val="000000"/>
         </a:buClr>
         <a:buFont typeface="Arial"/>
-        <a:defRPr b="0" i="0" sz="1400" u="none" cap="none" strike="noStrike">
+        <a:defRPr sz="1400" b="0" i="0" u="none" strike="noStrike" cap="none">
           <a:solidFill>
             <a:srgbClr val="000000"/>
           </a:solidFill>
@@ -6669,7 +6823,7 @@
           <a:sym typeface="Arial"/>
         </a:defRPr>
       </a:lvl7pPr>
-      <a:lvl8pPr lvl="7" marR="0" rtl="0" algn="l">
+      <a:lvl8pPr marR="0" lvl="7" algn="l" rtl="0">
         <a:lnSpc>
           <a:spcPct val="100000"/>
         </a:lnSpc>
@@ -6683,7 +6837,7 @@
           <a:srgbClr val="000000"/>
         </a:buClr>
         <a:buFont typeface="Arial"/>
-        <a:defRPr b="0" i="0" sz="1400" u="none" cap="none" strike="noStrike">
+        <a:defRPr sz="1400" b="0" i="0" u="none" strike="noStrike" cap="none">
           <a:solidFill>
             <a:srgbClr val="000000"/>
           </a:solidFill>
@@ -6693,7 +6847,7 @@
           <a:sym typeface="Arial"/>
         </a:defRPr>
       </a:lvl8pPr>
-      <a:lvl9pPr lvl="8" marR="0" rtl="0" algn="l">
+      <a:lvl9pPr marR="0" lvl="8" algn="l" rtl="0">
         <a:lnSpc>
           <a:spcPct val="100000"/>
         </a:lnSpc>
@@ -6707,7 +6861,7 @@
           <a:srgbClr val="000000"/>
         </a:buClr>
         <a:buFont typeface="Arial"/>
-        <a:defRPr b="0" i="0" sz="1400" u="none" cap="none" strike="noStrike">
+        <a:defRPr sz="1400" b="0" i="0" u="none" strike="noStrike" cap="none">
           <a:solidFill>
             <a:srgbClr val="000000"/>
           </a:solidFill>
@@ -6723,11 +6877,11 @@
 </file>
 
 <file path=ppt/slides/slide1.xml><?xml version="1.0" encoding="utf-8"?>
-<p:sld xmlns:a="http://schemas.openxmlformats.org/drawingml/2006/main" xmlns:r="http://schemas.openxmlformats.org/officeDocument/2006/relationships" xmlns:mc="http://schemas.openxmlformats.org/markup-compatibility/2006" xmlns:mv="urn:schemas-microsoft-com:mac:vml" xmlns:p="http://schemas.openxmlformats.org/presentationml/2006/main" xmlns:c="http://schemas.openxmlformats.org/drawingml/2006/chart" xmlns:dgm="http://schemas.openxmlformats.org/drawingml/2006/diagram" xmlns:o="urn:schemas-microsoft-com:office:office" xmlns:v="urn:schemas-microsoft-com:vml" xmlns:pvml="urn:schemas-microsoft-com:office:powerpoint" xmlns:com="http://schemas.openxmlformats.org/drawingml/2006/compatibility" xmlns:p14="http://schemas.microsoft.com/office/powerpoint/2010/main" xmlns:p15="http://schemas.microsoft.com/office/powerpoint/2012/main">
+<p:sld xmlns:a="http://schemas.openxmlformats.org/drawingml/2006/main" xmlns:r="http://schemas.openxmlformats.org/officeDocument/2006/relationships" xmlns:p="http://schemas.openxmlformats.org/presentationml/2006/main">
   <p:cSld>
     <p:spTree>
       <p:nvGrpSpPr>
-        <p:cNvPr id="58" name="Shape 58"/>
+        <p:cNvPr id="1" name="Shape 58"/>
         <p:cNvGrpSpPr/>
         <p:nvPr/>
       </p:nvGrpSpPr>
@@ -6742,7 +6896,9 @@
       <p:sp>
         <p:nvSpPr>
           <p:cNvPr id="59" name="Google Shape;59;p13"/>
-          <p:cNvSpPr txBox="1"/>
+          <p:cNvSpPr txBox="1">
+            <a:spLocks noGrp="1"/>
+          </p:cNvSpPr>
           <p:nvPr>
             <p:ph type="ctrTitle"/>
           </p:nvPr>
@@ -6757,12 +6913,12 @@
           </a:prstGeom>
         </p:spPr>
         <p:txBody>
-          <a:bodyPr anchorCtr="0" anchor="b" bIns="91425" lIns="91425" spcFirstLastPara="1" rIns="91425" wrap="square" tIns="91425">
+          <a:bodyPr spcFirstLastPara="1" wrap="square" lIns="91425" tIns="91425" rIns="91425" bIns="91425" anchor="b" anchorCtr="0">
             <a:noAutofit/>
           </a:bodyPr>
           <a:lstStyle/>
           <a:p>
-            <a:pPr indent="0" lvl="0" marL="0" rtl="0" algn="ctr">
+            <a:pPr marL="0" lvl="0" indent="0" algn="ctr" rtl="0">
               <a:spcBef>
                 <a:spcPts val="0"/>
               </a:spcBef>
@@ -6771,13 +6927,10 @@
               </a:spcAft>
               <a:buNone/>
             </a:pPr>
-            <a:r>
-              <a:t/>
-            </a:r>
             <a:endParaRPr/>
           </a:p>
           <a:p>
-            <a:pPr indent="0" lvl="0" marL="0" rtl="0" algn="ctr">
+            <a:pPr marL="0" lvl="0" indent="0" algn="ctr" rtl="0">
               <a:spcBef>
                 <a:spcPts val="0"/>
               </a:spcBef>
@@ -6793,7 +6946,7 @@
             <a:endParaRPr/>
           </a:p>
           <a:p>
-            <a:pPr indent="0" lvl="0" marL="0" rtl="0" algn="ctr">
+            <a:pPr marL="0" lvl="0" indent="0" algn="ctr" rtl="0">
               <a:spcBef>
                 <a:spcPts val="0"/>
               </a:spcBef>
@@ -6802,13 +6955,10 @@
               </a:spcAft>
               <a:buNone/>
             </a:pPr>
-            <a:r>
-              <a:t/>
-            </a:r>
             <a:endParaRPr/>
           </a:p>
           <a:p>
-            <a:pPr indent="0" lvl="0" marL="0" rtl="0" algn="ctr">
+            <a:pPr marL="0" lvl="0" indent="0" algn="ctr" rtl="0">
               <a:spcBef>
                 <a:spcPts val="0"/>
               </a:spcBef>
@@ -6828,9 +6978,11 @@
       <p:sp>
         <p:nvSpPr>
           <p:cNvPr id="60" name="Google Shape;60;p13"/>
-          <p:cNvSpPr txBox="1"/>
+          <p:cNvSpPr txBox="1">
+            <a:spLocks noGrp="1"/>
+          </p:cNvSpPr>
           <p:nvPr>
-            <p:ph idx="1" type="subTitle"/>
+            <p:ph type="subTitle" idx="1"/>
           </p:nvPr>
         </p:nvSpPr>
         <p:spPr>
@@ -6843,12 +6995,12 @@
           </a:prstGeom>
         </p:spPr>
         <p:txBody>
-          <a:bodyPr anchorCtr="0" anchor="t" bIns="91425" lIns="91425" spcFirstLastPara="1" rIns="91425" wrap="square" tIns="91425">
+          <a:bodyPr spcFirstLastPara="1" wrap="square" lIns="91425" tIns="91425" rIns="91425" bIns="91425" anchor="t" anchorCtr="0">
             <a:noAutofit/>
           </a:bodyPr>
           <a:lstStyle/>
           <a:p>
-            <a:pPr indent="0" lvl="0" marL="0" rtl="0" algn="ctr">
+            <a:pPr marL="0" lvl="0" indent="0" algn="ctr" rtl="0">
               <a:spcBef>
                 <a:spcPts val="0"/>
               </a:spcBef>
@@ -6874,11 +7026,11 @@
 </file>
 
 <file path=ppt/slides/slide2.xml><?xml version="1.0" encoding="utf-8"?>
-<p:sld xmlns:a="http://schemas.openxmlformats.org/drawingml/2006/main" xmlns:r="http://schemas.openxmlformats.org/officeDocument/2006/relationships" xmlns:mc="http://schemas.openxmlformats.org/markup-compatibility/2006" xmlns:mv="urn:schemas-microsoft-com:mac:vml" xmlns:p="http://schemas.openxmlformats.org/presentationml/2006/main" xmlns:c="http://schemas.openxmlformats.org/drawingml/2006/chart" xmlns:dgm="http://schemas.openxmlformats.org/drawingml/2006/diagram" xmlns:o="urn:schemas-microsoft-com:office:office" xmlns:v="urn:schemas-microsoft-com:vml" xmlns:pvml="urn:schemas-microsoft-com:office:powerpoint" xmlns:com="http://schemas.openxmlformats.org/drawingml/2006/compatibility" xmlns:p14="http://schemas.microsoft.com/office/powerpoint/2010/main" xmlns:p15="http://schemas.microsoft.com/office/powerpoint/2012/main">
+<p:sld xmlns:a="http://schemas.openxmlformats.org/drawingml/2006/main" xmlns:r="http://schemas.openxmlformats.org/officeDocument/2006/relationships" xmlns:p="http://schemas.openxmlformats.org/presentationml/2006/main">
   <p:cSld>
     <p:spTree>
       <p:nvGrpSpPr>
-        <p:cNvPr id="64" name="Shape 64"/>
+        <p:cNvPr id="1" name="Shape 64"/>
         <p:cNvGrpSpPr/>
         <p:nvPr/>
       </p:nvGrpSpPr>
@@ -6893,7 +7045,9 @@
       <p:sp>
         <p:nvSpPr>
           <p:cNvPr id="65" name="Google Shape;65;p14"/>
-          <p:cNvSpPr txBox="1"/>
+          <p:cNvSpPr txBox="1">
+            <a:spLocks noGrp="1"/>
+          </p:cNvSpPr>
           <p:nvPr>
             <p:ph type="title"/>
           </p:nvPr>
@@ -6908,12 +7062,12 @@
           </a:prstGeom>
         </p:spPr>
         <p:txBody>
-          <a:bodyPr anchorCtr="0" anchor="t" bIns="91425" lIns="91425" spcFirstLastPara="1" rIns="91425" wrap="square" tIns="91425">
+          <a:bodyPr spcFirstLastPara="1" wrap="square" lIns="91425" tIns="91425" rIns="91425" bIns="91425" anchor="t" anchorCtr="0">
             <a:noAutofit/>
           </a:bodyPr>
           <a:lstStyle/>
           <a:p>
-            <a:pPr indent="0" lvl="0" marL="0" rtl="0" algn="l">
+            <a:pPr marL="0" lvl="0" indent="0" algn="l" rtl="0">
               <a:spcBef>
                 <a:spcPts val="0"/>
               </a:spcBef>
@@ -6933,9 +7087,11 @@
       <p:sp>
         <p:nvSpPr>
           <p:cNvPr id="66" name="Google Shape;66;p14"/>
-          <p:cNvSpPr txBox="1"/>
+          <p:cNvSpPr txBox="1">
+            <a:spLocks noGrp="1"/>
+          </p:cNvSpPr>
           <p:nvPr>
-            <p:ph idx="1" type="body"/>
+            <p:ph type="body" idx="1"/>
           </p:nvPr>
         </p:nvSpPr>
         <p:spPr>
@@ -6948,12 +7104,12 @@
           </a:prstGeom>
         </p:spPr>
         <p:txBody>
-          <a:bodyPr anchorCtr="0" anchor="t" bIns="91425" lIns="91425" spcFirstLastPara="1" rIns="91425" wrap="square" tIns="91425">
+          <a:bodyPr spcFirstLastPara="1" wrap="square" lIns="91425" tIns="91425" rIns="91425" bIns="91425" anchor="t" anchorCtr="0">
             <a:noAutofit/>
           </a:bodyPr>
           <a:lstStyle/>
           <a:p>
-            <a:pPr indent="-342900" lvl="0" marL="457200" rtl="0" algn="l">
+            <a:pPr marL="457200" lvl="0" indent="-342900" algn="l" rtl="0">
               <a:spcBef>
                 <a:spcPts val="0"/>
               </a:spcBef>
@@ -6964,16 +7120,16 @@
               <a:buChar char="-"/>
             </a:pPr>
             <a:r>
-              <a:rPr lang="en"/>
+              <a:rPr lang="en" dirty="0"/>
               <a:t>In Week 10, we learned about different types of documentation portals and help systems. </a:t>
             </a:r>
             <a:br>
-              <a:rPr lang="en"/>
+              <a:rPr lang="en" dirty="0"/>
             </a:br>
-            <a:endParaRPr/>
+            <a:endParaRPr dirty="0"/>
           </a:p>
           <a:p>
-            <a:pPr indent="-342900" lvl="0" marL="457200" rtl="0" algn="l">
+            <a:pPr marL="457200" lvl="0" indent="-342900" algn="l" rtl="0">
               <a:spcBef>
                 <a:spcPts val="0"/>
               </a:spcBef>
@@ -6984,16 +7140,16 @@
               <a:buChar char="-"/>
             </a:pPr>
             <a:r>
-              <a:rPr lang="en"/>
+              <a:rPr lang="en" dirty="0"/>
               <a:t>For my project that week, I used MadCap Flare to create an online help system with an HTML output.</a:t>
             </a:r>
             <a:br>
-              <a:rPr lang="en"/>
+              <a:rPr lang="en" dirty="0"/>
             </a:br>
-            <a:endParaRPr/>
+            <a:endParaRPr dirty="0"/>
           </a:p>
           <a:p>
-            <a:pPr indent="-342900" lvl="0" marL="457200" rtl="0" algn="l">
+            <a:pPr marL="457200" lvl="0" indent="-342900" algn="l" rtl="0">
               <a:spcBef>
                 <a:spcPts val="0"/>
               </a:spcBef>
@@ -7004,10 +7160,9 @@
               <a:buChar char="-"/>
             </a:pPr>
             <a:r>
-              <a:rPr lang="en"/>
+              <a:rPr lang="en" dirty="0"/>
               <a:t>In my previous role in Technical Support, I authored many Knowledge Base articles for issues that I frequently helped customers resolve. This is what first led to my interest in technical writing and learning how to use MadCap Flare. </a:t>
             </a:r>
-            <a:endParaRPr/>
           </a:p>
         </p:txBody>
       </p:sp>
@@ -7020,11 +7175,11 @@
 </file>
 
 <file path=ppt/slides/slide3.xml><?xml version="1.0" encoding="utf-8"?>
-<p:sld xmlns:a="http://schemas.openxmlformats.org/drawingml/2006/main" xmlns:r="http://schemas.openxmlformats.org/officeDocument/2006/relationships" xmlns:mc="http://schemas.openxmlformats.org/markup-compatibility/2006" xmlns:mv="urn:schemas-microsoft-com:mac:vml" xmlns:p="http://schemas.openxmlformats.org/presentationml/2006/main" xmlns:c="http://schemas.openxmlformats.org/drawingml/2006/chart" xmlns:dgm="http://schemas.openxmlformats.org/drawingml/2006/diagram" xmlns:o="urn:schemas-microsoft-com:office:office" xmlns:v="urn:schemas-microsoft-com:vml" xmlns:pvml="urn:schemas-microsoft-com:office:powerpoint" xmlns:com="http://schemas.openxmlformats.org/drawingml/2006/compatibility" xmlns:p14="http://schemas.microsoft.com/office/powerpoint/2010/main" xmlns:p15="http://schemas.microsoft.com/office/powerpoint/2012/main">
+<p:sld xmlns:a="http://schemas.openxmlformats.org/drawingml/2006/main" xmlns:r="http://schemas.openxmlformats.org/officeDocument/2006/relationships" xmlns:p="http://schemas.openxmlformats.org/presentationml/2006/main">
   <p:cSld>
     <p:spTree>
       <p:nvGrpSpPr>
-        <p:cNvPr id="70" name="Shape 70"/>
+        <p:cNvPr id="1" name="Shape 70"/>
         <p:cNvGrpSpPr/>
         <p:nvPr/>
       </p:nvGrpSpPr>
@@ -7039,7 +7194,9 @@
       <p:sp>
         <p:nvSpPr>
           <p:cNvPr id="71" name="Google Shape;71;p15"/>
-          <p:cNvSpPr txBox="1"/>
+          <p:cNvSpPr txBox="1">
+            <a:spLocks noGrp="1"/>
+          </p:cNvSpPr>
           <p:nvPr>
             <p:ph type="title"/>
           </p:nvPr>
@@ -7054,12 +7211,12 @@
           </a:prstGeom>
         </p:spPr>
         <p:txBody>
-          <a:bodyPr anchorCtr="0" anchor="t" bIns="91425" lIns="91425" spcFirstLastPara="1" rIns="91425" wrap="square" tIns="91425">
+          <a:bodyPr spcFirstLastPara="1" wrap="square" lIns="91425" tIns="91425" rIns="91425" bIns="91425" anchor="t" anchorCtr="0">
             <a:noAutofit/>
           </a:bodyPr>
           <a:lstStyle/>
           <a:p>
-            <a:pPr indent="0" lvl="0" marL="0" rtl="0" algn="l">
+            <a:pPr marL="0" lvl="0" indent="0" algn="l" rtl="0">
               <a:spcBef>
                 <a:spcPts val="0"/>
               </a:spcBef>
@@ -7079,9 +7236,11 @@
       <p:sp>
         <p:nvSpPr>
           <p:cNvPr id="72" name="Google Shape;72;p15"/>
-          <p:cNvSpPr txBox="1"/>
+          <p:cNvSpPr txBox="1">
+            <a:spLocks noGrp="1"/>
+          </p:cNvSpPr>
           <p:nvPr>
-            <p:ph idx="1" type="body"/>
+            <p:ph type="body" idx="1"/>
           </p:nvPr>
         </p:nvSpPr>
         <p:spPr>
@@ -7094,12 +7253,12 @@
           </a:prstGeom>
         </p:spPr>
         <p:txBody>
-          <a:bodyPr anchorCtr="0" anchor="t" bIns="91425" lIns="91425" spcFirstLastPara="1" rIns="91425" wrap="square" tIns="91425">
+          <a:bodyPr spcFirstLastPara="1" wrap="square" lIns="91425" tIns="91425" rIns="91425" bIns="91425" anchor="t" anchorCtr="0">
             <a:noAutofit/>
           </a:bodyPr>
           <a:lstStyle/>
           <a:p>
-            <a:pPr indent="-342900" lvl="0" marL="457200" rtl="0" algn="l">
+            <a:pPr marL="457200" lvl="0" indent="-342900" algn="l" rtl="0">
               <a:spcBef>
                 <a:spcPts val="0"/>
               </a:spcBef>
@@ -7110,13 +7269,13 @@
               <a:buChar char="-"/>
             </a:pPr>
             <a:r>
-              <a:rPr lang="en"/>
+              <a:rPr lang="en" dirty="0"/>
               <a:t>MadCap Flare</a:t>
             </a:r>
-            <a:endParaRPr/>
+            <a:endParaRPr dirty="0"/>
           </a:p>
           <a:p>
-            <a:pPr indent="-317500" lvl="1" marL="914400" rtl="0" algn="l">
+            <a:pPr marL="914400" lvl="1" indent="-317500" algn="l" rtl="0">
               <a:spcBef>
                 <a:spcPts val="0"/>
               </a:spcBef>
@@ -7127,13 +7286,13 @@
               <a:buChar char="-"/>
             </a:pPr>
             <a:r>
-              <a:rPr lang="en"/>
+              <a:rPr lang="en" dirty="0"/>
               <a:t>I used the Default HTML5 MadCap Flare template.</a:t>
             </a:r>
-            <a:endParaRPr/>
+            <a:endParaRPr dirty="0"/>
           </a:p>
           <a:p>
-            <a:pPr indent="-317500" lvl="1" marL="914400" rtl="0" algn="l">
+            <a:pPr marL="914400" lvl="1" indent="-317500" algn="l" rtl="0">
               <a:spcBef>
                 <a:spcPts val="0"/>
               </a:spcBef>
@@ -7144,16 +7303,16 @@
               <a:buChar char="-"/>
             </a:pPr>
             <a:r>
-              <a:rPr lang="en"/>
+              <a:rPr lang="en" dirty="0"/>
               <a:t>I modified the template colors based on the RSA colors (a dark shade of red, black, and white).  </a:t>
             </a:r>
             <a:br>
-              <a:rPr lang="en"/>
+              <a:rPr lang="en" dirty="0"/>
             </a:br>
-            <a:endParaRPr/>
+            <a:endParaRPr dirty="0"/>
           </a:p>
           <a:p>
-            <a:pPr indent="-342900" lvl="0" marL="457200" rtl="0" algn="l">
+            <a:pPr marL="457200" lvl="0" indent="-342900" algn="l" rtl="0">
               <a:spcBef>
                 <a:spcPts val="0"/>
               </a:spcBef>
@@ -7164,13 +7323,17 @@
               <a:buChar char="-"/>
             </a:pPr>
             <a:r>
-              <a:rPr lang="en"/>
+              <a:rPr lang="en" dirty="0"/>
               <a:t>One RSA NetWitness Platform Knowledge Base article which I authored </a:t>
             </a:r>
-            <a:endParaRPr/>
+            <a:r>
+              <a:rPr lang="en-US" dirty="0"/>
+              <a:t>last year</a:t>
+            </a:r>
+            <a:endParaRPr dirty="0"/>
           </a:p>
           <a:p>
-            <a:pPr indent="-317500" lvl="1" marL="914400" rtl="0" algn="l">
+            <a:pPr marL="914400" lvl="1" indent="-317500" algn="l" rtl="0">
               <a:spcBef>
                 <a:spcPts val="0"/>
               </a:spcBef>
@@ -7181,20 +7344,26 @@
               <a:buChar char="-"/>
             </a:pPr>
             <a:r>
-              <a:rPr lang="en"/>
+              <a:rPr lang="en" dirty="0"/>
               <a:t>“</a:t>
             </a:r>
             <a:r>
-              <a:rPr lang="en"/>
-              <a:t>In RSA NetWitness version 11.3.x, queries in Investigate &gt; Navigate are automatically modified”</a:t>
+              <a:rPr lang="en" dirty="0">
+                <a:hlinkClick r:id="rId3"/>
+              </a:rPr>
+              <a:t>In RSA NetWitness version 11.3.x, queries in Investigate &gt; Navigate are automatically modified</a:t>
+            </a:r>
+            <a:r>
+              <a:rPr lang="en" dirty="0"/>
+              <a:t>”</a:t>
             </a:r>
             <a:br>
-              <a:rPr lang="en"/>
+              <a:rPr lang="en" dirty="0"/>
             </a:br>
-            <a:endParaRPr/>
+            <a:endParaRPr dirty="0"/>
           </a:p>
           <a:p>
-            <a:pPr indent="-342900" lvl="0" marL="457200" rtl="0" algn="l">
+            <a:pPr marL="457200" lvl="0" indent="-342900" algn="l" rtl="0">
               <a:spcBef>
                 <a:spcPts val="0"/>
               </a:spcBef>
@@ -7205,10 +7374,10 @@
               <a:buChar char="-"/>
             </a:pPr>
             <a:r>
-              <a:rPr lang="en"/>
+              <a:rPr lang="en" dirty="0"/>
               <a:t>RSA NetWitness Platform official product documentation (Release Notes, System Requirements)</a:t>
             </a:r>
-            <a:endParaRPr/>
+            <a:endParaRPr dirty="0"/>
           </a:p>
         </p:txBody>
       </p:sp>
@@ -7221,11 +7390,11 @@
 </file>
 
 <file path=ppt/slides/slide4.xml><?xml version="1.0" encoding="utf-8"?>
-<p:sld xmlns:a="http://schemas.openxmlformats.org/drawingml/2006/main" xmlns:r="http://schemas.openxmlformats.org/officeDocument/2006/relationships" xmlns:mc="http://schemas.openxmlformats.org/markup-compatibility/2006" xmlns:mv="urn:schemas-microsoft-com:mac:vml" xmlns:p="http://schemas.openxmlformats.org/presentationml/2006/main" xmlns:c="http://schemas.openxmlformats.org/drawingml/2006/chart" xmlns:dgm="http://schemas.openxmlformats.org/drawingml/2006/diagram" xmlns:o="urn:schemas-microsoft-com:office:office" xmlns:v="urn:schemas-microsoft-com:vml" xmlns:pvml="urn:schemas-microsoft-com:office:powerpoint" xmlns:com="http://schemas.openxmlformats.org/drawingml/2006/compatibility" xmlns:p14="http://schemas.microsoft.com/office/powerpoint/2010/main" xmlns:p15="http://schemas.microsoft.com/office/powerpoint/2012/main">
+<p:sld xmlns:a="http://schemas.openxmlformats.org/drawingml/2006/main" xmlns:r="http://schemas.openxmlformats.org/officeDocument/2006/relationships" xmlns:p="http://schemas.openxmlformats.org/presentationml/2006/main">
   <p:cSld>
     <p:spTree>
       <p:nvGrpSpPr>
-        <p:cNvPr id="76" name="Shape 76"/>
+        <p:cNvPr id="1" name="Shape 76"/>
         <p:cNvGrpSpPr/>
         <p:nvPr/>
       </p:nvGrpSpPr>
@@ -7240,7 +7409,9 @@
       <p:sp>
         <p:nvSpPr>
           <p:cNvPr id="77" name="Google Shape;77;p16"/>
-          <p:cNvSpPr txBox="1"/>
+          <p:cNvSpPr txBox="1">
+            <a:spLocks noGrp="1"/>
+          </p:cNvSpPr>
           <p:nvPr>
             <p:ph type="title"/>
           </p:nvPr>
@@ -7255,12 +7426,12 @@
           </a:prstGeom>
         </p:spPr>
         <p:txBody>
-          <a:bodyPr anchorCtr="0" anchor="t" bIns="91425" lIns="91425" spcFirstLastPara="1" rIns="91425" wrap="square" tIns="91425">
+          <a:bodyPr spcFirstLastPara="1" wrap="square" lIns="91425" tIns="91425" rIns="91425" bIns="91425" anchor="t" anchorCtr="0">
             <a:noAutofit/>
           </a:bodyPr>
           <a:lstStyle/>
           <a:p>
-            <a:pPr indent="0" lvl="0" marL="0" rtl="0" algn="l">
+            <a:pPr marL="0" lvl="0" indent="0" algn="l" rtl="0">
               <a:spcBef>
                 <a:spcPts val="0"/>
               </a:spcBef>
@@ -7280,9 +7451,11 @@
       <p:sp>
         <p:nvSpPr>
           <p:cNvPr id="78" name="Google Shape;78;p16"/>
-          <p:cNvSpPr txBox="1"/>
+          <p:cNvSpPr txBox="1">
+            <a:spLocks noGrp="1"/>
+          </p:cNvSpPr>
           <p:nvPr>
-            <p:ph idx="1" type="body"/>
+            <p:ph type="body" idx="1"/>
           </p:nvPr>
         </p:nvSpPr>
         <p:spPr>
@@ -7295,12 +7468,12 @@
           </a:prstGeom>
         </p:spPr>
         <p:txBody>
-          <a:bodyPr anchorCtr="0" anchor="t" bIns="91425" lIns="91425" spcFirstLastPara="1" rIns="91425" wrap="square" tIns="91425">
+          <a:bodyPr spcFirstLastPara="1" wrap="square" lIns="91425" tIns="91425" rIns="91425" bIns="91425" anchor="t" anchorCtr="0">
             <a:noAutofit/>
           </a:bodyPr>
           <a:lstStyle/>
           <a:p>
-            <a:pPr indent="-342900" lvl="0" marL="457200" rtl="0" algn="l">
+            <a:pPr marL="457200" lvl="0" indent="-342900" algn="l" rtl="0">
               <a:spcBef>
                 <a:spcPts val="0"/>
               </a:spcBef>
@@ -7311,16 +7484,16 @@
               <a:buChar char="-"/>
             </a:pPr>
             <a:r>
-              <a:rPr lang="en"/>
+              <a:rPr lang="en" dirty="0"/>
               <a:t>I use it daily at work to author documentation, so I have had experience using it for about 6 months at this point. </a:t>
             </a:r>
             <a:br>
-              <a:rPr lang="en"/>
+              <a:rPr lang="en" dirty="0"/>
             </a:br>
-            <a:endParaRPr/>
+            <a:endParaRPr dirty="0"/>
           </a:p>
           <a:p>
-            <a:pPr indent="-342900" lvl="0" marL="457200" rtl="0" algn="l">
+            <a:pPr marL="457200" lvl="0" indent="-342900" algn="l" rtl="0">
               <a:spcBef>
                 <a:spcPts val="0"/>
               </a:spcBef>
@@ -7331,13 +7504,13 @@
               <a:buChar char="-"/>
             </a:pPr>
             <a:r>
-              <a:rPr lang="en"/>
+              <a:rPr lang="en" dirty="0"/>
               <a:t>After using Flare, I preferred it to using MS Word, and especially to FrameMaker.</a:t>
             </a:r>
-            <a:endParaRPr/>
+            <a:endParaRPr dirty="0"/>
           </a:p>
           <a:p>
-            <a:pPr indent="-317500" lvl="1" marL="914400" rtl="0" algn="l">
+            <a:pPr marL="914400" lvl="1" indent="-317500" algn="l" rtl="0">
               <a:spcBef>
                 <a:spcPts val="0"/>
               </a:spcBef>
@@ -7348,16 +7521,16 @@
               <a:buChar char="-"/>
             </a:pPr>
             <a:r>
-              <a:rPr lang="en"/>
+              <a:rPr lang="en" dirty="0"/>
               <a:t>Before learning to use FrameMaker in this class, I took a short online course on FrameMaker, but I still found it far too confusing to use.</a:t>
             </a:r>
             <a:br>
-              <a:rPr lang="en"/>
+              <a:rPr lang="en" dirty="0"/>
             </a:br>
-            <a:endParaRPr/>
+            <a:endParaRPr dirty="0"/>
           </a:p>
           <a:p>
-            <a:pPr indent="-317500" lvl="1" marL="914400" rtl="0" algn="l">
+            <a:pPr marL="914400" lvl="1" indent="-317500" algn="l" rtl="0">
               <a:spcBef>
                 <a:spcPts val="0"/>
               </a:spcBef>
@@ -7368,10 +7541,18 @@
               <a:buChar char="-"/>
             </a:pPr>
             <a:r>
-              <a:rPr lang="en"/>
-              <a:t>I still use MS Word for writing, but found features such as the Table of Contents, indexes, and different section headings slightly difficult to configure, especially after adding or modifying content to the file.</a:t>
+              <a:rPr lang="en" dirty="0"/>
+              <a:t>I still use MS Word for writing – </a:t>
             </a:r>
-            <a:endParaRPr/>
+            <a:r>
+              <a:rPr lang="en-US" dirty="0"/>
+              <a:t>learning how to create Table of Contents / indexes / different section headings in the previous semester was very helpful; however, I still found them</a:t>
+            </a:r>
+            <a:r>
+              <a:rPr lang="en" dirty="0"/>
+              <a:t> slightly difficult to configure, especially after adding or modifying content to the file.</a:t>
+            </a:r>
+            <a:endParaRPr dirty="0"/>
           </a:p>
         </p:txBody>
       </p:sp>
@@ -7384,11 +7565,11 @@
 </file>
 
 <file path=ppt/slides/slide5.xml><?xml version="1.0" encoding="utf-8"?>
-<p:sld xmlns:a="http://schemas.openxmlformats.org/drawingml/2006/main" xmlns:r="http://schemas.openxmlformats.org/officeDocument/2006/relationships" xmlns:mc="http://schemas.openxmlformats.org/markup-compatibility/2006" xmlns:mv="urn:schemas-microsoft-com:mac:vml" xmlns:p="http://schemas.openxmlformats.org/presentationml/2006/main" xmlns:c="http://schemas.openxmlformats.org/drawingml/2006/chart" xmlns:dgm="http://schemas.openxmlformats.org/drawingml/2006/diagram" xmlns:o="urn:schemas-microsoft-com:office:office" xmlns:v="urn:schemas-microsoft-com:vml" xmlns:pvml="urn:schemas-microsoft-com:office:powerpoint" xmlns:com="http://schemas.openxmlformats.org/drawingml/2006/compatibility" xmlns:p14="http://schemas.microsoft.com/office/powerpoint/2010/main" xmlns:p15="http://schemas.microsoft.com/office/powerpoint/2012/main">
+<p:sld xmlns:a="http://schemas.openxmlformats.org/drawingml/2006/main" xmlns:r="http://schemas.openxmlformats.org/officeDocument/2006/relationships" xmlns:p="http://schemas.openxmlformats.org/presentationml/2006/main">
   <p:cSld>
     <p:spTree>
       <p:nvGrpSpPr>
-        <p:cNvPr id="82" name="Shape 82"/>
+        <p:cNvPr id="1" name="Shape 82"/>
         <p:cNvGrpSpPr/>
         <p:nvPr/>
       </p:nvGrpSpPr>
@@ -7403,7 +7584,9 @@
       <p:sp>
         <p:nvSpPr>
           <p:cNvPr id="83" name="Google Shape;83;p17"/>
-          <p:cNvSpPr txBox="1"/>
+          <p:cNvSpPr txBox="1">
+            <a:spLocks noGrp="1"/>
+          </p:cNvSpPr>
           <p:nvPr>
             <p:ph type="title"/>
           </p:nvPr>
@@ -7418,12 +7601,12 @@
           </a:prstGeom>
         </p:spPr>
         <p:txBody>
-          <a:bodyPr anchorCtr="0" anchor="t" bIns="91425" lIns="91425" spcFirstLastPara="1" rIns="91425" wrap="square" tIns="91425">
+          <a:bodyPr spcFirstLastPara="1" wrap="square" lIns="91425" tIns="91425" rIns="91425" bIns="91425" anchor="t" anchorCtr="0">
             <a:noAutofit/>
           </a:bodyPr>
           <a:lstStyle/>
           <a:p>
-            <a:pPr indent="0" lvl="0" marL="0" rtl="0" algn="l">
+            <a:pPr marL="0" lvl="0" indent="0" algn="l" rtl="0">
               <a:spcBef>
                 <a:spcPts val="0"/>
               </a:spcBef>
@@ -7443,9 +7626,11 @@
       <p:sp>
         <p:nvSpPr>
           <p:cNvPr id="84" name="Google Shape;84;p17"/>
-          <p:cNvSpPr txBox="1"/>
+          <p:cNvSpPr txBox="1">
+            <a:spLocks noGrp="1"/>
+          </p:cNvSpPr>
           <p:nvPr>
-            <p:ph idx="1" type="body"/>
+            <p:ph type="body" idx="1"/>
           </p:nvPr>
         </p:nvSpPr>
         <p:spPr>
@@ -7458,12 +7643,12 @@
           </a:prstGeom>
         </p:spPr>
         <p:txBody>
-          <a:bodyPr anchorCtr="0" anchor="t" bIns="91425" lIns="91425" spcFirstLastPara="1" rIns="91425" wrap="square" tIns="91425">
+          <a:bodyPr spcFirstLastPara="1" wrap="square" lIns="91425" tIns="91425" rIns="91425" bIns="91425" anchor="t" anchorCtr="0">
             <a:noAutofit/>
           </a:bodyPr>
           <a:lstStyle/>
           <a:p>
-            <a:pPr indent="-323850" lvl="0" marL="457200" rtl="0" algn="l">
+            <a:pPr marL="457200" lvl="0" indent="-323850" algn="l" rtl="0">
               <a:spcBef>
                 <a:spcPts val="0"/>
               </a:spcBef>
@@ -7483,7 +7668,7 @@
             <a:endParaRPr sz="1500"/>
           </a:p>
           <a:p>
-            <a:pPr indent="-323850" lvl="0" marL="457200" rtl="0" algn="l">
+            <a:pPr marL="457200" lvl="0" indent="-323850" algn="l" rtl="0">
               <a:spcBef>
                 <a:spcPts val="0"/>
               </a:spcBef>
@@ -7500,7 +7685,7 @@
             <a:endParaRPr sz="1500"/>
           </a:p>
           <a:p>
-            <a:pPr indent="-323850" lvl="1" marL="914400" rtl="0" algn="l">
+            <a:pPr marL="914400" lvl="1" indent="-323850" algn="l" rtl="0">
               <a:spcBef>
                 <a:spcPts val="0"/>
               </a:spcBef>
@@ -7517,7 +7702,7 @@
             <a:endParaRPr sz="1500"/>
           </a:p>
           <a:p>
-            <a:pPr indent="-323850" lvl="1" marL="914400" rtl="0" algn="l">
+            <a:pPr marL="914400" lvl="1" indent="-323850" algn="l" rtl="0">
               <a:spcBef>
                 <a:spcPts val="0"/>
               </a:spcBef>
@@ -7534,7 +7719,7 @@
             <a:endParaRPr sz="1500"/>
           </a:p>
           <a:p>
-            <a:pPr indent="-323850" lvl="1" marL="914400" rtl="0" algn="l">
+            <a:pPr marL="914400" lvl="1" indent="-323850" algn="l" rtl="0">
               <a:spcBef>
                 <a:spcPts val="0"/>
               </a:spcBef>
@@ -7554,7 +7739,7 @@
             <a:endParaRPr sz="1500"/>
           </a:p>
           <a:p>
-            <a:pPr indent="-323850" lvl="0" marL="457200" rtl="0" algn="l">
+            <a:pPr marL="457200" lvl="0" indent="-323850" algn="l" rtl="0">
               <a:spcBef>
                 <a:spcPts val="0"/>
               </a:spcBef>
@@ -7574,7 +7759,7 @@
             <a:endParaRPr sz="1500"/>
           </a:p>
           <a:p>
-            <a:pPr indent="-323850" lvl="0" marL="457200" rtl="0" algn="l">
+            <a:pPr marL="457200" lvl="0" indent="-323850" algn="l" rtl="0">
               <a:spcBef>
                 <a:spcPts val="0"/>
               </a:spcBef>
@@ -7601,11 +7786,11 @@
 </file>
 
 <file path=ppt/slides/slide6.xml><?xml version="1.0" encoding="utf-8"?>
-<p:sld xmlns:a="http://schemas.openxmlformats.org/drawingml/2006/main" xmlns:r="http://schemas.openxmlformats.org/officeDocument/2006/relationships" xmlns:mc="http://schemas.openxmlformats.org/markup-compatibility/2006" xmlns:mv="urn:schemas-microsoft-com:mac:vml" xmlns:p="http://schemas.openxmlformats.org/presentationml/2006/main" xmlns:c="http://schemas.openxmlformats.org/drawingml/2006/chart" xmlns:dgm="http://schemas.openxmlformats.org/drawingml/2006/diagram" xmlns:o="urn:schemas-microsoft-com:office:office" xmlns:v="urn:schemas-microsoft-com:vml" xmlns:pvml="urn:schemas-microsoft-com:office:powerpoint" xmlns:com="http://schemas.openxmlformats.org/drawingml/2006/compatibility" xmlns:p14="http://schemas.microsoft.com/office/powerpoint/2010/main" xmlns:p15="http://schemas.microsoft.com/office/powerpoint/2012/main">
+<p:sld xmlns:a="http://schemas.openxmlformats.org/drawingml/2006/main" xmlns:r="http://schemas.openxmlformats.org/officeDocument/2006/relationships" xmlns:p="http://schemas.openxmlformats.org/presentationml/2006/main">
   <p:cSld>
     <p:spTree>
       <p:nvGrpSpPr>
-        <p:cNvPr id="88" name="Shape 88"/>
+        <p:cNvPr id="1" name="Shape 88"/>
         <p:cNvGrpSpPr/>
         <p:nvPr/>
       </p:nvGrpSpPr>
@@ -7620,7 +7805,9 @@
       <p:sp>
         <p:nvSpPr>
           <p:cNvPr id="89" name="Google Shape;89;p18"/>
-          <p:cNvSpPr txBox="1"/>
+          <p:cNvSpPr txBox="1">
+            <a:spLocks noGrp="1"/>
+          </p:cNvSpPr>
           <p:nvPr>
             <p:ph type="title"/>
           </p:nvPr>
@@ -7635,12 +7822,12 @@
           </a:prstGeom>
         </p:spPr>
         <p:txBody>
-          <a:bodyPr anchorCtr="0" anchor="t" bIns="91425" lIns="91425" spcFirstLastPara="1" rIns="91425" wrap="square" tIns="91425">
+          <a:bodyPr spcFirstLastPara="1" wrap="square" lIns="91425" tIns="91425" rIns="91425" bIns="91425" anchor="t" anchorCtr="0">
             <a:noAutofit/>
           </a:bodyPr>
           <a:lstStyle/>
           <a:p>
-            <a:pPr indent="0" lvl="0" marL="0" rtl="0" algn="l">
+            <a:pPr marL="0" lvl="0" indent="0" algn="l" rtl="0">
               <a:spcBef>
                 <a:spcPts val="0"/>
               </a:spcBef>
@@ -7660,9 +7847,11 @@
       <p:sp>
         <p:nvSpPr>
           <p:cNvPr id="90" name="Google Shape;90;p18"/>
-          <p:cNvSpPr txBox="1"/>
+          <p:cNvSpPr txBox="1">
+            <a:spLocks noGrp="1"/>
+          </p:cNvSpPr>
           <p:nvPr>
-            <p:ph idx="1" type="body"/>
+            <p:ph type="body" idx="1"/>
           </p:nvPr>
         </p:nvSpPr>
         <p:spPr>
@@ -7675,12 +7864,12 @@
           </a:prstGeom>
         </p:spPr>
         <p:txBody>
-          <a:bodyPr anchorCtr="0" anchor="t" bIns="91425" lIns="91425" spcFirstLastPara="1" rIns="91425" wrap="square" tIns="91425">
+          <a:bodyPr spcFirstLastPara="1" wrap="square" lIns="91425" tIns="91425" rIns="91425" bIns="91425" anchor="t" anchorCtr="0">
             <a:noAutofit/>
           </a:bodyPr>
           <a:lstStyle/>
           <a:p>
-            <a:pPr indent="-342900" lvl="0" marL="457200" rtl="0" algn="l">
+            <a:pPr marL="457200" lvl="0" indent="-342900" algn="l" rtl="0">
               <a:spcBef>
                 <a:spcPts val="0"/>
               </a:spcBef>
@@ -7691,16 +7880,16 @@
               <a:buChar char="-"/>
             </a:pPr>
             <a:r>
-              <a:rPr lang="en"/>
+              <a:rPr lang="en" dirty="0"/>
               <a:t>The software is fairly simple to use although it looks very intimidating at first. </a:t>
             </a:r>
             <a:br>
-              <a:rPr lang="en"/>
+              <a:rPr lang="en" dirty="0"/>
             </a:br>
-            <a:endParaRPr/>
+            <a:endParaRPr dirty="0"/>
           </a:p>
           <a:p>
-            <a:pPr indent="-342900" lvl="0" marL="457200" rtl="0" algn="l">
+            <a:pPr marL="457200" lvl="0" indent="-342900" algn="l" rtl="0">
               <a:spcBef>
                 <a:spcPts val="0"/>
               </a:spcBef>
@@ -7711,10 +7900,50 @@
               <a:buChar char="-"/>
             </a:pPr>
             <a:r>
-              <a:rPr lang="en"/>
+              <a:rPr lang="en" dirty="0"/>
               <a:t>It is a great tool that is beneficial for technical writers.</a:t>
             </a:r>
-            <a:endParaRPr/>
+            <a:br>
+              <a:rPr lang="en" dirty="0"/>
+            </a:br>
+            <a:endParaRPr lang="en" dirty="0"/>
+          </a:p>
+          <a:p>
+            <a:pPr marL="457200" lvl="0" indent="-342900" algn="l" rtl="0">
+              <a:spcBef>
+                <a:spcPts val="0"/>
+              </a:spcBef>
+              <a:spcAft>
+                <a:spcPts val="0"/>
+              </a:spcAft>
+              <a:buSzPts val="1800"/>
+              <a:buChar char="-"/>
+            </a:pPr>
+            <a:r>
+              <a:rPr lang="en" dirty="0"/>
+              <a:t>In general, I </a:t>
+            </a:r>
+            <a:r>
+              <a:rPr lang="en-US" dirty="0"/>
+              <a:t>also </a:t>
+            </a:r>
+            <a:r>
+              <a:rPr lang="en" dirty="0"/>
+              <a:t>learned a lot about how git/</a:t>
+            </a:r>
+            <a:r>
+              <a:rPr lang="en-US" dirty="0"/>
+              <a:t>source control </a:t>
+            </a:r>
+            <a:r>
+              <a:rPr lang="en" dirty="0"/>
+              <a:t>works </a:t>
+            </a:r>
+            <a:r>
+              <a:rPr lang="en-US" dirty="0"/>
+              <a:t>that I could use at work when using Flare. </a:t>
+            </a:r>
+            <a:endParaRPr dirty="0"/>
           </a:p>
         </p:txBody>
       </p:sp>
@@ -7727,11 +7956,11 @@
 </file>
 
 <file path=ppt/slides/slide7.xml><?xml version="1.0" encoding="utf-8"?>
-<p:sld xmlns:a="http://schemas.openxmlformats.org/drawingml/2006/main" xmlns:r="http://schemas.openxmlformats.org/officeDocument/2006/relationships" xmlns:mc="http://schemas.openxmlformats.org/markup-compatibility/2006" xmlns:mv="urn:schemas-microsoft-com:mac:vml" xmlns:p="http://schemas.openxmlformats.org/presentationml/2006/main" xmlns:c="http://schemas.openxmlformats.org/drawingml/2006/chart" xmlns:dgm="http://schemas.openxmlformats.org/drawingml/2006/diagram" xmlns:o="urn:schemas-microsoft-com:office:office" xmlns:v="urn:schemas-microsoft-com:vml" xmlns:pvml="urn:schemas-microsoft-com:office:powerpoint" xmlns:com="http://schemas.openxmlformats.org/drawingml/2006/compatibility" xmlns:p14="http://schemas.microsoft.com/office/powerpoint/2010/main" xmlns:p15="http://schemas.microsoft.com/office/powerpoint/2012/main">
+<p:sld xmlns:a="http://schemas.openxmlformats.org/drawingml/2006/main" xmlns:r="http://schemas.openxmlformats.org/officeDocument/2006/relationships" xmlns:p="http://schemas.openxmlformats.org/presentationml/2006/main">
   <p:cSld>
     <p:spTree>
       <p:nvGrpSpPr>
-        <p:cNvPr id="94" name="Shape 94"/>
+        <p:cNvPr id="1" name="Shape 94"/>
         <p:cNvGrpSpPr/>
         <p:nvPr/>
       </p:nvGrpSpPr>
@@ -7746,7 +7975,9 @@
       <p:sp>
         <p:nvSpPr>
           <p:cNvPr id="95" name="Google Shape;95;p19"/>
-          <p:cNvSpPr txBox="1"/>
+          <p:cNvSpPr txBox="1">
+            <a:spLocks noGrp="1"/>
+          </p:cNvSpPr>
           <p:nvPr>
             <p:ph type="title"/>
           </p:nvPr>
@@ -7761,12 +7992,12 @@
           </a:prstGeom>
         </p:spPr>
         <p:txBody>
-          <a:bodyPr anchorCtr="0" anchor="t" bIns="91425" lIns="91425" spcFirstLastPara="1" rIns="91425" wrap="square" tIns="91425">
+          <a:bodyPr spcFirstLastPara="1" wrap="square" lIns="91425" tIns="91425" rIns="91425" bIns="91425" anchor="t" anchorCtr="0">
             <a:noAutofit/>
           </a:bodyPr>
           <a:lstStyle/>
           <a:p>
-            <a:pPr indent="0" lvl="0" marL="0" rtl="0" algn="l">
+            <a:pPr marL="0" lvl="0" indent="0" algn="l" rtl="0">
               <a:spcBef>
                 <a:spcPts val="0"/>
               </a:spcBef>
@@ -7786,9 +8017,11 @@
       <p:sp>
         <p:nvSpPr>
           <p:cNvPr id="96" name="Google Shape;96;p19"/>
-          <p:cNvSpPr txBox="1"/>
+          <p:cNvSpPr txBox="1">
+            <a:spLocks noGrp="1"/>
+          </p:cNvSpPr>
           <p:nvPr>
-            <p:ph idx="1" type="body"/>
+            <p:ph type="body" idx="1"/>
           </p:nvPr>
         </p:nvSpPr>
         <p:spPr>
@@ -7801,12 +8034,12 @@
           </a:prstGeom>
         </p:spPr>
         <p:txBody>
-          <a:bodyPr anchorCtr="0" anchor="t" bIns="91425" lIns="91425" spcFirstLastPara="1" rIns="91425" wrap="square" tIns="91425">
+          <a:bodyPr spcFirstLastPara="1" wrap="square" lIns="91425" tIns="91425" rIns="91425" bIns="91425" anchor="t" anchorCtr="0">
             <a:noAutofit/>
           </a:bodyPr>
           <a:lstStyle/>
           <a:p>
-            <a:pPr indent="0" lvl="0" marL="0" rtl="0" algn="l">
+            <a:pPr marL="0" lvl="0" indent="0" algn="l" rtl="0">
               <a:spcBef>
                 <a:spcPts val="0"/>
               </a:spcBef>
@@ -7832,11 +8065,11 @@
 </file>
 
 <file path=ppt/slides/slide8.xml><?xml version="1.0" encoding="utf-8"?>
-<p:sld xmlns:a="http://schemas.openxmlformats.org/drawingml/2006/main" xmlns:r="http://schemas.openxmlformats.org/officeDocument/2006/relationships" xmlns:mc="http://schemas.openxmlformats.org/markup-compatibility/2006" xmlns:mv="urn:schemas-microsoft-com:mac:vml" xmlns:p="http://schemas.openxmlformats.org/presentationml/2006/main" xmlns:c="http://schemas.openxmlformats.org/drawingml/2006/chart" xmlns:dgm="http://schemas.openxmlformats.org/drawingml/2006/diagram" xmlns:o="urn:schemas-microsoft-com:office:office" xmlns:v="urn:schemas-microsoft-com:vml" xmlns:pvml="urn:schemas-microsoft-com:office:powerpoint" xmlns:com="http://schemas.openxmlformats.org/drawingml/2006/compatibility" xmlns:p14="http://schemas.microsoft.com/office/powerpoint/2010/main" xmlns:p15="http://schemas.microsoft.com/office/powerpoint/2012/main">
+<p:sld xmlns:a="http://schemas.openxmlformats.org/drawingml/2006/main" xmlns:r="http://schemas.openxmlformats.org/officeDocument/2006/relationships" xmlns:p="http://schemas.openxmlformats.org/presentationml/2006/main">
   <p:cSld>
     <p:spTree>
       <p:nvGrpSpPr>
-        <p:cNvPr id="100" name="Shape 100"/>
+        <p:cNvPr id="1" name="Shape 100"/>
         <p:cNvGrpSpPr/>
         <p:nvPr/>
       </p:nvGrpSpPr>
@@ -7851,7 +8084,9 @@
       <p:sp>
         <p:nvSpPr>
           <p:cNvPr id="101" name="Google Shape;101;p20"/>
-          <p:cNvSpPr txBox="1"/>
+          <p:cNvSpPr txBox="1">
+            <a:spLocks noGrp="1"/>
+          </p:cNvSpPr>
           <p:nvPr>
             <p:ph type="title"/>
           </p:nvPr>
@@ -7866,12 +8101,12 @@
           </a:prstGeom>
         </p:spPr>
         <p:txBody>
-          <a:bodyPr anchorCtr="0" anchor="t" bIns="91425" lIns="91425" spcFirstLastPara="1" rIns="91425" wrap="square" tIns="91425">
+          <a:bodyPr spcFirstLastPara="1" wrap="square" lIns="91425" tIns="91425" rIns="91425" bIns="91425" anchor="t" anchorCtr="0">
             <a:noAutofit/>
           </a:bodyPr>
           <a:lstStyle/>
           <a:p>
-            <a:pPr indent="0" lvl="0" marL="0" rtl="0" algn="l">
+            <a:pPr marL="0" lvl="0" indent="0" algn="l" rtl="0">
               <a:spcBef>
                 <a:spcPts val="0"/>
               </a:spcBef>
@@ -7881,19 +8116,25 @@
               <a:buNone/>
             </a:pPr>
             <a:r>
-              <a:rPr lang="en"/>
-              <a:t>References</a:t>
+              <a:rPr lang="en" dirty="0"/>
+              <a:t>References [</a:t>
             </a:r>
-            <a:endParaRPr/>
+            <a:r>
+              <a:rPr lang="en-US" dirty="0"/>
+              <a:t>for my actual Flare project]</a:t>
+            </a:r>
+            <a:endParaRPr dirty="0"/>
           </a:p>
         </p:txBody>
       </p:sp>
       <p:sp>
         <p:nvSpPr>
           <p:cNvPr id="102" name="Google Shape;102;p20"/>
-          <p:cNvSpPr txBox="1"/>
+          <p:cNvSpPr txBox="1">
+            <a:spLocks noGrp="1"/>
+          </p:cNvSpPr>
           <p:nvPr>
-            <p:ph idx="1" type="body"/>
+            <p:ph type="body" idx="1"/>
           </p:nvPr>
         </p:nvSpPr>
         <p:spPr>
@@ -7906,12 +8147,12 @@
           </a:prstGeom>
         </p:spPr>
         <p:txBody>
-          <a:bodyPr anchorCtr="0" anchor="t" bIns="91425" lIns="91425" spcFirstLastPara="1" rIns="91425" wrap="square" tIns="91425">
+          <a:bodyPr spcFirstLastPara="1" wrap="square" lIns="91425" tIns="91425" rIns="91425" bIns="91425" anchor="t" anchorCtr="0">
             <a:noAutofit/>
           </a:bodyPr>
           <a:lstStyle/>
           <a:p>
-            <a:pPr indent="-374650" lvl="0" marL="457200" rtl="0" algn="l">
+            <a:pPr marL="457200" lvl="0" indent="-374650" algn="l" rtl="0">
               <a:spcBef>
                 <a:spcPts val="0"/>
               </a:spcBef>
@@ -7922,13 +8163,10 @@
               <a:buChar char="-"/>
             </a:pPr>
             <a:r>
-              <a:rPr lang="en" sz="1700">
+              <a:rPr lang="en" sz="1700" dirty="0">
                 <a:solidFill>
-                  <a:srgbClr val="333333"/>
+                  <a:schemeClr val="tx1"/>
                 </a:solidFill>
-                <a:highlight>
-                  <a:srgbClr val="FFFFFF"/>
-                </a:highlight>
                 <a:latin typeface="Times New Roman"/>
                 <a:ea typeface="Times New Roman"/>
                 <a:cs typeface="Times New Roman"/>
@@ -7937,29 +8175,29 @@
               <a:t>000037712 - In RSA NetWitness version 11.3.x, queries in Investigate &gt; Navigate are automatically modified. (2019, August 6). Retrieved from </a:t>
             </a:r>
             <a:r>
-              <a:rPr lang="en" sz="1700" u="sng">
+              <a:rPr lang="en" sz="1700" u="sng" dirty="0">
                 <a:solidFill>
-                  <a:schemeClr val="accent5"/>
+                  <a:schemeClr val="tx1"/>
                 </a:solidFill>
-                <a:highlight>
-                  <a:srgbClr val="FFFFFF"/>
-                </a:highlight>
                 <a:latin typeface="Times New Roman"/>
                 <a:ea typeface="Times New Roman"/>
                 <a:cs typeface="Times New Roman"/>
                 <a:sym typeface="Times New Roman"/>
-                <a:hlinkClick r:id="rId3"/>
+                <a:hlinkClick r:id="rId3">
+                  <a:extLst>
+                    <a:ext uri="{A12FA001-AC4F-418D-AE19-62706E023703}">
+                      <ahyp:hlinkClr xmlns:ahyp="http://schemas.microsoft.com/office/drawing/2018/hyperlinkcolor" val="tx"/>
+                    </a:ext>
+                  </a:extLst>
+                </a:hlinkClick>
               </a:rPr>
               <a:t>https://community.rsa.com/docs/DOC-106145</a:t>
             </a:r>
             <a:r>
-              <a:rPr lang="en" sz="1700">
+              <a:rPr lang="en" sz="1700" dirty="0">
                 <a:solidFill>
-                  <a:srgbClr val="333333"/>
+                  <a:schemeClr val="tx1"/>
                 </a:solidFill>
-                <a:highlight>
-                  <a:srgbClr val="FFFFFF"/>
-                </a:highlight>
                 <a:latin typeface="Times New Roman"/>
                 <a:ea typeface="Times New Roman"/>
                 <a:cs typeface="Times New Roman"/>
@@ -7968,26 +8206,20 @@
               <a:t> </a:t>
             </a:r>
             <a:br>
-              <a:rPr lang="en" sz="1700">
+              <a:rPr lang="en" sz="1700" dirty="0">
                 <a:solidFill>
-                  <a:srgbClr val="333333"/>
+                  <a:schemeClr val="tx1"/>
                 </a:solidFill>
-                <a:highlight>
-                  <a:srgbClr val="FFFFFF"/>
-                </a:highlight>
                 <a:latin typeface="Times New Roman"/>
                 <a:ea typeface="Times New Roman"/>
                 <a:cs typeface="Times New Roman"/>
                 <a:sym typeface="Times New Roman"/>
               </a:rPr>
             </a:br>
-            <a:endParaRPr sz="1700">
+            <a:endParaRPr sz="1700" dirty="0">
               <a:solidFill>
-                <a:srgbClr val="333333"/>
+                <a:schemeClr val="tx1"/>
               </a:solidFill>
-              <a:highlight>
-                <a:srgbClr val="FFFFFF"/>
-              </a:highlight>
               <a:latin typeface="Times New Roman"/>
               <a:ea typeface="Times New Roman"/>
               <a:cs typeface="Times New Roman"/>
@@ -7995,7 +8227,7 @@
             </a:endParaRPr>
           </a:p>
           <a:p>
-            <a:pPr indent="-374650" lvl="0" marL="457200" rtl="0" algn="l">
+            <a:pPr marL="457200" lvl="0" indent="-374650" algn="l" rtl="0">
               <a:spcBef>
                 <a:spcPts val="0"/>
               </a:spcBef>
@@ -8006,13 +8238,10 @@
               <a:buChar char="-"/>
             </a:pPr>
             <a:r>
-              <a:rPr lang="en" sz="1700">
+              <a:rPr lang="en" sz="1700" dirty="0">
                 <a:solidFill>
-                  <a:srgbClr val="333333"/>
+                  <a:schemeClr val="tx1"/>
                 </a:solidFill>
-                <a:highlight>
-                  <a:srgbClr val="FFFFFF"/>
-                </a:highlight>
                 <a:latin typeface="Times New Roman"/>
                 <a:ea typeface="Times New Roman"/>
                 <a:cs typeface="Times New Roman"/>
@@ -8021,42 +8250,39 @@
               <a:t>Kulkarni, S. (2020, April 6). Release Notes 11.3: Introduction. Retrieved May 13, 2020, from </a:t>
             </a:r>
             <a:r>
-              <a:rPr lang="en" sz="1700" u="sng">
+              <a:rPr lang="en" sz="1700" u="sng" dirty="0">
                 <a:solidFill>
-                  <a:schemeClr val="hlink"/>
+                  <a:schemeClr val="tx1"/>
                 </a:solidFill>
-                <a:highlight>
-                  <a:srgbClr val="FFFFFF"/>
-                </a:highlight>
                 <a:latin typeface="Times New Roman"/>
                 <a:ea typeface="Times New Roman"/>
                 <a:cs typeface="Times New Roman"/>
                 <a:sym typeface="Times New Roman"/>
-                <a:hlinkClick r:id="rId4"/>
+                <a:hlinkClick r:id="rId4">
+                  <a:extLst>
+                    <a:ext uri="{A12FA001-AC4F-418D-AE19-62706E023703}">
+                      <ahyp:hlinkClr xmlns:ahyp="http://schemas.microsoft.com/office/drawing/2018/hyperlinkcolor" val="tx"/>
+                    </a:ext>
+                  </a:extLst>
+                </a:hlinkClick>
               </a:rPr>
               <a:t>https://community.rsa.com/docs/DOC-101678</a:t>
             </a:r>
             <a:br>
-              <a:rPr lang="en" sz="1700">
+              <a:rPr lang="en" sz="1700" dirty="0">
                 <a:solidFill>
-                  <a:srgbClr val="333333"/>
+                  <a:schemeClr val="tx1"/>
                 </a:solidFill>
-                <a:highlight>
-                  <a:srgbClr val="FFFFFF"/>
-                </a:highlight>
                 <a:latin typeface="Times New Roman"/>
                 <a:ea typeface="Times New Roman"/>
                 <a:cs typeface="Times New Roman"/>
                 <a:sym typeface="Times New Roman"/>
               </a:rPr>
             </a:br>
-            <a:endParaRPr sz="1700">
+            <a:endParaRPr sz="1700" dirty="0">
               <a:solidFill>
-                <a:srgbClr val="333333"/>
+                <a:schemeClr val="tx1"/>
               </a:solidFill>
-              <a:highlight>
-                <a:srgbClr val="FFFFFF"/>
-              </a:highlight>
               <a:latin typeface="Times New Roman"/>
               <a:ea typeface="Times New Roman"/>
               <a:cs typeface="Times New Roman"/>
@@ -8064,7 +8290,7 @@
             </a:endParaRPr>
           </a:p>
           <a:p>
-            <a:pPr indent="-336550" lvl="0" marL="457200" rtl="0" algn="l">
+            <a:pPr marL="457200" lvl="0" indent="-336550" algn="l" rtl="0">
               <a:spcBef>
                 <a:spcPts val="0"/>
               </a:spcBef>
@@ -8079,13 +8305,10 @@
               <a:buChar char="-"/>
             </a:pPr>
             <a:r>
-              <a:rPr lang="en" sz="1700">
+              <a:rPr lang="en" sz="1700" dirty="0">
                 <a:solidFill>
-                  <a:srgbClr val="333333"/>
+                  <a:schemeClr val="tx1"/>
                 </a:solidFill>
-                <a:highlight>
-                  <a:srgbClr val="FFFFFF"/>
-                </a:highlight>
                 <a:latin typeface="Times New Roman"/>
                 <a:ea typeface="Times New Roman"/>
                 <a:cs typeface="Times New Roman"/>
@@ -8094,28 +8317,28 @@
               <a:t>Release Notes 11.3: Fixed Issues. (2019, October 8). Retrieved May 13, 2020, from </a:t>
             </a:r>
             <a:r>
-              <a:rPr lang="en" sz="1700" u="sng">
+              <a:rPr lang="en" sz="1700" u="sng" dirty="0">
                 <a:solidFill>
-                  <a:schemeClr val="hlink"/>
+                  <a:schemeClr val="tx1"/>
                 </a:solidFill>
-                <a:highlight>
-                  <a:srgbClr val="FFFFFF"/>
-                </a:highlight>
                 <a:latin typeface="Times New Roman"/>
                 <a:ea typeface="Times New Roman"/>
                 <a:cs typeface="Times New Roman"/>
                 <a:sym typeface="Times New Roman"/>
-                <a:hlinkClick r:id="rId5"/>
+                <a:hlinkClick r:id="rId5">
+                  <a:extLst>
+                    <a:ext uri="{A12FA001-AC4F-418D-AE19-62706E023703}">
+                      <ahyp:hlinkClr xmlns:ahyp="http://schemas.microsoft.com/office/drawing/2018/hyperlinkcolor" val="tx"/>
+                    </a:ext>
+                  </a:extLst>
+                </a:hlinkClick>
               </a:rPr>
               <a:t>https://community.rsa.com/docs/DOC-101684</a:t>
             </a:r>
-            <a:endParaRPr sz="1700">
+            <a:endParaRPr sz="1700" dirty="0">
               <a:solidFill>
-                <a:srgbClr val="333333"/>
+                <a:schemeClr val="tx1"/>
               </a:solidFill>
-              <a:highlight>
-                <a:srgbClr val="FFFFFF"/>
-              </a:highlight>
               <a:latin typeface="Times New Roman"/>
               <a:ea typeface="Times New Roman"/>
               <a:cs typeface="Times New Roman"/>
@@ -8133,7 +8356,288 @@
 </file>
 
 <file path=ppt/theme/theme1.xml><?xml version="1.0" encoding="utf-8"?>
-<a:theme xmlns:a="http://schemas.openxmlformats.org/drawingml/2006/main" xmlns:r="http://schemas.openxmlformats.org/officeDocument/2006/relationships">
+<a:theme xmlns:a="http://schemas.openxmlformats.org/drawingml/2006/main" name="Slate">
+  <a:themeElements>
+    <a:clrScheme name="Slate">
+      <a:dk1>
+        <a:srgbClr val="FFFFFF"/>
+      </a:dk1>
+      <a:lt1>
+        <a:srgbClr val="37474F"/>
+      </a:lt1>
+      <a:dk2>
+        <a:srgbClr val="9E9E9E"/>
+      </a:dk2>
+      <a:lt2>
+        <a:srgbClr val="E0E0E0"/>
+      </a:lt2>
+      <a:accent1>
+        <a:srgbClr val="616161"/>
+      </a:accent1>
+      <a:accent2>
+        <a:srgbClr val="78909C"/>
+      </a:accent2>
+      <a:accent3>
+        <a:srgbClr val="CACACA"/>
+      </a:accent3>
+      <a:accent4>
+        <a:srgbClr val="64FFDA"/>
+      </a:accent4>
+      <a:accent5>
+        <a:srgbClr val="FFD966"/>
+      </a:accent5>
+      <a:accent6>
+        <a:srgbClr val="F5F5F5"/>
+      </a:accent6>
+      <a:hlink>
+        <a:srgbClr val="FFD966"/>
+      </a:hlink>
+      <a:folHlink>
+        <a:srgbClr val="FFD966"/>
+      </a:folHlink>
+    </a:clrScheme>
+    <a:fontScheme name="Office">
+      <a:majorFont>
+        <a:latin typeface="Arial"/>
+        <a:ea typeface=""/>
+        <a:cs typeface=""/>
+        <a:font script="Jpan" typeface="ＭＳ Ｐゴシック"/>
+        <a:font script="Hang" typeface="맑은 고딕"/>
+        <a:font script="Hans" typeface="宋体"/>
+        <a:font script="Hant" typeface="新細明體"/>
+        <a:font script="Arab" typeface="Times New Roman"/>
+        <a:font script="Hebr" typeface="Times New Roman"/>
+        <a:font script="Thai" typeface="Angsana New"/>
+        <a:font script="Ethi" typeface="Nyala"/>
+        <a:font script="Beng" typeface="Vrinda"/>
+        <a:font script="Gujr" typeface="Shruti"/>
+        <a:font script="Khmr" typeface="MoolBoran"/>
+        <a:font script="Knda" typeface="Tunga"/>
+        <a:font script="Guru" typeface="Raavi"/>
+        <a:font script="Cans" typeface="Euphemia"/>
+        <a:font script="Cher" typeface="Plantagenet Cherokee"/>
+        <a:font script="Yiii" typeface="Microsoft Yi Baiti"/>
+        <a:font script="Tibt" typeface="Microsoft Himalaya"/>
+        <a:font script="Thaa" typeface="MV Boli"/>
+        <a:font script="Deva" typeface="Mangal"/>
+        <a:font script="Telu" typeface="Gautami"/>
+        <a:font script="Taml" typeface="Latha"/>
+        <a:font script="Syrc" typeface="Estrangelo Edessa"/>
+        <a:font script="Orya" typeface="Kalinga"/>
+        <a:font script="Mlym" typeface="Kartika"/>
+        <a:font script="Laoo" typeface="DokChampa"/>
+        <a:font script="Sinh" typeface="Iskoola Pota"/>
+        <a:font script="Mong" typeface="Mongolian Baiti"/>
+        <a:font script="Viet" typeface="Times New Roman"/>
+        <a:font script="Uigh" typeface="Microsoft Uighur"/>
+        <a:font script="Geor" typeface="Sylfaen"/>
+      </a:majorFont>
+      <a:minorFont>
+        <a:latin typeface="Arial"/>
+        <a:ea typeface=""/>
+        <a:cs typeface=""/>
+        <a:font script="Jpan" typeface="ＭＳ Ｐゴシック"/>
+        <a:font script="Hang" typeface="맑은 고딕"/>
+        <a:font script="Hans" typeface="宋体"/>
+        <a:font script="Hant" typeface="新細明體"/>
+        <a:font script="Arab" typeface="Arial"/>
+        <a:font script="Hebr" typeface="Arial"/>
+        <a:font script="Thai" typeface="Cordia New"/>
+        <a:font script="Ethi" typeface="Nyala"/>
+        <a:font script="Beng" typeface="Vrinda"/>
+        <a:font script="Gujr" typeface="Shruti"/>
+        <a:font script="Khmr" typeface="DaunPenh"/>
+        <a:font script="Knda" typeface="Tunga"/>
+        <a:font script="Guru" typeface="Raavi"/>
+        <a:font script="Cans" typeface="Euphemia"/>
+        <a:font script="Cher" typeface="Plantagenet Cherokee"/>
+        <a:font script="Yiii" typeface="Microsoft Yi Baiti"/>
+        <a:font script="Tibt" typeface="Microsoft Himalaya"/>
+        <a:font script="Thaa" typeface="MV Boli"/>
+        <a:font script="Deva" typeface="Mangal"/>
+        <a:font script="Telu" typeface="Gautami"/>
+        <a:font script="Taml" typeface="Latha"/>
+        <a:font script="Syrc" typeface="Estrangelo Edessa"/>
+        <a:font script="Orya" typeface="Kalinga"/>
+        <a:font script="Mlym" typeface="Kartika"/>
+        <a:font script="Laoo" typeface="DokChampa"/>
+        <a:font script="Sinh" typeface="Iskoola Pota"/>
+        <a:font script="Mong" typeface="Mongolian Baiti"/>
+        <a:font script="Viet" typeface="Arial"/>
+        <a:font script="Uigh" typeface="Microsoft Uighur"/>
+        <a:font script="Geor" typeface="Sylfaen"/>
+      </a:minorFont>
+    </a:fontScheme>
+    <a:fmtScheme name="Office">
+      <a:fillStyleLst>
+        <a:solidFill>
+          <a:schemeClr val="phClr"/>
+        </a:solidFill>
+        <a:gradFill rotWithShape="1">
+          <a:gsLst>
+            <a:gs pos="0">
+              <a:schemeClr val="phClr">
+                <a:tint val="50000"/>
+                <a:satMod val="300000"/>
+              </a:schemeClr>
+            </a:gs>
+            <a:gs pos="35000">
+              <a:schemeClr val="phClr">
+                <a:tint val="37000"/>
+                <a:satMod val="300000"/>
+              </a:schemeClr>
+            </a:gs>
+            <a:gs pos="100000">
+              <a:schemeClr val="phClr">
+                <a:tint val="15000"/>
+                <a:satMod val="350000"/>
+              </a:schemeClr>
+            </a:gs>
+          </a:gsLst>
+          <a:lin ang="16200000" scaled="1"/>
+        </a:gradFill>
+        <a:gradFill rotWithShape="1">
+          <a:gsLst>
+            <a:gs pos="0">
+              <a:schemeClr val="phClr">
+                <a:tint val="100000"/>
+                <a:shade val="100000"/>
+                <a:satMod val="130000"/>
+              </a:schemeClr>
+            </a:gs>
+            <a:gs pos="100000">
+              <a:schemeClr val="phClr">
+                <a:tint val="50000"/>
+                <a:shade val="100000"/>
+                <a:satMod val="350000"/>
+              </a:schemeClr>
+            </a:gs>
+          </a:gsLst>
+          <a:lin ang="16200000" scaled="0"/>
+        </a:gradFill>
+      </a:fillStyleLst>
+      <a:lnStyleLst>
+        <a:ln w="9525" cap="flat" cmpd="sng" algn="ctr">
+          <a:solidFill>
+            <a:schemeClr val="phClr">
+              <a:shade val="95000"/>
+              <a:satMod val="105000"/>
+            </a:schemeClr>
+          </a:solidFill>
+          <a:prstDash val="solid"/>
+        </a:ln>
+        <a:ln w="25400" cap="flat" cmpd="sng" algn="ctr">
+          <a:solidFill>
+            <a:schemeClr val="phClr"/>
+          </a:solidFill>
+          <a:prstDash val="solid"/>
+        </a:ln>
+        <a:ln w="38100" cap="flat" cmpd="sng" algn="ctr">
+          <a:solidFill>
+            <a:schemeClr val="phClr"/>
+          </a:solidFill>
+          <a:prstDash val="solid"/>
+        </a:ln>
+      </a:lnStyleLst>
+      <a:effectStyleLst>
+        <a:effectStyle>
+          <a:effectLst>
+            <a:outerShdw blurRad="40000" dist="20000" dir="5400000" rotWithShape="0">
+              <a:srgbClr val="000000">
+                <a:alpha val="38000"/>
+              </a:srgbClr>
+            </a:outerShdw>
+          </a:effectLst>
+        </a:effectStyle>
+        <a:effectStyle>
+          <a:effectLst>
+            <a:outerShdw blurRad="40000" dist="23000" dir="5400000" rotWithShape="0">
+              <a:srgbClr val="000000">
+                <a:alpha val="35000"/>
+              </a:srgbClr>
+            </a:outerShdw>
+          </a:effectLst>
+        </a:effectStyle>
+        <a:effectStyle>
+          <a:effectLst>
+            <a:outerShdw blurRad="40000" dist="23000" dir="5400000" rotWithShape="0">
+              <a:srgbClr val="000000">
+                <a:alpha val="35000"/>
+              </a:srgbClr>
+            </a:outerShdw>
+          </a:effectLst>
+          <a:scene3d>
+            <a:camera prst="orthographicFront">
+              <a:rot lat="0" lon="0" rev="0"/>
+            </a:camera>
+            <a:lightRig rig="threePt" dir="t">
+              <a:rot lat="0" lon="0" rev="1200000"/>
+            </a:lightRig>
+          </a:scene3d>
+          <a:sp3d>
+            <a:bevelT w="63500" h="25400"/>
+          </a:sp3d>
+        </a:effectStyle>
+      </a:effectStyleLst>
+      <a:bgFillStyleLst>
+        <a:solidFill>
+          <a:schemeClr val="phClr"/>
+        </a:solidFill>
+        <a:gradFill rotWithShape="1">
+          <a:gsLst>
+            <a:gs pos="0">
+              <a:schemeClr val="phClr">
+                <a:tint val="40000"/>
+                <a:satMod val="350000"/>
+              </a:schemeClr>
+            </a:gs>
+            <a:gs pos="40000">
+              <a:schemeClr val="phClr">
+                <a:tint val="45000"/>
+                <a:shade val="99000"/>
+                <a:satMod val="350000"/>
+              </a:schemeClr>
+            </a:gs>
+            <a:gs pos="100000">
+              <a:schemeClr val="phClr">
+                <a:shade val="20000"/>
+                <a:satMod val="255000"/>
+              </a:schemeClr>
+            </a:gs>
+          </a:gsLst>
+          <a:path path="circle">
+            <a:fillToRect l="50000" t="-80000" r="50000" b="180000"/>
+          </a:path>
+        </a:gradFill>
+        <a:gradFill rotWithShape="1">
+          <a:gsLst>
+            <a:gs pos="0">
+              <a:schemeClr val="phClr">
+                <a:tint val="80000"/>
+                <a:satMod val="300000"/>
+              </a:schemeClr>
+            </a:gs>
+            <a:gs pos="100000">
+              <a:schemeClr val="phClr">
+                <a:shade val="30000"/>
+                <a:satMod val="200000"/>
+              </a:schemeClr>
+            </a:gs>
+          </a:gsLst>
+          <a:path path="circle">
+            <a:fillToRect l="50000" t="50000" r="50000" b="50000"/>
+          </a:path>
+        </a:gradFill>
+      </a:bgFillStyleLst>
+    </a:fmtScheme>
+  </a:themeElements>
+  <a:objectDefaults/>
+  <a:extraClrSchemeLst/>
+</a:theme>
+</file>
+
+<file path=ppt/theme/theme2.xml><?xml version="1.0" encoding="utf-8"?>
+<a:theme xmlns:a="http://schemas.openxmlformats.org/drawingml/2006/main">
   <a:themeElements>
     <a:clrScheme name="Default">
       <a:dk1>
@@ -8408,284 +8912,7 @@
       </a:bgFillStyleLst>
     </a:fmtScheme>
   </a:themeElements>
-</a:theme>
-</file>
-
-<file path=ppt/theme/theme2.xml><?xml version="1.0" encoding="utf-8"?>
-<a:theme xmlns:a="http://schemas.openxmlformats.org/drawingml/2006/main" xmlns:r="http://schemas.openxmlformats.org/officeDocument/2006/relationships" name="Slate">
-  <a:themeElements>
-    <a:clrScheme name="Slate">
-      <a:dk1>
-        <a:srgbClr val="FFFFFF"/>
-      </a:dk1>
-      <a:lt1>
-        <a:srgbClr val="37474F"/>
-      </a:lt1>
-      <a:dk2>
-        <a:srgbClr val="9E9E9E"/>
-      </a:dk2>
-      <a:lt2>
-        <a:srgbClr val="E0E0E0"/>
-      </a:lt2>
-      <a:accent1>
-        <a:srgbClr val="616161"/>
-      </a:accent1>
-      <a:accent2>
-        <a:srgbClr val="78909C"/>
-      </a:accent2>
-      <a:accent3>
-        <a:srgbClr val="CACACA"/>
-      </a:accent3>
-      <a:accent4>
-        <a:srgbClr val="64FFDA"/>
-      </a:accent4>
-      <a:accent5>
-        <a:srgbClr val="FFD966"/>
-      </a:accent5>
-      <a:accent6>
-        <a:srgbClr val="F5F5F5"/>
-      </a:accent6>
-      <a:hlink>
-        <a:srgbClr val="FFD966"/>
-      </a:hlink>
-      <a:folHlink>
-        <a:srgbClr val="FFD966"/>
-      </a:folHlink>
-    </a:clrScheme>
-    <a:fontScheme name="Office">
-      <a:majorFont>
-        <a:latin typeface="Arial"/>
-        <a:ea typeface=""/>
-        <a:cs typeface=""/>
-        <a:font script="Jpan" typeface="ＭＳ Ｐゴシック"/>
-        <a:font script="Hang" typeface="맑은 고딕"/>
-        <a:font script="Hans" typeface="宋体"/>
-        <a:font script="Hant" typeface="新細明體"/>
-        <a:font script="Arab" typeface="Times New Roman"/>
-        <a:font script="Hebr" typeface="Times New Roman"/>
-        <a:font script="Thai" typeface="Angsana New"/>
-        <a:font script="Ethi" typeface="Nyala"/>
-        <a:font script="Beng" typeface="Vrinda"/>
-        <a:font script="Gujr" typeface="Shruti"/>
-        <a:font script="Khmr" typeface="MoolBoran"/>
-        <a:font script="Knda" typeface="Tunga"/>
-        <a:font script="Guru" typeface="Raavi"/>
-        <a:font script="Cans" typeface="Euphemia"/>
-        <a:font script="Cher" typeface="Plantagenet Cherokee"/>
-        <a:font script="Yiii" typeface="Microsoft Yi Baiti"/>
-        <a:font script="Tibt" typeface="Microsoft Himalaya"/>
-        <a:font script="Thaa" typeface="MV Boli"/>
-        <a:font script="Deva" typeface="Mangal"/>
-        <a:font script="Telu" typeface="Gautami"/>
-        <a:font script="Taml" typeface="Latha"/>
-        <a:font script="Syrc" typeface="Estrangelo Edessa"/>
-        <a:font script="Orya" typeface="Kalinga"/>
-        <a:font script="Mlym" typeface="Kartika"/>
-        <a:font script="Laoo" typeface="DokChampa"/>
-        <a:font script="Sinh" typeface="Iskoola Pota"/>
-        <a:font script="Mong" typeface="Mongolian Baiti"/>
-        <a:font script="Viet" typeface="Times New Roman"/>
-        <a:font script="Uigh" typeface="Microsoft Uighur"/>
-        <a:font script="Geor" typeface="Sylfaen"/>
-      </a:majorFont>
-      <a:minorFont>
-        <a:latin typeface="Arial"/>
-        <a:ea typeface=""/>
-        <a:cs typeface=""/>
-        <a:font script="Jpan" typeface="ＭＳ Ｐゴシック"/>
-        <a:font script="Hang" typeface="맑은 고딕"/>
-        <a:font script="Hans" typeface="宋体"/>
-        <a:font script="Hant" typeface="新細明體"/>
-        <a:font script="Arab" typeface="Arial"/>
-        <a:font script="Hebr" typeface="Arial"/>
-        <a:font script="Thai" typeface="Cordia New"/>
-        <a:font script="Ethi" typeface="Nyala"/>
-        <a:font script="Beng" typeface="Vrinda"/>
-        <a:font script="Gujr" typeface="Shruti"/>
-        <a:font script="Khmr" typeface="DaunPenh"/>
-        <a:font script="Knda" typeface="Tunga"/>
-        <a:font script="Guru" typeface="Raavi"/>
-        <a:font script="Cans" typeface="Euphemia"/>
-        <a:font script="Cher" typeface="Plantagenet Cherokee"/>
-        <a:font script="Yiii" typeface="Microsoft Yi Baiti"/>
-        <a:font script="Tibt" typeface="Microsoft Himalaya"/>
-        <a:font script="Thaa" typeface="MV Boli"/>
-        <a:font script="Deva" typeface="Mangal"/>
-        <a:font script="Telu" typeface="Gautami"/>
-        <a:font script="Taml" typeface="Latha"/>
-        <a:font script="Syrc" typeface="Estrangelo Edessa"/>
-        <a:font script="Orya" typeface="Kalinga"/>
-        <a:font script="Mlym" typeface="Kartika"/>
-        <a:font script="Laoo" typeface="DokChampa"/>
-        <a:font script="Sinh" typeface="Iskoola Pota"/>
-        <a:font script="Mong" typeface="Mongolian Baiti"/>
-        <a:font script="Viet" typeface="Arial"/>
-        <a:font script="Uigh" typeface="Microsoft Uighur"/>
-        <a:font script="Geor" typeface="Sylfaen"/>
-      </a:minorFont>
-    </a:fontScheme>
-    <a:fmtScheme name="Office">
-      <a:fillStyleLst>
-        <a:solidFill>
-          <a:schemeClr val="phClr"/>
-        </a:solidFill>
-        <a:gradFill rotWithShape="1">
-          <a:gsLst>
-            <a:gs pos="0">
-              <a:schemeClr val="phClr">
-                <a:tint val="50000"/>
-                <a:satMod val="300000"/>
-              </a:schemeClr>
-            </a:gs>
-            <a:gs pos="35000">
-              <a:schemeClr val="phClr">
-                <a:tint val="37000"/>
-                <a:satMod val="300000"/>
-              </a:schemeClr>
-            </a:gs>
-            <a:gs pos="100000">
-              <a:schemeClr val="phClr">
-                <a:tint val="15000"/>
-                <a:satMod val="350000"/>
-              </a:schemeClr>
-            </a:gs>
-          </a:gsLst>
-          <a:lin ang="16200000" scaled="1"/>
-        </a:gradFill>
-        <a:gradFill rotWithShape="1">
-          <a:gsLst>
-            <a:gs pos="0">
-              <a:schemeClr val="phClr">
-                <a:tint val="100000"/>
-                <a:shade val="100000"/>
-                <a:satMod val="130000"/>
-              </a:schemeClr>
-            </a:gs>
-            <a:gs pos="100000">
-              <a:schemeClr val="phClr">
-                <a:tint val="50000"/>
-                <a:shade val="100000"/>
-                <a:satMod val="350000"/>
-              </a:schemeClr>
-            </a:gs>
-          </a:gsLst>
-          <a:lin ang="16200000" scaled="0"/>
-        </a:gradFill>
-      </a:fillStyleLst>
-      <a:lnStyleLst>
-        <a:ln w="9525" cap="flat" cmpd="sng" algn="ctr">
-          <a:solidFill>
-            <a:schemeClr val="phClr">
-              <a:shade val="95000"/>
-              <a:satMod val="105000"/>
-            </a:schemeClr>
-          </a:solidFill>
-          <a:prstDash val="solid"/>
-        </a:ln>
-        <a:ln w="25400" cap="flat" cmpd="sng" algn="ctr">
-          <a:solidFill>
-            <a:schemeClr val="phClr"/>
-          </a:solidFill>
-          <a:prstDash val="solid"/>
-        </a:ln>
-        <a:ln w="38100" cap="flat" cmpd="sng" algn="ctr">
-          <a:solidFill>
-            <a:schemeClr val="phClr"/>
-          </a:solidFill>
-          <a:prstDash val="solid"/>
-        </a:ln>
-      </a:lnStyleLst>
-      <a:effectStyleLst>
-        <a:effectStyle>
-          <a:effectLst>
-            <a:outerShdw blurRad="40000" dist="20000" dir="5400000" rotWithShape="0">
-              <a:srgbClr val="000000">
-                <a:alpha val="38000"/>
-              </a:srgbClr>
-            </a:outerShdw>
-          </a:effectLst>
-        </a:effectStyle>
-        <a:effectStyle>
-          <a:effectLst>
-            <a:outerShdw blurRad="40000" dist="23000" dir="5400000" rotWithShape="0">
-              <a:srgbClr val="000000">
-                <a:alpha val="35000"/>
-              </a:srgbClr>
-            </a:outerShdw>
-          </a:effectLst>
-        </a:effectStyle>
-        <a:effectStyle>
-          <a:effectLst>
-            <a:outerShdw blurRad="40000" dist="23000" dir="5400000" rotWithShape="0">
-              <a:srgbClr val="000000">
-                <a:alpha val="35000"/>
-              </a:srgbClr>
-            </a:outerShdw>
-          </a:effectLst>
-          <a:scene3d>
-            <a:camera prst="orthographicFront">
-              <a:rot lat="0" lon="0" rev="0"/>
-            </a:camera>
-            <a:lightRig rig="threePt" dir="t">
-              <a:rot lat="0" lon="0" rev="1200000"/>
-            </a:lightRig>
-          </a:scene3d>
-          <a:sp3d>
-            <a:bevelT w="63500" h="25400"/>
-          </a:sp3d>
-        </a:effectStyle>
-      </a:effectStyleLst>
-      <a:bgFillStyleLst>
-        <a:solidFill>
-          <a:schemeClr val="phClr"/>
-        </a:solidFill>
-        <a:gradFill rotWithShape="1">
-          <a:gsLst>
-            <a:gs pos="0">
-              <a:schemeClr val="phClr">
-                <a:tint val="40000"/>
-                <a:satMod val="350000"/>
-              </a:schemeClr>
-            </a:gs>
-            <a:gs pos="40000">
-              <a:schemeClr val="phClr">
-                <a:tint val="45000"/>
-                <a:shade val="99000"/>
-                <a:satMod val="350000"/>
-              </a:schemeClr>
-            </a:gs>
-            <a:gs pos="100000">
-              <a:schemeClr val="phClr">
-                <a:shade val="20000"/>
-                <a:satMod val="255000"/>
-              </a:schemeClr>
-            </a:gs>
-          </a:gsLst>
-          <a:path path="circle">
-            <a:fillToRect l="50000" t="-80000" r="50000" b="180000"/>
-          </a:path>
-        </a:gradFill>
-        <a:gradFill rotWithShape="1">
-          <a:gsLst>
-            <a:gs pos="0">
-              <a:schemeClr val="phClr">
-                <a:tint val="80000"/>
-                <a:satMod val="300000"/>
-              </a:schemeClr>
-            </a:gs>
-            <a:gs pos="100000">
-              <a:schemeClr val="phClr">
-                <a:shade val="30000"/>
-                <a:satMod val="200000"/>
-              </a:schemeClr>
-            </a:gs>
-          </a:gsLst>
-          <a:path path="circle">
-            <a:fillToRect l="50000" t="50000" r="50000" b="50000"/>
-          </a:path>
-        </a:gradFill>
-      </a:bgFillStyleLst>
-    </a:fmtScheme>
-  </a:themeElements>
+  <a:objectDefaults/>
+  <a:extraClrSchemeLst/>
 </a:theme>
 </file>
--- a/Week16-FinalProjects/meghana_arvind_final_project/meghana_arvind_final_project.pptx
+++ b/Week16-FinalProjects/meghana_arvind_final_project/meghana_arvind_final_project.pptx
@@ -7078,9 +7078,9 @@
             </a:pPr>
             <a:r>
               <a:rPr lang="en"/>
-              <a:t>My Project</a:t>
+              <a:t>My Project </a:t>
             </a:r>
-            <a:endParaRPr/>
+            <a:endParaRPr dirty="0"/>
           </a:p>
         </p:txBody>
       </p:sp>
